--- a/web/studio/ASC.Web.Studio/Products/Files/DocStore/newdocuments/pt-BR/new.pptx
+++ b/web/studio/ASC.Web.Studio/Products/Files/DocStore/newdocuments/pt-BR/new.pptx
@@ -14,7 +14,7 @@
   <p:notesSz cx="6858000" cy="9144000"/>
   <p:defaultTextStyle>
     <a:defPPr>
-      <a:defRPr lang="ru-RU"/>
+      <a:defRPr lang="pt-BR"/>
     </a:defPPr>
     <a:lvl1pPr marL="0" algn="l" defTabSz="914400" rtl="0" eaLnBrk="1" latinLnBrk="0" hangingPunct="1">
       <a:defRPr sz="1800" kern="1200">
@@ -167,7 +167,7 @@
             </a:lvl1pPr>
           </a:lstStyle>
           <a:p>
-            <a:endParaRPr lang="en-US"/>
+            <a:endParaRPr lang="pt-BR"/>
           </a:p>
         </p:txBody>
       </p:sp>
@@ -199,10 +199,10 @@
           </a:lstStyle>
           <a:p>
             <a:fld id="{3632E96E-41F7-40C5-8419-297958CC00FA}" type="datetimeFigureOut">
-              <a:rPr lang="en-US" smtClean="0"/>
+              <a:rPr lang="pt-BR" smtClean="0"/>
               <a:t>10/30/2013</a:t>
             </a:fld>
-            <a:endParaRPr lang="en-US"/>
+            <a:endParaRPr lang="pt-BR"/>
           </a:p>
         </p:txBody>
       </p:sp>
@@ -235,7 +235,7 @@
           <a:bodyPr vert="horz" lIns="91440" tIns="45720" rIns="91440" bIns="45720" rtlCol="0" anchor="ctr"/>
           <a:lstStyle/>
           <a:p>
-            <a:endParaRPr lang="en-US"/>
+            <a:endParaRPr lang="pt-BR"/>
           </a:p>
         </p:txBody>
       </p:sp>
@@ -264,38 +264,38 @@
           <a:p>
             <a:pPr lvl="0"/>
             <a:r>
-              <a:rPr lang="en-US" smtClean="0"/>
+              <a:rPr lang="pt-BR" smtClean="0"/>
               <a:t>Click to edit Master text styles</a:t>
             </a:r>
           </a:p>
           <a:p>
             <a:pPr lvl="1"/>
             <a:r>
-              <a:rPr lang="en-US" smtClean="0"/>
+              <a:rPr lang="pt-BR" smtClean="0"/>
               <a:t>Second level</a:t>
             </a:r>
           </a:p>
           <a:p>
             <a:pPr lvl="2"/>
             <a:r>
-              <a:rPr lang="en-US" smtClean="0"/>
+              <a:rPr lang="pt-BR" smtClean="0"/>
               <a:t>Third level</a:t>
             </a:r>
           </a:p>
           <a:p>
             <a:pPr lvl="3"/>
             <a:r>
-              <a:rPr lang="en-US" smtClean="0"/>
+              <a:rPr lang="pt-BR" smtClean="0"/>
               <a:t>Fourth level</a:t>
             </a:r>
           </a:p>
           <a:p>
             <a:pPr lvl="4"/>
             <a:r>
-              <a:rPr lang="en-US" smtClean="0"/>
+              <a:rPr lang="pt-BR" smtClean="0"/>
               <a:t>Fifth level</a:t>
             </a:r>
-            <a:endParaRPr lang="en-US"/>
+            <a:endParaRPr lang="pt-BR"/>
           </a:p>
         </p:txBody>
       </p:sp>
@@ -326,7 +326,7 @@
             </a:lvl1pPr>
           </a:lstStyle>
           <a:p>
-            <a:endParaRPr lang="en-US"/>
+            <a:endParaRPr lang="pt-BR"/>
           </a:p>
         </p:txBody>
       </p:sp>
@@ -358,10 +358,10 @@
           </a:lstStyle>
           <a:p>
             <a:fld id="{2E6999B8-B6B4-4561-A3CD-BBCDAB9FC9D9}" type="slidenum">
-              <a:rPr lang="en-US" smtClean="0"/>
+              <a:rPr lang="pt-BR" smtClean="0"/>
               <a:t>‹#›</a:t>
             </a:fld>
-            <a:endParaRPr lang="en-US"/>
+            <a:endParaRPr lang="pt-BR"/>
           </a:p>
         </p:txBody>
       </p:sp>
@@ -517,7 +517,7 @@
           <a:bodyPr/>
           <a:lstStyle/>
           <a:p>
-            <a:endParaRPr lang="en-US" dirty="0">
+            <a:endParaRPr lang="pt-BR" dirty="0">
               <a:latin typeface="Arial" panose="020B0604020202020204" pitchFamily="34" charset="0"/>
               <a:cs typeface="Arial" panose="020B0604020202020204" pitchFamily="34" charset="0"/>
             </a:endParaRPr>
@@ -540,10 +540,10 @@
           <a:lstStyle/>
           <a:p>
             <a:fld id="{2E6999B8-B6B4-4561-A3CD-BBCDAB9FC9D9}" type="slidenum">
-              <a:rPr lang="en-US" smtClean="0"/>
+              <a:rPr lang="pt-BR" smtClean="0"/>
               <a:t>1</a:t>
             </a:fld>
-            <a:endParaRPr lang="en-US"/>
+            <a:endParaRPr lang="pt-BR"/>
           </a:p>
         </p:txBody>
       </p:sp>
@@ -602,10 +602,10 @@
           </a:lstStyle>
           <a:p>
             <a:r>
-              <a:rPr lang="en-US" smtClean="0"/>
+              <a:rPr lang="pt-BR" smtClean="0"/>
               <a:t>Click to edit Master title style</a:t>
             </a:r>
-            <a:endParaRPr lang="en-US" dirty="0"/>
+            <a:endParaRPr lang="pt-BR" dirty="0"/>
           </a:p>
         </p:txBody>
       </p:sp>
@@ -667,10 +667,10 @@
           </a:lstStyle>
           <a:p>
             <a:r>
-              <a:rPr lang="en-US" smtClean="0"/>
+              <a:rPr lang="pt-BR" smtClean="0"/>
               <a:t>Click to edit Master subtitle style</a:t>
             </a:r>
-            <a:endParaRPr lang="en-US" dirty="0"/>
+            <a:endParaRPr lang="pt-BR" dirty="0"/>
           </a:p>
         </p:txBody>
       </p:sp>
@@ -690,10 +690,10 @@
           <a:lstStyle/>
           <a:p>
             <a:fld id="{BCC18F51-09EC-435C-A3BA-64A766E099C0}" type="datetimeFigureOut">
-              <a:rPr lang="ru-RU" smtClean="0"/>
+              <a:rPr lang="pt-BR" smtClean="0"/>
               <a:t>30.10.2013</a:t>
             </a:fld>
-            <a:endParaRPr lang="ru-RU"/>
+            <a:endParaRPr lang="pt-BR"/>
           </a:p>
         </p:txBody>
       </p:sp>
@@ -712,7 +712,7 @@
           <a:bodyPr/>
           <a:lstStyle/>
           <a:p>
-            <a:endParaRPr lang="ru-RU"/>
+            <a:endParaRPr lang="pt-BR"/>
           </a:p>
         </p:txBody>
       </p:sp>
@@ -732,10 +732,10 @@
           <a:lstStyle/>
           <a:p>
             <a:fld id="{08395586-F03A-48D1-94DF-16B239DF4FB5}" type="slidenum">
-              <a:rPr lang="ru-RU" smtClean="0"/>
+              <a:rPr lang="pt-BR" smtClean="0"/>
               <a:t>‹#›</a:t>
             </a:fld>
-            <a:endParaRPr lang="ru-RU"/>
+            <a:endParaRPr lang="pt-BR"/>
           </a:p>
         </p:txBody>
       </p:sp>
@@ -785,10 +785,10 @@
           <a:lstStyle/>
           <a:p>
             <a:r>
-              <a:rPr lang="en-US" smtClean="0"/>
+              <a:rPr lang="pt-BR" smtClean="0"/>
               <a:t>Click to edit Master title style</a:t>
             </a:r>
-            <a:endParaRPr lang="en-US" dirty="0"/>
+            <a:endParaRPr lang="pt-BR" dirty="0"/>
           </a:p>
         </p:txBody>
       </p:sp>
@@ -809,38 +809,38 @@
           <a:p>
             <a:pPr lvl="0"/>
             <a:r>
-              <a:rPr lang="en-US" smtClean="0"/>
+              <a:rPr lang="pt-BR" smtClean="0"/>
               <a:t>Click to edit Master text styles</a:t>
             </a:r>
           </a:p>
           <a:p>
             <a:pPr lvl="1"/>
             <a:r>
-              <a:rPr lang="en-US" smtClean="0"/>
+              <a:rPr lang="pt-BR" smtClean="0"/>
               <a:t>Second level</a:t>
             </a:r>
           </a:p>
           <a:p>
             <a:pPr lvl="2"/>
             <a:r>
-              <a:rPr lang="en-US" smtClean="0"/>
+              <a:rPr lang="pt-BR" smtClean="0"/>
               <a:t>Third level</a:t>
             </a:r>
           </a:p>
           <a:p>
             <a:pPr lvl="3"/>
             <a:r>
-              <a:rPr lang="en-US" smtClean="0"/>
+              <a:rPr lang="pt-BR" smtClean="0"/>
               <a:t>Fourth level</a:t>
             </a:r>
           </a:p>
           <a:p>
             <a:pPr lvl="4"/>
             <a:r>
-              <a:rPr lang="en-US" smtClean="0"/>
+              <a:rPr lang="pt-BR" smtClean="0"/>
               <a:t>Fifth level</a:t>
             </a:r>
-            <a:endParaRPr lang="en-US" dirty="0"/>
+            <a:endParaRPr lang="pt-BR" dirty="0"/>
           </a:p>
         </p:txBody>
       </p:sp>
@@ -860,10 +860,10 @@
           <a:lstStyle/>
           <a:p>
             <a:fld id="{BCC18F51-09EC-435C-A3BA-64A766E099C0}" type="datetimeFigureOut">
-              <a:rPr lang="ru-RU" smtClean="0"/>
+              <a:rPr lang="pt-BR" smtClean="0"/>
               <a:t>30.10.2013</a:t>
             </a:fld>
-            <a:endParaRPr lang="ru-RU"/>
+            <a:endParaRPr lang="pt-BR"/>
           </a:p>
         </p:txBody>
       </p:sp>
@@ -882,7 +882,7 @@
           <a:bodyPr/>
           <a:lstStyle/>
           <a:p>
-            <a:endParaRPr lang="ru-RU"/>
+            <a:endParaRPr lang="pt-BR"/>
           </a:p>
         </p:txBody>
       </p:sp>
@@ -902,10 +902,10 @@
           <a:lstStyle/>
           <a:p>
             <a:fld id="{08395586-F03A-48D1-94DF-16B239DF4FB5}" type="slidenum">
-              <a:rPr lang="ru-RU" smtClean="0"/>
+              <a:rPr lang="pt-BR" smtClean="0"/>
               <a:t>‹#›</a:t>
             </a:fld>
-            <a:endParaRPr lang="ru-RU"/>
+            <a:endParaRPr lang="pt-BR"/>
           </a:p>
         </p:txBody>
       </p:sp>
@@ -960,10 +960,10 @@
           <a:lstStyle/>
           <a:p>
             <a:r>
-              <a:rPr lang="en-US" smtClean="0"/>
+              <a:rPr lang="pt-BR" smtClean="0"/>
               <a:t>Click to edit Master title style</a:t>
             </a:r>
-            <a:endParaRPr lang="en-US" dirty="0"/>
+            <a:endParaRPr lang="pt-BR" dirty="0"/>
           </a:p>
         </p:txBody>
       </p:sp>
@@ -989,38 +989,38 @@
           <a:p>
             <a:pPr lvl="0"/>
             <a:r>
-              <a:rPr lang="en-US" smtClean="0"/>
+              <a:rPr lang="pt-BR" smtClean="0"/>
               <a:t>Click to edit Master text styles</a:t>
             </a:r>
           </a:p>
           <a:p>
             <a:pPr lvl="1"/>
             <a:r>
-              <a:rPr lang="en-US" smtClean="0"/>
+              <a:rPr lang="pt-BR" smtClean="0"/>
               <a:t>Second level</a:t>
             </a:r>
           </a:p>
           <a:p>
             <a:pPr lvl="2"/>
             <a:r>
-              <a:rPr lang="en-US" smtClean="0"/>
+              <a:rPr lang="pt-BR" smtClean="0"/>
               <a:t>Third level</a:t>
             </a:r>
           </a:p>
           <a:p>
             <a:pPr lvl="3"/>
             <a:r>
-              <a:rPr lang="en-US" smtClean="0"/>
+              <a:rPr lang="pt-BR" smtClean="0"/>
               <a:t>Fourth level</a:t>
             </a:r>
           </a:p>
           <a:p>
             <a:pPr lvl="4"/>
             <a:r>
-              <a:rPr lang="en-US" smtClean="0"/>
+              <a:rPr lang="pt-BR" smtClean="0"/>
               <a:t>Fifth level</a:t>
             </a:r>
-            <a:endParaRPr lang="en-US" dirty="0"/>
+            <a:endParaRPr lang="pt-BR" dirty="0"/>
           </a:p>
         </p:txBody>
       </p:sp>
@@ -1040,10 +1040,10 @@
           <a:lstStyle/>
           <a:p>
             <a:fld id="{BCC18F51-09EC-435C-A3BA-64A766E099C0}" type="datetimeFigureOut">
-              <a:rPr lang="ru-RU" smtClean="0"/>
+              <a:rPr lang="pt-BR" smtClean="0"/>
               <a:t>30.10.2013</a:t>
             </a:fld>
-            <a:endParaRPr lang="ru-RU"/>
+            <a:endParaRPr lang="pt-BR"/>
           </a:p>
         </p:txBody>
       </p:sp>
@@ -1062,7 +1062,7 @@
           <a:bodyPr/>
           <a:lstStyle/>
           <a:p>
-            <a:endParaRPr lang="ru-RU"/>
+            <a:endParaRPr lang="pt-BR"/>
           </a:p>
         </p:txBody>
       </p:sp>
@@ -1082,10 +1082,10 @@
           <a:lstStyle/>
           <a:p>
             <a:fld id="{08395586-F03A-48D1-94DF-16B239DF4FB5}" type="slidenum">
-              <a:rPr lang="ru-RU" smtClean="0"/>
+              <a:rPr lang="pt-BR" smtClean="0"/>
               <a:t>‹#›</a:t>
             </a:fld>
-            <a:endParaRPr lang="ru-RU"/>
+            <a:endParaRPr lang="pt-BR"/>
           </a:p>
         </p:txBody>
       </p:sp>
@@ -1135,10 +1135,10 @@
           <a:lstStyle/>
           <a:p>
             <a:r>
-              <a:rPr lang="en-US" smtClean="0"/>
+              <a:rPr lang="pt-BR" smtClean="0"/>
               <a:t>Click to edit Master title style</a:t>
             </a:r>
-            <a:endParaRPr lang="en-US" dirty="0"/>
+            <a:endParaRPr lang="pt-BR" dirty="0"/>
           </a:p>
         </p:txBody>
       </p:sp>
@@ -1159,38 +1159,38 @@
           <a:p>
             <a:pPr lvl="0"/>
             <a:r>
-              <a:rPr lang="en-US" smtClean="0"/>
+              <a:rPr lang="pt-BR" smtClean="0"/>
               <a:t>Click to edit Master text styles</a:t>
             </a:r>
           </a:p>
           <a:p>
             <a:pPr lvl="1"/>
             <a:r>
-              <a:rPr lang="en-US" smtClean="0"/>
+              <a:rPr lang="pt-BR" smtClean="0"/>
               <a:t>Second level</a:t>
             </a:r>
           </a:p>
           <a:p>
             <a:pPr lvl="2"/>
             <a:r>
-              <a:rPr lang="en-US" smtClean="0"/>
+              <a:rPr lang="pt-BR" smtClean="0"/>
               <a:t>Third level</a:t>
             </a:r>
           </a:p>
           <a:p>
             <a:pPr lvl="3"/>
             <a:r>
-              <a:rPr lang="en-US" smtClean="0"/>
+              <a:rPr lang="pt-BR" smtClean="0"/>
               <a:t>Fourth level</a:t>
             </a:r>
           </a:p>
           <a:p>
             <a:pPr lvl="4"/>
             <a:r>
-              <a:rPr lang="en-US" smtClean="0"/>
+              <a:rPr lang="pt-BR" smtClean="0"/>
               <a:t>Fifth level</a:t>
             </a:r>
-            <a:endParaRPr lang="en-US" dirty="0"/>
+            <a:endParaRPr lang="pt-BR" dirty="0"/>
           </a:p>
         </p:txBody>
       </p:sp>
@@ -1210,10 +1210,10 @@
           <a:lstStyle/>
           <a:p>
             <a:fld id="{BCC18F51-09EC-435C-A3BA-64A766E099C0}" type="datetimeFigureOut">
-              <a:rPr lang="ru-RU" smtClean="0"/>
+              <a:rPr lang="pt-BR" smtClean="0"/>
               <a:t>30.10.2013</a:t>
             </a:fld>
-            <a:endParaRPr lang="ru-RU"/>
+            <a:endParaRPr lang="pt-BR"/>
           </a:p>
         </p:txBody>
       </p:sp>
@@ -1232,7 +1232,7 @@
           <a:bodyPr/>
           <a:lstStyle/>
           <a:p>
-            <a:endParaRPr lang="ru-RU"/>
+            <a:endParaRPr lang="pt-BR"/>
           </a:p>
         </p:txBody>
       </p:sp>
@@ -1252,10 +1252,10 @@
           <a:lstStyle/>
           <a:p>
             <a:fld id="{08395586-F03A-48D1-94DF-16B239DF4FB5}" type="slidenum">
-              <a:rPr lang="ru-RU" smtClean="0"/>
+              <a:rPr lang="pt-BR" smtClean="0"/>
               <a:t>‹#›</a:t>
             </a:fld>
-            <a:endParaRPr lang="ru-RU"/>
+            <a:endParaRPr lang="pt-BR"/>
           </a:p>
         </p:txBody>
       </p:sp>
@@ -1314,10 +1314,10 @@
           </a:lstStyle>
           <a:p>
             <a:r>
-              <a:rPr lang="en-US" smtClean="0"/>
+              <a:rPr lang="pt-BR" smtClean="0"/>
               <a:t>Click to edit Master title style</a:t>
             </a:r>
-            <a:endParaRPr lang="en-US" dirty="0"/>
+            <a:endParaRPr lang="pt-BR" dirty="0"/>
           </a:p>
         </p:txBody>
       </p:sp>
@@ -1434,7 +1434,7 @@
           <a:p>
             <a:pPr lvl="0"/>
             <a:r>
-              <a:rPr lang="en-US" smtClean="0"/>
+              <a:rPr lang="pt-BR" smtClean="0"/>
               <a:t>Click to edit Master text styles</a:t>
             </a:r>
           </a:p>
@@ -1456,10 +1456,10 @@
           <a:lstStyle/>
           <a:p>
             <a:fld id="{BCC18F51-09EC-435C-A3BA-64A766E099C0}" type="datetimeFigureOut">
-              <a:rPr lang="ru-RU" smtClean="0"/>
+              <a:rPr lang="pt-BR" smtClean="0"/>
               <a:t>30.10.2013</a:t>
             </a:fld>
-            <a:endParaRPr lang="ru-RU"/>
+            <a:endParaRPr lang="pt-BR"/>
           </a:p>
         </p:txBody>
       </p:sp>
@@ -1478,7 +1478,7 @@
           <a:bodyPr/>
           <a:lstStyle/>
           <a:p>
-            <a:endParaRPr lang="ru-RU"/>
+            <a:endParaRPr lang="pt-BR"/>
           </a:p>
         </p:txBody>
       </p:sp>
@@ -1498,10 +1498,10 @@
           <a:lstStyle/>
           <a:p>
             <a:fld id="{08395586-F03A-48D1-94DF-16B239DF4FB5}" type="slidenum">
-              <a:rPr lang="ru-RU" smtClean="0"/>
+              <a:rPr lang="pt-BR" smtClean="0"/>
               <a:t>‹#›</a:t>
             </a:fld>
-            <a:endParaRPr lang="ru-RU"/>
+            <a:endParaRPr lang="pt-BR"/>
           </a:p>
         </p:txBody>
       </p:sp>
@@ -1551,10 +1551,10 @@
           <a:lstStyle/>
           <a:p>
             <a:r>
-              <a:rPr lang="en-US" smtClean="0"/>
+              <a:rPr lang="pt-BR" smtClean="0"/>
               <a:t>Click to edit Master title style</a:t>
             </a:r>
-            <a:endParaRPr lang="en-US" dirty="0"/>
+            <a:endParaRPr lang="pt-BR" dirty="0"/>
           </a:p>
         </p:txBody>
       </p:sp>
@@ -1580,38 +1580,38 @@
           <a:p>
             <a:pPr lvl="0"/>
             <a:r>
-              <a:rPr lang="en-US" smtClean="0"/>
+              <a:rPr lang="pt-BR" smtClean="0"/>
               <a:t>Click to edit Master text styles</a:t>
             </a:r>
           </a:p>
           <a:p>
             <a:pPr lvl="1"/>
             <a:r>
-              <a:rPr lang="en-US" smtClean="0"/>
+              <a:rPr lang="pt-BR" smtClean="0"/>
               <a:t>Second level</a:t>
             </a:r>
           </a:p>
           <a:p>
             <a:pPr lvl="2"/>
             <a:r>
-              <a:rPr lang="en-US" smtClean="0"/>
+              <a:rPr lang="pt-BR" smtClean="0"/>
               <a:t>Third level</a:t>
             </a:r>
           </a:p>
           <a:p>
             <a:pPr lvl="3"/>
             <a:r>
-              <a:rPr lang="en-US" smtClean="0"/>
+              <a:rPr lang="pt-BR" smtClean="0"/>
               <a:t>Fourth level</a:t>
             </a:r>
           </a:p>
           <a:p>
             <a:pPr lvl="4"/>
             <a:r>
-              <a:rPr lang="en-US" smtClean="0"/>
+              <a:rPr lang="pt-BR" smtClean="0"/>
               <a:t>Fifth level</a:t>
             </a:r>
-            <a:endParaRPr lang="en-US" dirty="0"/>
+            <a:endParaRPr lang="pt-BR" dirty="0"/>
           </a:p>
         </p:txBody>
       </p:sp>
@@ -1637,38 +1637,38 @@
           <a:p>
             <a:pPr lvl="0"/>
             <a:r>
-              <a:rPr lang="en-US" smtClean="0"/>
+              <a:rPr lang="pt-BR" smtClean="0"/>
               <a:t>Click to edit Master text styles</a:t>
             </a:r>
           </a:p>
           <a:p>
             <a:pPr lvl="1"/>
             <a:r>
-              <a:rPr lang="en-US" smtClean="0"/>
+              <a:rPr lang="pt-BR" smtClean="0"/>
               <a:t>Second level</a:t>
             </a:r>
           </a:p>
           <a:p>
             <a:pPr lvl="2"/>
             <a:r>
-              <a:rPr lang="en-US" smtClean="0"/>
+              <a:rPr lang="pt-BR" smtClean="0"/>
               <a:t>Third level</a:t>
             </a:r>
           </a:p>
           <a:p>
             <a:pPr lvl="3"/>
             <a:r>
-              <a:rPr lang="en-US" smtClean="0"/>
+              <a:rPr lang="pt-BR" smtClean="0"/>
               <a:t>Fourth level</a:t>
             </a:r>
           </a:p>
           <a:p>
             <a:pPr lvl="4"/>
             <a:r>
-              <a:rPr lang="en-US" smtClean="0"/>
+              <a:rPr lang="pt-BR" smtClean="0"/>
               <a:t>Fifth level</a:t>
             </a:r>
-            <a:endParaRPr lang="en-US" dirty="0"/>
+            <a:endParaRPr lang="pt-BR" dirty="0"/>
           </a:p>
         </p:txBody>
       </p:sp>
@@ -1688,10 +1688,10 @@
           <a:lstStyle/>
           <a:p>
             <a:fld id="{BCC18F51-09EC-435C-A3BA-64A766E099C0}" type="datetimeFigureOut">
-              <a:rPr lang="ru-RU" smtClean="0"/>
+              <a:rPr lang="pt-BR" smtClean="0"/>
               <a:t>30.10.2013</a:t>
             </a:fld>
-            <a:endParaRPr lang="ru-RU"/>
+            <a:endParaRPr lang="pt-BR"/>
           </a:p>
         </p:txBody>
       </p:sp>
@@ -1710,7 +1710,7 @@
           <a:bodyPr/>
           <a:lstStyle/>
           <a:p>
-            <a:endParaRPr lang="ru-RU"/>
+            <a:endParaRPr lang="pt-BR"/>
           </a:p>
         </p:txBody>
       </p:sp>
@@ -1730,10 +1730,10 @@
           <a:lstStyle/>
           <a:p>
             <a:fld id="{08395586-F03A-48D1-94DF-16B239DF4FB5}" type="slidenum">
-              <a:rPr lang="ru-RU" smtClean="0"/>
+              <a:rPr lang="pt-BR" smtClean="0"/>
               <a:t>‹#›</a:t>
             </a:fld>
-            <a:endParaRPr lang="ru-RU"/>
+            <a:endParaRPr lang="pt-BR"/>
           </a:p>
         </p:txBody>
       </p:sp>
@@ -1788,10 +1788,10 @@
           <a:lstStyle/>
           <a:p>
             <a:r>
-              <a:rPr lang="en-US" smtClean="0"/>
+              <a:rPr lang="pt-BR" smtClean="0"/>
               <a:t>Click to edit Master title style</a:t>
             </a:r>
-            <a:endParaRPr lang="en-US" dirty="0"/>
+            <a:endParaRPr lang="pt-BR" dirty="0"/>
           </a:p>
         </p:txBody>
       </p:sp>
@@ -1854,7 +1854,7 @@
           <a:p>
             <a:pPr lvl="0"/>
             <a:r>
-              <a:rPr lang="en-US" smtClean="0"/>
+              <a:rPr lang="pt-BR" smtClean="0"/>
               <a:t>Click to edit Master text styles</a:t>
             </a:r>
           </a:p>
@@ -1882,38 +1882,38 @@
           <a:p>
             <a:pPr lvl="0"/>
             <a:r>
-              <a:rPr lang="en-US" smtClean="0"/>
+              <a:rPr lang="pt-BR" smtClean="0"/>
               <a:t>Click to edit Master text styles</a:t>
             </a:r>
           </a:p>
           <a:p>
             <a:pPr lvl="1"/>
             <a:r>
-              <a:rPr lang="en-US" smtClean="0"/>
+              <a:rPr lang="pt-BR" smtClean="0"/>
               <a:t>Second level</a:t>
             </a:r>
           </a:p>
           <a:p>
             <a:pPr lvl="2"/>
             <a:r>
-              <a:rPr lang="en-US" smtClean="0"/>
+              <a:rPr lang="pt-BR" smtClean="0"/>
               <a:t>Third level</a:t>
             </a:r>
           </a:p>
           <a:p>
             <a:pPr lvl="3"/>
             <a:r>
-              <a:rPr lang="en-US" smtClean="0"/>
+              <a:rPr lang="pt-BR" smtClean="0"/>
               <a:t>Fourth level</a:t>
             </a:r>
           </a:p>
           <a:p>
             <a:pPr lvl="4"/>
             <a:r>
-              <a:rPr lang="en-US" smtClean="0"/>
+              <a:rPr lang="pt-BR" smtClean="0"/>
               <a:t>Fifth level</a:t>
             </a:r>
-            <a:endParaRPr lang="en-US" dirty="0"/>
+            <a:endParaRPr lang="pt-BR" dirty="0"/>
           </a:p>
         </p:txBody>
       </p:sp>
@@ -1976,7 +1976,7 @@
           <a:p>
             <a:pPr lvl="0"/>
             <a:r>
-              <a:rPr lang="en-US" smtClean="0"/>
+              <a:rPr lang="pt-BR" smtClean="0"/>
               <a:t>Click to edit Master text styles</a:t>
             </a:r>
           </a:p>
@@ -2004,38 +2004,38 @@
           <a:p>
             <a:pPr lvl="0"/>
             <a:r>
-              <a:rPr lang="en-US" smtClean="0"/>
+              <a:rPr lang="pt-BR" smtClean="0"/>
               <a:t>Click to edit Master text styles</a:t>
             </a:r>
           </a:p>
           <a:p>
             <a:pPr lvl="1"/>
             <a:r>
-              <a:rPr lang="en-US" smtClean="0"/>
+              <a:rPr lang="pt-BR" smtClean="0"/>
               <a:t>Second level</a:t>
             </a:r>
           </a:p>
           <a:p>
             <a:pPr lvl="2"/>
             <a:r>
-              <a:rPr lang="en-US" smtClean="0"/>
+              <a:rPr lang="pt-BR" smtClean="0"/>
               <a:t>Third level</a:t>
             </a:r>
           </a:p>
           <a:p>
             <a:pPr lvl="3"/>
             <a:r>
-              <a:rPr lang="en-US" smtClean="0"/>
+              <a:rPr lang="pt-BR" smtClean="0"/>
               <a:t>Fourth level</a:t>
             </a:r>
           </a:p>
           <a:p>
             <a:pPr lvl="4"/>
             <a:r>
-              <a:rPr lang="en-US" smtClean="0"/>
+              <a:rPr lang="pt-BR" smtClean="0"/>
               <a:t>Fifth level</a:t>
             </a:r>
-            <a:endParaRPr lang="en-US" dirty="0"/>
+            <a:endParaRPr lang="pt-BR" dirty="0"/>
           </a:p>
         </p:txBody>
       </p:sp>
@@ -2055,10 +2055,10 @@
           <a:lstStyle/>
           <a:p>
             <a:fld id="{BCC18F51-09EC-435C-A3BA-64A766E099C0}" type="datetimeFigureOut">
-              <a:rPr lang="ru-RU" smtClean="0"/>
+              <a:rPr lang="pt-BR" smtClean="0"/>
               <a:t>30.10.2013</a:t>
             </a:fld>
-            <a:endParaRPr lang="ru-RU"/>
+            <a:endParaRPr lang="pt-BR"/>
           </a:p>
         </p:txBody>
       </p:sp>
@@ -2077,7 +2077,7 @@
           <a:bodyPr/>
           <a:lstStyle/>
           <a:p>
-            <a:endParaRPr lang="ru-RU"/>
+            <a:endParaRPr lang="pt-BR"/>
           </a:p>
         </p:txBody>
       </p:sp>
@@ -2097,10 +2097,10 @@
           <a:lstStyle/>
           <a:p>
             <a:fld id="{08395586-F03A-48D1-94DF-16B239DF4FB5}" type="slidenum">
-              <a:rPr lang="ru-RU" smtClean="0"/>
+              <a:rPr lang="pt-BR" smtClean="0"/>
               <a:t>‹#›</a:t>
             </a:fld>
-            <a:endParaRPr lang="ru-RU"/>
+            <a:endParaRPr lang="pt-BR"/>
           </a:p>
         </p:txBody>
       </p:sp>
@@ -2150,10 +2150,10 @@
           <a:lstStyle/>
           <a:p>
             <a:r>
-              <a:rPr lang="en-US" smtClean="0"/>
+              <a:rPr lang="pt-BR" smtClean="0"/>
               <a:t>Click to edit Master title style</a:t>
             </a:r>
-            <a:endParaRPr lang="en-US" dirty="0"/>
+            <a:endParaRPr lang="pt-BR" dirty="0"/>
           </a:p>
         </p:txBody>
       </p:sp>
@@ -2173,10 +2173,10 @@
           <a:lstStyle/>
           <a:p>
             <a:fld id="{BCC18F51-09EC-435C-A3BA-64A766E099C0}" type="datetimeFigureOut">
-              <a:rPr lang="ru-RU" smtClean="0"/>
+              <a:rPr lang="pt-BR" smtClean="0"/>
               <a:t>30.10.2013</a:t>
             </a:fld>
-            <a:endParaRPr lang="ru-RU"/>
+            <a:endParaRPr lang="pt-BR"/>
           </a:p>
         </p:txBody>
       </p:sp>
@@ -2195,7 +2195,7 @@
           <a:bodyPr/>
           <a:lstStyle/>
           <a:p>
-            <a:endParaRPr lang="ru-RU"/>
+            <a:endParaRPr lang="pt-BR"/>
           </a:p>
         </p:txBody>
       </p:sp>
@@ -2215,10 +2215,10 @@
           <a:lstStyle/>
           <a:p>
             <a:fld id="{08395586-F03A-48D1-94DF-16B239DF4FB5}" type="slidenum">
-              <a:rPr lang="ru-RU" smtClean="0"/>
+              <a:rPr lang="pt-BR" smtClean="0"/>
               <a:t>‹#›</a:t>
             </a:fld>
-            <a:endParaRPr lang="ru-RU"/>
+            <a:endParaRPr lang="pt-BR"/>
           </a:p>
         </p:txBody>
       </p:sp>
@@ -2268,10 +2268,10 @@
           <a:lstStyle/>
           <a:p>
             <a:fld id="{BCC18F51-09EC-435C-A3BA-64A766E099C0}" type="datetimeFigureOut">
-              <a:rPr lang="ru-RU" smtClean="0"/>
+              <a:rPr lang="pt-BR" smtClean="0"/>
               <a:t>30.10.2013</a:t>
             </a:fld>
-            <a:endParaRPr lang="ru-RU"/>
+            <a:endParaRPr lang="pt-BR"/>
           </a:p>
         </p:txBody>
       </p:sp>
@@ -2290,7 +2290,7 @@
           <a:bodyPr/>
           <a:lstStyle/>
           <a:p>
-            <a:endParaRPr lang="ru-RU"/>
+            <a:endParaRPr lang="pt-BR"/>
           </a:p>
         </p:txBody>
       </p:sp>
@@ -2310,10 +2310,10 @@
           <a:lstStyle/>
           <a:p>
             <a:fld id="{08395586-F03A-48D1-94DF-16B239DF4FB5}" type="slidenum">
-              <a:rPr lang="ru-RU" smtClean="0"/>
+              <a:rPr lang="pt-BR" smtClean="0"/>
               <a:t>‹#›</a:t>
             </a:fld>
-            <a:endParaRPr lang="ru-RU"/>
+            <a:endParaRPr lang="pt-BR"/>
           </a:p>
         </p:txBody>
       </p:sp>
@@ -2372,10 +2372,10 @@
           </a:lstStyle>
           <a:p>
             <a:r>
-              <a:rPr lang="en-US" smtClean="0"/>
+              <a:rPr lang="pt-BR" smtClean="0"/>
               <a:t>Click to edit Master title style</a:t>
             </a:r>
-            <a:endParaRPr lang="en-US" dirty="0"/>
+            <a:endParaRPr lang="pt-BR" dirty="0"/>
           </a:p>
         </p:txBody>
       </p:sp>
@@ -2429,38 +2429,38 @@
           <a:p>
             <a:pPr lvl="0"/>
             <a:r>
-              <a:rPr lang="en-US" smtClean="0"/>
+              <a:rPr lang="pt-BR" smtClean="0"/>
               <a:t>Click to edit Master text styles</a:t>
             </a:r>
           </a:p>
           <a:p>
             <a:pPr lvl="1"/>
             <a:r>
-              <a:rPr lang="en-US" smtClean="0"/>
+              <a:rPr lang="pt-BR" smtClean="0"/>
               <a:t>Second level</a:t>
             </a:r>
           </a:p>
           <a:p>
             <a:pPr lvl="2"/>
             <a:r>
-              <a:rPr lang="en-US" smtClean="0"/>
+              <a:rPr lang="pt-BR" smtClean="0"/>
               <a:t>Third level</a:t>
             </a:r>
           </a:p>
           <a:p>
             <a:pPr lvl="3"/>
             <a:r>
-              <a:rPr lang="en-US" smtClean="0"/>
+              <a:rPr lang="pt-BR" smtClean="0"/>
               <a:t>Fourth level</a:t>
             </a:r>
           </a:p>
           <a:p>
             <a:pPr lvl="4"/>
             <a:r>
-              <a:rPr lang="en-US" smtClean="0"/>
+              <a:rPr lang="pt-BR" smtClean="0"/>
               <a:t>Fifth level</a:t>
             </a:r>
-            <a:endParaRPr lang="en-US" dirty="0"/>
+            <a:endParaRPr lang="pt-BR" dirty="0"/>
           </a:p>
         </p:txBody>
       </p:sp>
@@ -2523,7 +2523,7 @@
           <a:p>
             <a:pPr lvl="0"/>
             <a:r>
-              <a:rPr lang="en-US" smtClean="0"/>
+              <a:rPr lang="pt-BR" smtClean="0"/>
               <a:t>Click to edit Master text styles</a:t>
             </a:r>
           </a:p>
@@ -2545,10 +2545,10 @@
           <a:lstStyle/>
           <a:p>
             <a:fld id="{BCC18F51-09EC-435C-A3BA-64A766E099C0}" type="datetimeFigureOut">
-              <a:rPr lang="ru-RU" smtClean="0"/>
+              <a:rPr lang="pt-BR" smtClean="0"/>
               <a:t>30.10.2013</a:t>
             </a:fld>
-            <a:endParaRPr lang="ru-RU"/>
+            <a:endParaRPr lang="pt-BR"/>
           </a:p>
         </p:txBody>
       </p:sp>
@@ -2567,7 +2567,7 @@
           <a:bodyPr/>
           <a:lstStyle/>
           <a:p>
-            <a:endParaRPr lang="ru-RU"/>
+            <a:endParaRPr lang="pt-BR"/>
           </a:p>
         </p:txBody>
       </p:sp>
@@ -2587,10 +2587,10 @@
           <a:lstStyle/>
           <a:p>
             <a:fld id="{08395586-F03A-48D1-94DF-16B239DF4FB5}" type="slidenum">
-              <a:rPr lang="ru-RU" smtClean="0"/>
+              <a:rPr lang="pt-BR" smtClean="0"/>
               <a:t>‹#›</a:t>
             </a:fld>
-            <a:endParaRPr lang="ru-RU"/>
+            <a:endParaRPr lang="pt-BR"/>
           </a:p>
         </p:txBody>
       </p:sp>
@@ -2649,10 +2649,10 @@
           </a:lstStyle>
           <a:p>
             <a:r>
-              <a:rPr lang="en-US" smtClean="0"/>
+              <a:rPr lang="pt-BR" smtClean="0"/>
               <a:t>Click to edit Master title style</a:t>
             </a:r>
-            <a:endParaRPr lang="en-US" dirty="0"/>
+            <a:endParaRPr lang="pt-BR" dirty="0"/>
           </a:p>
         </p:txBody>
       </p:sp>
@@ -2714,10 +2714,10 @@
           </a:lstStyle>
           <a:p>
             <a:r>
-              <a:rPr lang="en-US" smtClean="0"/>
+              <a:rPr lang="pt-BR" smtClean="0"/>
               <a:t>Click icon to add picture</a:t>
             </a:r>
-            <a:endParaRPr lang="en-US" dirty="0"/>
+            <a:endParaRPr lang="pt-BR" dirty="0"/>
           </a:p>
         </p:txBody>
       </p:sp>
@@ -2780,7 +2780,7 @@
           <a:p>
             <a:pPr lvl="0"/>
             <a:r>
-              <a:rPr lang="en-US" smtClean="0"/>
+              <a:rPr lang="pt-BR" smtClean="0"/>
               <a:t>Click to edit Master text styles</a:t>
             </a:r>
           </a:p>
@@ -2802,10 +2802,10 @@
           <a:lstStyle/>
           <a:p>
             <a:fld id="{BCC18F51-09EC-435C-A3BA-64A766E099C0}" type="datetimeFigureOut">
-              <a:rPr lang="ru-RU" smtClean="0"/>
+              <a:rPr lang="pt-BR" smtClean="0"/>
               <a:t>30.10.2013</a:t>
             </a:fld>
-            <a:endParaRPr lang="ru-RU"/>
+            <a:endParaRPr lang="pt-BR"/>
           </a:p>
         </p:txBody>
       </p:sp>
@@ -2824,7 +2824,7 @@
           <a:bodyPr/>
           <a:lstStyle/>
           <a:p>
-            <a:endParaRPr lang="ru-RU"/>
+            <a:endParaRPr lang="pt-BR"/>
           </a:p>
         </p:txBody>
       </p:sp>
@@ -2844,10 +2844,10 @@
           <a:lstStyle/>
           <a:p>
             <a:fld id="{08395586-F03A-48D1-94DF-16B239DF4FB5}" type="slidenum">
-              <a:rPr lang="ru-RU" smtClean="0"/>
+              <a:rPr lang="pt-BR" smtClean="0"/>
               <a:t>‹#›</a:t>
             </a:fld>
-            <a:endParaRPr lang="ru-RU"/>
+            <a:endParaRPr lang="pt-BR"/>
           </a:p>
         </p:txBody>
       </p:sp>
@@ -2912,10 +2912,10 @@
           <a:lstStyle/>
           <a:p>
             <a:r>
-              <a:rPr lang="en-US" smtClean="0"/>
+              <a:rPr lang="pt-BR" smtClean="0"/>
               <a:t>Click to edit Master title style</a:t>
             </a:r>
-            <a:endParaRPr lang="en-US" dirty="0"/>
+            <a:endParaRPr lang="pt-BR" dirty="0"/>
           </a:p>
         </p:txBody>
       </p:sp>
@@ -2946,38 +2946,38 @@
           <a:p>
             <a:pPr lvl="0"/>
             <a:r>
-              <a:rPr lang="en-US" smtClean="0"/>
+              <a:rPr lang="pt-BR" smtClean="0"/>
               <a:t>Click to edit Master text styles</a:t>
             </a:r>
           </a:p>
           <a:p>
             <a:pPr lvl="1"/>
             <a:r>
-              <a:rPr lang="en-US" smtClean="0"/>
+              <a:rPr lang="pt-BR" smtClean="0"/>
               <a:t>Second level</a:t>
             </a:r>
           </a:p>
           <a:p>
             <a:pPr lvl="2"/>
             <a:r>
-              <a:rPr lang="en-US" smtClean="0"/>
+              <a:rPr lang="pt-BR" smtClean="0"/>
               <a:t>Third level</a:t>
             </a:r>
           </a:p>
           <a:p>
             <a:pPr lvl="3"/>
             <a:r>
-              <a:rPr lang="en-US" smtClean="0"/>
+              <a:rPr lang="pt-BR" smtClean="0"/>
               <a:t>Fourth level</a:t>
             </a:r>
           </a:p>
           <a:p>
             <a:pPr lvl="4"/>
             <a:r>
-              <a:rPr lang="en-US" smtClean="0"/>
+              <a:rPr lang="pt-BR" smtClean="0"/>
               <a:t>Fifth level</a:t>
             </a:r>
-            <a:endParaRPr lang="en-US" dirty="0"/>
+            <a:endParaRPr lang="pt-BR" dirty="0"/>
           </a:p>
         </p:txBody>
       </p:sp>
@@ -3015,10 +3015,10 @@
           </a:lstStyle>
           <a:p>
             <a:fld id="{BCC18F51-09EC-435C-A3BA-64A766E099C0}" type="datetimeFigureOut">
-              <a:rPr lang="ru-RU" smtClean="0"/>
+              <a:rPr lang="pt-BR" smtClean="0"/>
               <a:t>30.10.2013</a:t>
             </a:fld>
-            <a:endParaRPr lang="ru-RU"/>
+            <a:endParaRPr lang="pt-BR"/>
           </a:p>
         </p:txBody>
       </p:sp>
@@ -3055,7 +3055,7 @@
             </a:lvl1pPr>
           </a:lstStyle>
           <a:p>
-            <a:endParaRPr lang="ru-RU"/>
+            <a:endParaRPr lang="pt-BR"/>
           </a:p>
         </p:txBody>
       </p:sp>
@@ -3093,10 +3093,10 @@
           </a:lstStyle>
           <a:p>
             <a:fld id="{08395586-F03A-48D1-94DF-16B239DF4FB5}" type="slidenum">
-              <a:rPr lang="ru-RU" smtClean="0"/>
+              <a:rPr lang="pt-BR" smtClean="0"/>
               <a:t>‹#›</a:t>
             </a:fld>
-            <a:endParaRPr lang="ru-RU"/>
+            <a:endParaRPr lang="pt-BR"/>
           </a:p>
         </p:txBody>
       </p:sp>
@@ -3307,7 +3307,7 @@
     </p:bodyStyle>
     <p:otherStyle>
       <a:defPPr>
-        <a:defRPr lang="en-US"/>
+        <a:defRPr lang="pt-BR"/>
       </a:defPPr>
       <a:lvl1pPr marL="0" algn="l" defTabSz="914400" rtl="0" eaLnBrk="1" latinLnBrk="0" hangingPunct="1">
         <a:defRPr sz="1800" kern="1200">
@@ -3436,7 +3436,7 @@
           <a:bodyPr/>
           <a:lstStyle/>
           <a:p>
-            <a:endParaRPr lang="ru-RU" dirty="0"/>
+            <a:endParaRPr lang="pt-BR" dirty="0"/>
           </a:p>
         </p:txBody>
       </p:sp>
@@ -3455,7 +3455,7 @@
           <a:bodyPr/>
           <a:lstStyle/>
           <a:p>
-            <a:endParaRPr lang="ru-RU" dirty="0"/>
+            <a:endParaRPr lang="pt-BR" dirty="0"/>
           </a:p>
         </p:txBody>
       </p:sp>

--- a/web/studio/ASC.Web.Studio/Products/Files/DocStore/newdocuments/pt-BR/new.pptx
+++ b/web/studio/ASC.Web.Studio/Products/Files/DocStore/newdocuments/pt-BR/new.pptx
@@ -2,8 +2,11 @@
 <file path=ppt/presentation.xml><?xml version="1.0" encoding="utf-8"?>
 <p:presentation xmlns:a="http://schemas.openxmlformats.org/drawingml/2006/main" xmlns:r="http://schemas.openxmlformats.org/officeDocument/2006/relationships" xmlns:p="http://schemas.openxmlformats.org/presentationml/2006/main" saveSubsetFonts="1">
   <p:sldMasterIdLst>
-    <p:sldMasterId id="2147483648" r:id="rId1"/>
+    <p:sldMasterId id="2147483672" r:id="rId1"/>
   </p:sldMasterIdLst>
+  <p:notesMasterIdLst>
+    <p:notesMasterId r:id="rId3"/>
+  </p:notesMasterIdLst>
   <p:sldIdLst>
     <p:sldId id="256" r:id="rId2"/>
   </p:sldIdLst>
@@ -104,16 +107,25 @@
       </a:defRPr>
     </a:lvl9pPr>
   </p:defaultTextStyle>
+  <p:extLst>
+    <p:ext uri="{EFAFB233-063F-42B5-8137-9DF3F51BA10A}">
+      <p15:sldGuideLst xmlns:p15="http://schemas.microsoft.com/office/powerpoint/2012/main"/>
+    </p:ext>
+    <p:ext uri="{2D200454-40CA-4A62-9FC3-DE9A4176ACB9}">
+      <p15:notesGuideLst xmlns:p15="http://schemas.microsoft.com/office/powerpoint/2012/main"/>
+    </p:ext>
+  </p:extLst>
 </p:presentation>
 </file>
 
-<file path=ppt/revisionInfo.xml><?xml version="1.0" encoding="utf-8"?>
-<p1510:revInfo xmlns:a="http://schemas.openxmlformats.org/drawingml/2006/main" xmlns:r="http://schemas.openxmlformats.org/officeDocument/2006/relationships" xmlns:p1510="http://schemas.microsoft.com/office/powerpoint/2015/10/main"/>
-</file>
-
-<file path=ppt/slideLayouts/slideLayout1.xml><?xml version="1.0" encoding="utf-8"?>
-<p:sldLayout xmlns:a="http://schemas.openxmlformats.org/drawingml/2006/main" xmlns:r="http://schemas.openxmlformats.org/officeDocument/2006/relationships" xmlns:p="http://schemas.openxmlformats.org/presentationml/2006/main" type="title" preserve="1">
-  <p:cSld name="Slide de Título">
+<file path=ppt/notesMasters/notesMaster1.xml><?xml version="1.0" encoding="utf-8"?>
+<p:notesMaster xmlns:a="http://schemas.openxmlformats.org/drawingml/2006/main" xmlns:r="http://schemas.openxmlformats.org/officeDocument/2006/relationships" xmlns:p="http://schemas.openxmlformats.org/presentationml/2006/main">
+  <p:cSld>
+    <p:bg>
+      <p:bgRef idx="1001">
+        <a:schemeClr val="bg1"/>
+      </p:bgRef>
+    </p:bg>
     <p:spTree>
       <p:nvGrpSpPr>
         <p:cNvPr id="1" name=""/>
@@ -130,135 +142,65 @@
       </p:grpSpPr>
       <p:sp>
         <p:nvSpPr>
-          <p:cNvPr id="2" name="Título 1">
-            <a:extLst>
-              <a:ext uri="{FF2B5EF4-FFF2-40B4-BE49-F238E27FC236}">
-                <a16:creationId xmlns:a16="http://schemas.microsoft.com/office/drawing/2014/main" id="{A11DBBAE-95B4-4862-BA61-DD1012DAF6C5}"/>
-              </a:ext>
-            </a:extLst>
-          </p:cNvPr>
-          <p:cNvSpPr>
-            <a:spLocks noGrp="1"/>
-          </p:cNvSpPr>
-          <p:nvPr>
-            <p:ph type="ctrTitle"/>
+          <p:cNvPr id="2" name="Header Placeholder 1"/>
+          <p:cNvSpPr>
+            <a:spLocks noGrp="1"/>
+          </p:cNvSpPr>
+          <p:nvPr>
+            <p:ph type="hdr" sz="quarter"/>
           </p:nvPr>
         </p:nvSpPr>
         <p:spPr>
           <a:xfrm>
-            <a:off x="1524000" y="1122363"/>
-            <a:ext cx="9144000" cy="2387600"/>
+            <a:off x="0" y="0"/>
+            <a:ext cx="2971800" cy="458788"/>
           </a:xfrm>
+          <a:prstGeom prst="rect">
+            <a:avLst/>
+          </a:prstGeom>
         </p:spPr>
         <p:txBody>
-          <a:bodyPr anchor="b"/>
+          <a:bodyPr vert="horz" lIns="91440" tIns="45720" rIns="91440" bIns="45720" rtlCol="0"/>
           <a:lstStyle>
-            <a:lvl1pPr algn="ctr">
-              <a:defRPr sz="6000"/>
+            <a:lvl1pPr algn="l">
+              <a:defRPr sz="1200"/>
             </a:lvl1pPr>
           </a:lstStyle>
           <a:p>
-            <a:r>
-              <a:rPr lang="pt-BR"/>
-              <a:t>Clique para editar o título mestre</a:t>
-            </a:r>
-          </a:p>
-        </p:txBody>
-      </p:sp>
-      <p:sp>
-        <p:nvSpPr>
-          <p:cNvPr id="3" name="Subtítulo 2">
-            <a:extLst>
-              <a:ext uri="{FF2B5EF4-FFF2-40B4-BE49-F238E27FC236}">
-                <a16:creationId xmlns:a16="http://schemas.microsoft.com/office/drawing/2014/main" id="{C9A38913-2D31-4241-8F4B-66FC8D114FE8}"/>
-              </a:ext>
-            </a:extLst>
-          </p:cNvPr>
-          <p:cNvSpPr>
-            <a:spLocks noGrp="1"/>
-          </p:cNvSpPr>
-          <p:nvPr>
-            <p:ph type="subTitle" idx="1"/>
+            <a:endParaRPr lang="pt-BR"/>
+          </a:p>
+        </p:txBody>
+      </p:sp>
+      <p:sp>
+        <p:nvSpPr>
+          <p:cNvPr id="3" name="Date Placeholder 2"/>
+          <p:cNvSpPr>
+            <a:spLocks noGrp="1"/>
+          </p:cNvSpPr>
+          <p:nvPr>
+            <p:ph type="dt" idx="1"/>
           </p:nvPr>
         </p:nvSpPr>
         <p:spPr>
           <a:xfrm>
-            <a:off x="1524000" y="3602038"/>
-            <a:ext cx="9144000" cy="1655762"/>
+            <a:off x="3884613" y="0"/>
+            <a:ext cx="2971800" cy="458788"/>
           </a:xfrm>
+          <a:prstGeom prst="rect">
+            <a:avLst/>
+          </a:prstGeom>
         </p:spPr>
         <p:txBody>
-          <a:bodyPr/>
+          <a:bodyPr vert="horz" lIns="91440" tIns="45720" rIns="91440" bIns="45720" rtlCol="0"/>
           <a:lstStyle>
-            <a:lvl1pPr marL="0" indent="0" algn="ctr">
-              <a:buNone/>
-              <a:defRPr sz="2400"/>
+            <a:lvl1pPr algn="r">
+              <a:defRPr sz="1200"/>
             </a:lvl1pPr>
-            <a:lvl2pPr marL="457200" indent="0" algn="ctr">
-              <a:buNone/>
-              <a:defRPr sz="2000"/>
-            </a:lvl2pPr>
-            <a:lvl3pPr marL="914400" indent="0" algn="ctr">
-              <a:buNone/>
-              <a:defRPr sz="1800"/>
-            </a:lvl3pPr>
-            <a:lvl4pPr marL="1371600" indent="0" algn="ctr">
-              <a:buNone/>
-              <a:defRPr sz="1600"/>
-            </a:lvl4pPr>
-            <a:lvl5pPr marL="1828800" indent="0" algn="ctr">
-              <a:buNone/>
-              <a:defRPr sz="1600"/>
-            </a:lvl5pPr>
-            <a:lvl6pPr marL="2286000" indent="0" algn="ctr">
-              <a:buNone/>
-              <a:defRPr sz="1600"/>
-            </a:lvl6pPr>
-            <a:lvl7pPr marL="2743200" indent="0" algn="ctr">
-              <a:buNone/>
-              <a:defRPr sz="1600"/>
-            </a:lvl7pPr>
-            <a:lvl8pPr marL="3200400" indent="0" algn="ctr">
-              <a:buNone/>
-              <a:defRPr sz="1600"/>
-            </a:lvl8pPr>
-            <a:lvl9pPr marL="3657600" indent="0" algn="ctr">
-              <a:buNone/>
-              <a:defRPr sz="1600"/>
-            </a:lvl9pPr>
           </a:lstStyle>
           <a:p>
-            <a:r>
-              <a:rPr lang="pt-BR"/>
-              <a:t>Clique para editar o estilo do subtítulo Mestre</a:t>
-            </a:r>
-          </a:p>
-        </p:txBody>
-      </p:sp>
-      <p:sp>
-        <p:nvSpPr>
-          <p:cNvPr id="4" name="Espaço Reservado para Data 3">
-            <a:extLst>
-              <a:ext uri="{FF2B5EF4-FFF2-40B4-BE49-F238E27FC236}">
-                <a16:creationId xmlns:a16="http://schemas.microsoft.com/office/drawing/2014/main" id="{96AAE06D-356D-458A-BECB-39DAD5976FF8}"/>
-              </a:ext>
-            </a:extLst>
-          </p:cNvPr>
-          <p:cNvSpPr>
-            <a:spLocks noGrp="1"/>
-          </p:cNvSpPr>
-          <p:nvPr>
-            <p:ph type="dt" sz="half" idx="10"/>
-          </p:nvPr>
-        </p:nvSpPr>
-        <p:spPr/>
-        <p:txBody>
-          <a:bodyPr/>
-          <a:lstStyle/>
-          <a:p>
-            <a:fld id="{8874DA21-C7DF-49CE-9C16-5D3699DDC120}" type="datetimeFigureOut">
-              <a:rPr lang="pt-BR" smtClean="0"/>
-              <a:t>12/12/2017</a:t>
+            <a:fld id="{3632E96E-41F7-40C5-8419-297958CC00FA}" type="datetimeFigureOut">
+              <a:rPr lang="pt-BR" smtClean="0"/>
+              <a:t>10/30/2013</a:t>
             </a:fld>
             <a:endParaRPr lang="pt-BR"/>
           </a:p>
@@ -266,53 +208,158 @@
       </p:sp>
       <p:sp>
         <p:nvSpPr>
-          <p:cNvPr id="5" name="Espaço Reservado para Rodapé 4">
-            <a:extLst>
-              <a:ext uri="{FF2B5EF4-FFF2-40B4-BE49-F238E27FC236}">
-                <a16:creationId xmlns:a16="http://schemas.microsoft.com/office/drawing/2014/main" id="{4185B91F-053D-443C-BF90-8D4378EDA68F}"/>
-              </a:ext>
-            </a:extLst>
-          </p:cNvPr>
-          <p:cNvSpPr>
-            <a:spLocks noGrp="1"/>
-          </p:cNvSpPr>
-          <p:nvPr>
-            <p:ph type="ftr" sz="quarter" idx="11"/>
-          </p:nvPr>
-        </p:nvSpPr>
-        <p:spPr/>
-        <p:txBody>
-          <a:bodyPr/>
-          <a:lstStyle/>
-          <a:p>
-            <a:endParaRPr lang="pt-BR"/>
-          </a:p>
-        </p:txBody>
-      </p:sp>
-      <p:sp>
-        <p:nvSpPr>
-          <p:cNvPr id="6" name="Espaço Reservado para Número de Slide 5">
-            <a:extLst>
-              <a:ext uri="{FF2B5EF4-FFF2-40B4-BE49-F238E27FC236}">
-                <a16:creationId xmlns:a16="http://schemas.microsoft.com/office/drawing/2014/main" id="{D596D46A-09F7-4C40-A9F1-737C8C6EA2F4}"/>
-              </a:ext>
-            </a:extLst>
-          </p:cNvPr>
-          <p:cNvSpPr>
-            <a:spLocks noGrp="1"/>
-          </p:cNvSpPr>
-          <p:nvPr>
-            <p:ph type="sldNum" sz="quarter" idx="12"/>
-          </p:nvPr>
-        </p:nvSpPr>
-        <p:spPr/>
-        <p:txBody>
-          <a:bodyPr/>
-          <a:lstStyle/>
-          <a:p>
-            <a:fld id="{3FB9A642-EB80-4DCB-8C76-0CE942DD8E10}" type="slidenum">
-              <a:rPr lang="pt-BR" smtClean="0"/>
-              <a:t>‹nº›</a:t>
+          <p:cNvPr id="4" name="Slide Image Placeholder 3"/>
+          <p:cNvSpPr>
+            <a:spLocks noGrp="1" noRot="1" noChangeAspect="1"/>
+          </p:cNvSpPr>
+          <p:nvPr>
+            <p:ph type="sldImg" idx="2"/>
+          </p:nvPr>
+        </p:nvSpPr>
+        <p:spPr>
+          <a:xfrm>
+            <a:off x="685800" y="1143000"/>
+            <a:ext cx="5486400" cy="3086100"/>
+          </a:xfrm>
+          <a:prstGeom prst="rect">
+            <a:avLst/>
+          </a:prstGeom>
+          <a:noFill/>
+          <a:ln w="12700">
+            <a:solidFill>
+              <a:prstClr val="black"/>
+            </a:solidFill>
+          </a:ln>
+        </p:spPr>
+        <p:txBody>
+          <a:bodyPr vert="horz" lIns="91440" tIns="45720" rIns="91440" bIns="45720" rtlCol="0" anchor="ctr"/>
+          <a:lstStyle/>
+          <a:p>
+            <a:endParaRPr lang="pt-BR"/>
+          </a:p>
+        </p:txBody>
+      </p:sp>
+      <p:sp>
+        <p:nvSpPr>
+          <p:cNvPr id="5" name="Notes Placeholder 4"/>
+          <p:cNvSpPr>
+            <a:spLocks noGrp="1"/>
+          </p:cNvSpPr>
+          <p:nvPr>
+            <p:ph type="body" sz="quarter" idx="3"/>
+          </p:nvPr>
+        </p:nvSpPr>
+        <p:spPr>
+          <a:xfrm>
+            <a:off x="685800" y="4400550"/>
+            <a:ext cx="5486400" cy="3600450"/>
+          </a:xfrm>
+          <a:prstGeom prst="rect">
+            <a:avLst/>
+          </a:prstGeom>
+        </p:spPr>
+        <p:txBody>
+          <a:bodyPr vert="horz" lIns="91440" tIns="45720" rIns="91440" bIns="45720" rtlCol="0"/>
+          <a:lstStyle/>
+          <a:p>
+            <a:pPr lvl="0"/>
+            <a:r>
+              <a:rPr lang="pt-BR" smtClean="0"/>
+              <a:t>Click to edit Master text styles</a:t>
+            </a:r>
+          </a:p>
+          <a:p>
+            <a:pPr lvl="1"/>
+            <a:r>
+              <a:rPr lang="pt-BR" smtClean="0"/>
+              <a:t>Second level</a:t>
+            </a:r>
+          </a:p>
+          <a:p>
+            <a:pPr lvl="2"/>
+            <a:r>
+              <a:rPr lang="pt-BR" smtClean="0"/>
+              <a:t>Third level</a:t>
+            </a:r>
+          </a:p>
+          <a:p>
+            <a:pPr lvl="3"/>
+            <a:r>
+              <a:rPr lang="pt-BR" smtClean="0"/>
+              <a:t>Fourth level</a:t>
+            </a:r>
+          </a:p>
+          <a:p>
+            <a:pPr lvl="4"/>
+            <a:r>
+              <a:rPr lang="pt-BR" smtClean="0"/>
+              <a:t>Fifth level</a:t>
+            </a:r>
+            <a:endParaRPr lang="pt-BR"/>
+          </a:p>
+        </p:txBody>
+      </p:sp>
+      <p:sp>
+        <p:nvSpPr>
+          <p:cNvPr id="6" name="Footer Placeholder 5"/>
+          <p:cNvSpPr>
+            <a:spLocks noGrp="1"/>
+          </p:cNvSpPr>
+          <p:nvPr>
+            <p:ph type="ftr" sz="quarter" idx="4"/>
+          </p:nvPr>
+        </p:nvSpPr>
+        <p:spPr>
+          <a:xfrm>
+            <a:off x="0" y="8685213"/>
+            <a:ext cx="2971800" cy="458787"/>
+          </a:xfrm>
+          <a:prstGeom prst="rect">
+            <a:avLst/>
+          </a:prstGeom>
+        </p:spPr>
+        <p:txBody>
+          <a:bodyPr vert="horz" lIns="91440" tIns="45720" rIns="91440" bIns="45720" rtlCol="0" anchor="b"/>
+          <a:lstStyle>
+            <a:lvl1pPr algn="l">
+              <a:defRPr sz="1200"/>
+            </a:lvl1pPr>
+          </a:lstStyle>
+          <a:p>
+            <a:endParaRPr lang="pt-BR"/>
+          </a:p>
+        </p:txBody>
+      </p:sp>
+      <p:sp>
+        <p:nvSpPr>
+          <p:cNvPr id="7" name="Slide Number Placeholder 6"/>
+          <p:cNvSpPr>
+            <a:spLocks noGrp="1"/>
+          </p:cNvSpPr>
+          <p:nvPr>
+            <p:ph type="sldNum" sz="quarter" idx="5"/>
+          </p:nvPr>
+        </p:nvSpPr>
+        <p:spPr>
+          <a:xfrm>
+            <a:off x="3884613" y="8685213"/>
+            <a:ext cx="2971800" cy="458787"/>
+          </a:xfrm>
+          <a:prstGeom prst="rect">
+            <a:avLst/>
+          </a:prstGeom>
+        </p:spPr>
+        <p:txBody>
+          <a:bodyPr vert="horz" lIns="91440" tIns="45720" rIns="91440" bIns="45720" rtlCol="0" anchor="b"/>
+          <a:lstStyle>
+            <a:lvl1pPr algn="r">
+              <a:defRPr sz="1200"/>
+            </a:lvl1pPr>
+          </a:lstStyle>
+          <a:p>
+            <a:fld id="{2E6999B8-B6B4-4561-A3CD-BBCDAB9FC9D9}" type="slidenum">
+              <a:rPr lang="pt-BR" smtClean="0"/>
+              <a:t>‹#›</a:t>
             </a:fld>
             <a:endParaRPr lang="pt-BR"/>
           </a:p>
@@ -321,19 +368,109 @@
     </p:spTree>
     <p:extLst>
       <p:ext uri="{BB962C8B-B14F-4D97-AF65-F5344CB8AC3E}">
-        <p14:creationId xmlns:p14="http://schemas.microsoft.com/office/powerpoint/2010/main" val="1396341905"/>
+        <p14:creationId xmlns:p14="http://schemas.microsoft.com/office/powerpoint/2010/main" val="2743286597"/>
       </p:ext>
     </p:extLst>
   </p:cSld>
-  <p:clrMapOvr>
-    <a:masterClrMapping/>
-  </p:clrMapOvr>
-</p:sldLayout>
+  <p:clrMap bg1="lt1" tx1="dk1" bg2="lt2" tx2="dk2" accent1="accent1" accent2="accent2" accent3="accent3" accent4="accent4" accent5="accent5" accent6="accent6" hlink="hlink" folHlink="folHlink"/>
+  <p:notesStyle>
+    <a:lvl1pPr marL="0" algn="l" defTabSz="914400" rtl="0" eaLnBrk="1" latinLnBrk="0" hangingPunct="1">
+      <a:defRPr sz="1200" kern="1200">
+        <a:solidFill>
+          <a:schemeClr val="tx1"/>
+        </a:solidFill>
+        <a:latin typeface="+mn-lt"/>
+        <a:ea typeface="+mn-ea"/>
+        <a:cs typeface="+mn-cs"/>
+      </a:defRPr>
+    </a:lvl1pPr>
+    <a:lvl2pPr marL="457200" algn="l" defTabSz="914400" rtl="0" eaLnBrk="1" latinLnBrk="0" hangingPunct="1">
+      <a:defRPr sz="1200" kern="1200">
+        <a:solidFill>
+          <a:schemeClr val="tx1"/>
+        </a:solidFill>
+        <a:latin typeface="+mn-lt"/>
+        <a:ea typeface="+mn-ea"/>
+        <a:cs typeface="+mn-cs"/>
+      </a:defRPr>
+    </a:lvl2pPr>
+    <a:lvl3pPr marL="914400" algn="l" defTabSz="914400" rtl="0" eaLnBrk="1" latinLnBrk="0" hangingPunct="1">
+      <a:defRPr sz="1200" kern="1200">
+        <a:solidFill>
+          <a:schemeClr val="tx1"/>
+        </a:solidFill>
+        <a:latin typeface="+mn-lt"/>
+        <a:ea typeface="+mn-ea"/>
+        <a:cs typeface="+mn-cs"/>
+      </a:defRPr>
+    </a:lvl3pPr>
+    <a:lvl4pPr marL="1371600" algn="l" defTabSz="914400" rtl="0" eaLnBrk="1" latinLnBrk="0" hangingPunct="1">
+      <a:defRPr sz="1200" kern="1200">
+        <a:solidFill>
+          <a:schemeClr val="tx1"/>
+        </a:solidFill>
+        <a:latin typeface="+mn-lt"/>
+        <a:ea typeface="+mn-ea"/>
+        <a:cs typeface="+mn-cs"/>
+      </a:defRPr>
+    </a:lvl4pPr>
+    <a:lvl5pPr marL="1828800" algn="l" defTabSz="914400" rtl="0" eaLnBrk="1" latinLnBrk="0" hangingPunct="1">
+      <a:defRPr sz="1200" kern="1200">
+        <a:solidFill>
+          <a:schemeClr val="tx1"/>
+        </a:solidFill>
+        <a:latin typeface="+mn-lt"/>
+        <a:ea typeface="+mn-ea"/>
+        <a:cs typeface="+mn-cs"/>
+      </a:defRPr>
+    </a:lvl5pPr>
+    <a:lvl6pPr marL="2286000" algn="l" defTabSz="914400" rtl="0" eaLnBrk="1" latinLnBrk="0" hangingPunct="1">
+      <a:defRPr sz="1200" kern="1200">
+        <a:solidFill>
+          <a:schemeClr val="tx1"/>
+        </a:solidFill>
+        <a:latin typeface="+mn-lt"/>
+        <a:ea typeface="+mn-ea"/>
+        <a:cs typeface="+mn-cs"/>
+      </a:defRPr>
+    </a:lvl6pPr>
+    <a:lvl7pPr marL="2743200" algn="l" defTabSz="914400" rtl="0" eaLnBrk="1" latinLnBrk="0" hangingPunct="1">
+      <a:defRPr sz="1200" kern="1200">
+        <a:solidFill>
+          <a:schemeClr val="tx1"/>
+        </a:solidFill>
+        <a:latin typeface="+mn-lt"/>
+        <a:ea typeface="+mn-ea"/>
+        <a:cs typeface="+mn-cs"/>
+      </a:defRPr>
+    </a:lvl7pPr>
+    <a:lvl8pPr marL="3200400" algn="l" defTabSz="914400" rtl="0" eaLnBrk="1" latinLnBrk="0" hangingPunct="1">
+      <a:defRPr sz="1200" kern="1200">
+        <a:solidFill>
+          <a:schemeClr val="tx1"/>
+        </a:solidFill>
+        <a:latin typeface="+mn-lt"/>
+        <a:ea typeface="+mn-ea"/>
+        <a:cs typeface="+mn-cs"/>
+      </a:defRPr>
+    </a:lvl8pPr>
+    <a:lvl9pPr marL="3657600" algn="l" defTabSz="914400" rtl="0" eaLnBrk="1" latinLnBrk="0" hangingPunct="1">
+      <a:defRPr sz="1200" kern="1200">
+        <a:solidFill>
+          <a:schemeClr val="tx1"/>
+        </a:solidFill>
+        <a:latin typeface="+mn-lt"/>
+        <a:ea typeface="+mn-ea"/>
+        <a:cs typeface="+mn-cs"/>
+      </a:defRPr>
+    </a:lvl9pPr>
+  </p:notesStyle>
+</p:notesMaster>
 </file>
 
-<file path=ppt/slideLayouts/slideLayout10.xml><?xml version="1.0" encoding="utf-8"?>
-<p:sldLayout xmlns:a="http://schemas.openxmlformats.org/drawingml/2006/main" xmlns:r="http://schemas.openxmlformats.org/officeDocument/2006/relationships" xmlns:p="http://schemas.openxmlformats.org/presentationml/2006/main" type="vertTx" preserve="1">
-  <p:cSld name="Título e Texto Vertical">
+<file path=ppt/notesSlides/notesSlide1.xml><?xml version="1.0" encoding="utf-8"?>
+<p:notes xmlns:a="http://schemas.openxmlformats.org/drawingml/2006/main" xmlns:r="http://schemas.openxmlformats.org/officeDocument/2006/relationships" xmlns:p="http://schemas.openxmlformats.org/presentationml/2006/main">
+  <p:cSld>
     <p:spTree>
       <p:nvGrpSpPr>
         <p:cNvPr id="1" name=""/>
@@ -350,167 +487,61 @@
       </p:grpSpPr>
       <p:sp>
         <p:nvSpPr>
-          <p:cNvPr id="2" name="Título 1">
-            <a:extLst>
-              <a:ext uri="{FF2B5EF4-FFF2-40B4-BE49-F238E27FC236}">
-                <a16:creationId xmlns:a16="http://schemas.microsoft.com/office/drawing/2014/main" id="{DBA8FFDD-5387-45B2-B7B2-2B84FA485CE2}"/>
-              </a:ext>
-            </a:extLst>
-          </p:cNvPr>
-          <p:cNvSpPr>
-            <a:spLocks noGrp="1"/>
-          </p:cNvSpPr>
-          <p:nvPr>
-            <p:ph type="title"/>
-          </p:nvPr>
-        </p:nvSpPr>
-        <p:spPr/>
-        <p:txBody>
-          <a:bodyPr/>
-          <a:lstStyle/>
-          <a:p>
-            <a:r>
-              <a:rPr lang="pt-BR"/>
-              <a:t>Clique para editar o título mestre</a:t>
-            </a:r>
-          </a:p>
-        </p:txBody>
-      </p:sp>
-      <p:sp>
-        <p:nvSpPr>
-          <p:cNvPr id="3" name="Espaço Reservado para Texto Vertical 2">
-            <a:extLst>
-              <a:ext uri="{FF2B5EF4-FFF2-40B4-BE49-F238E27FC236}">
-                <a16:creationId xmlns:a16="http://schemas.microsoft.com/office/drawing/2014/main" id="{CF198F8D-887A-4330-8CFD-1A3ECBF123FF}"/>
-              </a:ext>
-            </a:extLst>
-          </p:cNvPr>
-          <p:cNvSpPr>
-            <a:spLocks noGrp="1"/>
-          </p:cNvSpPr>
-          <p:nvPr>
-            <p:ph type="body" orient="vert" idx="1"/>
-          </p:nvPr>
-        </p:nvSpPr>
-        <p:spPr/>
-        <p:txBody>
-          <a:bodyPr vert="eaVert"/>
-          <a:lstStyle/>
-          <a:p>
-            <a:pPr lvl="0"/>
-            <a:r>
-              <a:rPr lang="pt-BR"/>
-              <a:t>Editar estilos de texto Mestre</a:t>
-            </a:r>
-          </a:p>
-          <a:p>
-            <a:pPr lvl="1"/>
-            <a:r>
-              <a:rPr lang="pt-BR"/>
-              <a:t>Segundo nível</a:t>
-            </a:r>
-          </a:p>
-          <a:p>
-            <a:pPr lvl="2"/>
-            <a:r>
-              <a:rPr lang="pt-BR"/>
-              <a:t>Terceiro nível</a:t>
-            </a:r>
-          </a:p>
-          <a:p>
-            <a:pPr lvl="3"/>
-            <a:r>
-              <a:rPr lang="pt-BR"/>
-              <a:t>Quarto nível</a:t>
-            </a:r>
-          </a:p>
-          <a:p>
-            <a:pPr lvl="4"/>
-            <a:r>
-              <a:rPr lang="pt-BR"/>
-              <a:t>Quinto nível</a:t>
-            </a:r>
-          </a:p>
-        </p:txBody>
-      </p:sp>
-      <p:sp>
-        <p:nvSpPr>
-          <p:cNvPr id="4" name="Espaço Reservado para Data 3">
-            <a:extLst>
-              <a:ext uri="{FF2B5EF4-FFF2-40B4-BE49-F238E27FC236}">
-                <a16:creationId xmlns:a16="http://schemas.microsoft.com/office/drawing/2014/main" id="{D5837453-8993-4F2B-9023-91E50F432E2D}"/>
-              </a:ext>
-            </a:extLst>
-          </p:cNvPr>
-          <p:cNvSpPr>
-            <a:spLocks noGrp="1"/>
-          </p:cNvSpPr>
-          <p:nvPr>
-            <p:ph type="dt" sz="half" idx="10"/>
-          </p:nvPr>
-        </p:nvSpPr>
-        <p:spPr/>
-        <p:txBody>
-          <a:bodyPr/>
-          <a:lstStyle/>
-          <a:p>
-            <a:fld id="{8874DA21-C7DF-49CE-9C16-5D3699DDC120}" type="datetimeFigureOut">
-              <a:rPr lang="pt-BR" smtClean="0"/>
-              <a:t>12/12/2017</a:t>
-            </a:fld>
-            <a:endParaRPr lang="pt-BR"/>
-          </a:p>
-        </p:txBody>
-      </p:sp>
-      <p:sp>
-        <p:nvSpPr>
-          <p:cNvPr id="5" name="Espaço Reservado para Rodapé 4">
-            <a:extLst>
-              <a:ext uri="{FF2B5EF4-FFF2-40B4-BE49-F238E27FC236}">
-                <a16:creationId xmlns:a16="http://schemas.microsoft.com/office/drawing/2014/main" id="{9D151191-51EC-410E-8D57-2C3B184F7347}"/>
-              </a:ext>
-            </a:extLst>
-          </p:cNvPr>
-          <p:cNvSpPr>
-            <a:spLocks noGrp="1"/>
-          </p:cNvSpPr>
-          <p:nvPr>
-            <p:ph type="ftr" sz="quarter" idx="11"/>
-          </p:nvPr>
-        </p:nvSpPr>
-        <p:spPr/>
-        <p:txBody>
-          <a:bodyPr/>
-          <a:lstStyle/>
-          <a:p>
-            <a:endParaRPr lang="pt-BR"/>
-          </a:p>
-        </p:txBody>
-      </p:sp>
-      <p:sp>
-        <p:nvSpPr>
-          <p:cNvPr id="6" name="Espaço Reservado para Número de Slide 5">
-            <a:extLst>
-              <a:ext uri="{FF2B5EF4-FFF2-40B4-BE49-F238E27FC236}">
-                <a16:creationId xmlns:a16="http://schemas.microsoft.com/office/drawing/2014/main" id="{47A3B894-5F1E-4453-A702-E8E1F35CCBC3}"/>
-              </a:ext>
-            </a:extLst>
-          </p:cNvPr>
-          <p:cNvSpPr>
-            <a:spLocks noGrp="1"/>
-          </p:cNvSpPr>
-          <p:nvPr>
-            <p:ph type="sldNum" sz="quarter" idx="12"/>
-          </p:nvPr>
-        </p:nvSpPr>
-        <p:spPr/>
-        <p:txBody>
-          <a:bodyPr/>
-          <a:lstStyle/>
-          <a:p>
-            <a:fld id="{3FB9A642-EB80-4DCB-8C76-0CE942DD8E10}" type="slidenum">
-              <a:rPr lang="pt-BR" smtClean="0"/>
-              <a:t>‹nº›</a:t>
+          <p:cNvPr id="2" name="Slide Image Placeholder 1"/>
+          <p:cNvSpPr>
+            <a:spLocks noGrp="1" noRot="1" noChangeAspect="1"/>
+          </p:cNvSpPr>
+          <p:nvPr>
+            <p:ph type="sldImg"/>
+          </p:nvPr>
+        </p:nvSpPr>
+        <p:spPr>
+          <a:xfrm>
+            <a:off x="685800" y="1143000"/>
+            <a:ext cx="5486400" cy="3086100"/>
+          </a:xfrm>
+        </p:spPr>
+      </p:sp>
+      <p:sp>
+        <p:nvSpPr>
+          <p:cNvPr id="3" name="Notes Placeholder 2"/>
+          <p:cNvSpPr>
+            <a:spLocks noGrp="1"/>
+          </p:cNvSpPr>
+          <p:nvPr>
+            <p:ph type="body" idx="1"/>
+          </p:nvPr>
+        </p:nvSpPr>
+        <p:spPr/>
+        <p:txBody>
+          <a:bodyPr/>
+          <a:lstStyle/>
+          <a:p>
+            <a:endParaRPr lang="pt-BR" dirty="0">
+              <a:latin typeface="Arial" panose="020B0604020202020204" pitchFamily="34" charset="0"/>
+              <a:cs typeface="Arial" panose="020B0604020202020204" pitchFamily="34" charset="0"/>
+            </a:endParaRPr>
+          </a:p>
+        </p:txBody>
+      </p:sp>
+      <p:sp>
+        <p:nvSpPr>
+          <p:cNvPr id="4" name="Slide Number Placeholder 3"/>
+          <p:cNvSpPr>
+            <a:spLocks noGrp="1"/>
+          </p:cNvSpPr>
+          <p:nvPr>
+            <p:ph type="sldNum" sz="quarter" idx="10"/>
+          </p:nvPr>
+        </p:nvSpPr>
+        <p:spPr/>
+        <p:txBody>
+          <a:bodyPr/>
+          <a:lstStyle/>
+          <a:p>
+            <a:fld id="{2E6999B8-B6B4-4561-A3CD-BBCDAB9FC9D9}" type="slidenum">
+              <a:rPr lang="pt-BR" smtClean="0"/>
+              <a:t>1</a:t>
             </a:fld>
             <a:endParaRPr lang="pt-BR"/>
           </a:p>
@@ -519,19 +550,19 @@
     </p:spTree>
     <p:extLst>
       <p:ext uri="{BB962C8B-B14F-4D97-AF65-F5344CB8AC3E}">
-        <p14:creationId xmlns:p14="http://schemas.microsoft.com/office/powerpoint/2010/main" val="1113303161"/>
+        <p14:creationId xmlns:p14="http://schemas.microsoft.com/office/powerpoint/2010/main" val="867644256"/>
       </p:ext>
     </p:extLst>
   </p:cSld>
   <p:clrMapOvr>
     <a:masterClrMapping/>
   </p:clrMapOvr>
-</p:sldLayout>
+</p:notes>
 </file>
 
-<file path=ppt/slideLayouts/slideLayout11.xml><?xml version="1.0" encoding="utf-8"?>
-<p:sldLayout xmlns:a="http://schemas.openxmlformats.org/drawingml/2006/main" xmlns:r="http://schemas.openxmlformats.org/officeDocument/2006/relationships" xmlns:p="http://schemas.openxmlformats.org/presentationml/2006/main" type="vertTitleAndTx" preserve="1">
-  <p:cSld name="Texto e Título Vertical">
+<file path=ppt/slideLayouts/slideLayout1.xml><?xml version="1.0" encoding="utf-8"?>
+<p:sldLayout xmlns:a="http://schemas.openxmlformats.org/drawingml/2006/main" xmlns:r="http://schemas.openxmlformats.org/officeDocument/2006/relationships" xmlns:p="http://schemas.openxmlformats.org/presentationml/2006/main" type="title" preserve="1">
+  <p:cSld name="Title Slide">
     <p:spTree>
       <p:nvGrpSpPr>
         <p:cNvPr id="1" name=""/>
@@ -548,108 +579,104 @@
       </p:grpSpPr>
       <p:sp>
         <p:nvSpPr>
-          <p:cNvPr id="2" name="Título Vertical 1">
-            <a:extLst>
-              <a:ext uri="{FF2B5EF4-FFF2-40B4-BE49-F238E27FC236}">
-                <a16:creationId xmlns:a16="http://schemas.microsoft.com/office/drawing/2014/main" id="{32E1B55B-6723-47F0-9A03-F71A5EB64FC7}"/>
-              </a:ext>
-            </a:extLst>
-          </p:cNvPr>
-          <p:cNvSpPr>
-            <a:spLocks noGrp="1"/>
-          </p:cNvSpPr>
-          <p:nvPr>
-            <p:ph type="title" orient="vert"/>
+          <p:cNvPr id="2" name="Title 1"/>
+          <p:cNvSpPr>
+            <a:spLocks noGrp="1"/>
+          </p:cNvSpPr>
+          <p:nvPr>
+            <p:ph type="ctrTitle"/>
           </p:nvPr>
         </p:nvSpPr>
         <p:spPr>
           <a:xfrm>
-            <a:off x="8724900" y="365125"/>
-            <a:ext cx="2628900" cy="5811838"/>
+            <a:off x="1524000" y="1122363"/>
+            <a:ext cx="9144000" cy="2387600"/>
           </a:xfrm>
         </p:spPr>
         <p:txBody>
-          <a:bodyPr vert="eaVert"/>
-          <a:lstStyle/>
-          <a:p>
-            <a:r>
-              <a:rPr lang="pt-BR"/>
-              <a:t>Clique para editar o título mestre</a:t>
-            </a:r>
-          </a:p>
-        </p:txBody>
-      </p:sp>
-      <p:sp>
-        <p:nvSpPr>
-          <p:cNvPr id="3" name="Espaço Reservado para Texto Vertical 2">
-            <a:extLst>
-              <a:ext uri="{FF2B5EF4-FFF2-40B4-BE49-F238E27FC236}">
-                <a16:creationId xmlns:a16="http://schemas.microsoft.com/office/drawing/2014/main" id="{E9169F2A-CB82-4296-9F24-7DBD4E74432E}"/>
-              </a:ext>
-            </a:extLst>
-          </p:cNvPr>
-          <p:cNvSpPr>
-            <a:spLocks noGrp="1"/>
-          </p:cNvSpPr>
-          <p:nvPr>
-            <p:ph type="body" orient="vert" idx="1"/>
+          <a:bodyPr anchor="b"/>
+          <a:lstStyle>
+            <a:lvl1pPr algn="ctr">
+              <a:defRPr sz="6000"/>
+            </a:lvl1pPr>
+          </a:lstStyle>
+          <a:p>
+            <a:r>
+              <a:rPr lang="pt-BR" smtClean="0"/>
+              <a:t>Click to edit Master title style</a:t>
+            </a:r>
+            <a:endParaRPr lang="pt-BR" dirty="0"/>
+          </a:p>
+        </p:txBody>
+      </p:sp>
+      <p:sp>
+        <p:nvSpPr>
+          <p:cNvPr id="3" name="Subtitle 2"/>
+          <p:cNvSpPr>
+            <a:spLocks noGrp="1"/>
+          </p:cNvSpPr>
+          <p:nvPr>
+            <p:ph type="subTitle" idx="1"/>
           </p:nvPr>
         </p:nvSpPr>
         <p:spPr>
           <a:xfrm>
-            <a:off x="838200" y="365125"/>
-            <a:ext cx="7734300" cy="5811838"/>
+            <a:off x="1524000" y="3602038"/>
+            <a:ext cx="9144000" cy="1655762"/>
           </a:xfrm>
         </p:spPr>
         <p:txBody>
-          <a:bodyPr vert="eaVert"/>
-          <a:lstStyle/>
-          <a:p>
-            <a:pPr lvl="0"/>
-            <a:r>
-              <a:rPr lang="pt-BR"/>
-              <a:t>Editar estilos de texto Mestre</a:t>
-            </a:r>
-          </a:p>
-          <a:p>
-            <a:pPr lvl="1"/>
-            <a:r>
-              <a:rPr lang="pt-BR"/>
-              <a:t>Segundo nível</a:t>
-            </a:r>
-          </a:p>
-          <a:p>
-            <a:pPr lvl="2"/>
-            <a:r>
-              <a:rPr lang="pt-BR"/>
-              <a:t>Terceiro nível</a:t>
-            </a:r>
-          </a:p>
-          <a:p>
-            <a:pPr lvl="3"/>
-            <a:r>
-              <a:rPr lang="pt-BR"/>
-              <a:t>Quarto nível</a:t>
-            </a:r>
-          </a:p>
-          <a:p>
-            <a:pPr lvl="4"/>
-            <a:r>
-              <a:rPr lang="pt-BR"/>
-              <a:t>Quinto nível</a:t>
-            </a:r>
-          </a:p>
-        </p:txBody>
-      </p:sp>
-      <p:sp>
-        <p:nvSpPr>
-          <p:cNvPr id="4" name="Espaço Reservado para Data 3">
-            <a:extLst>
-              <a:ext uri="{FF2B5EF4-FFF2-40B4-BE49-F238E27FC236}">
-                <a16:creationId xmlns:a16="http://schemas.microsoft.com/office/drawing/2014/main" id="{571CCA61-908A-48F5-86F7-83AEF8C0FDD8}"/>
-              </a:ext>
-            </a:extLst>
-          </p:cNvPr>
+          <a:bodyPr/>
+          <a:lstStyle>
+            <a:lvl1pPr marL="0" indent="0" algn="ctr">
+              <a:buNone/>
+              <a:defRPr sz="2400"/>
+            </a:lvl1pPr>
+            <a:lvl2pPr marL="457200" indent="0" algn="ctr">
+              <a:buNone/>
+              <a:defRPr sz="2000"/>
+            </a:lvl2pPr>
+            <a:lvl3pPr marL="914400" indent="0" algn="ctr">
+              <a:buNone/>
+              <a:defRPr sz="1800"/>
+            </a:lvl3pPr>
+            <a:lvl4pPr marL="1371600" indent="0" algn="ctr">
+              <a:buNone/>
+              <a:defRPr sz="1600"/>
+            </a:lvl4pPr>
+            <a:lvl5pPr marL="1828800" indent="0" algn="ctr">
+              <a:buNone/>
+              <a:defRPr sz="1600"/>
+            </a:lvl5pPr>
+            <a:lvl6pPr marL="2286000" indent="0" algn="ctr">
+              <a:buNone/>
+              <a:defRPr sz="1600"/>
+            </a:lvl6pPr>
+            <a:lvl7pPr marL="2743200" indent="0" algn="ctr">
+              <a:buNone/>
+              <a:defRPr sz="1600"/>
+            </a:lvl7pPr>
+            <a:lvl8pPr marL="3200400" indent="0" algn="ctr">
+              <a:buNone/>
+              <a:defRPr sz="1600"/>
+            </a:lvl8pPr>
+            <a:lvl9pPr marL="3657600" indent="0" algn="ctr">
+              <a:buNone/>
+              <a:defRPr sz="1600"/>
+            </a:lvl9pPr>
+          </a:lstStyle>
+          <a:p>
+            <a:r>
+              <a:rPr lang="pt-BR" smtClean="0"/>
+              <a:t>Click to edit Master subtitle style</a:t>
+            </a:r>
+            <a:endParaRPr lang="pt-BR" dirty="0"/>
+          </a:p>
+        </p:txBody>
+      </p:sp>
+      <p:sp>
+        <p:nvSpPr>
+          <p:cNvPr id="4" name="Date Placeholder 3"/>
           <p:cNvSpPr>
             <a:spLocks noGrp="1"/>
           </p:cNvSpPr>
@@ -662,9 +689,9 @@
           <a:bodyPr/>
           <a:lstStyle/>
           <a:p>
-            <a:fld id="{8874DA21-C7DF-49CE-9C16-5D3699DDC120}" type="datetimeFigureOut">
-              <a:rPr lang="pt-BR" smtClean="0"/>
-              <a:t>12/12/2017</a:t>
+            <a:fld id="{BCC18F51-09EC-435C-A3BA-64A766E099C0}" type="datetimeFigureOut">
+              <a:rPr lang="pt-BR" smtClean="0"/>
+              <a:t>30.10.2013</a:t>
             </a:fld>
             <a:endParaRPr lang="pt-BR"/>
           </a:p>
@@ -672,13 +699,7 @@
       </p:sp>
       <p:sp>
         <p:nvSpPr>
-          <p:cNvPr id="5" name="Espaço Reservado para Rodapé 4">
-            <a:extLst>
-              <a:ext uri="{FF2B5EF4-FFF2-40B4-BE49-F238E27FC236}">
-                <a16:creationId xmlns:a16="http://schemas.microsoft.com/office/drawing/2014/main" id="{03930BB8-3413-4E2F-A5E2-8D81F641C31A}"/>
-              </a:ext>
-            </a:extLst>
-          </p:cNvPr>
+          <p:cNvPr id="5" name="Footer Placeholder 4"/>
           <p:cNvSpPr>
             <a:spLocks noGrp="1"/>
           </p:cNvSpPr>
@@ -697,13 +718,7 @@
       </p:sp>
       <p:sp>
         <p:nvSpPr>
-          <p:cNvPr id="6" name="Espaço Reservado para Número de Slide 5">
-            <a:extLst>
-              <a:ext uri="{FF2B5EF4-FFF2-40B4-BE49-F238E27FC236}">
-                <a16:creationId xmlns:a16="http://schemas.microsoft.com/office/drawing/2014/main" id="{F7A4C27B-8B12-4963-ACB0-E3BB19D1E20B}"/>
-              </a:ext>
-            </a:extLst>
-          </p:cNvPr>
+          <p:cNvPr id="6" name="Slide Number Placeholder 5"/>
           <p:cNvSpPr>
             <a:spLocks noGrp="1"/>
           </p:cNvSpPr>
@@ -716,9 +731,9 @@
           <a:bodyPr/>
           <a:lstStyle/>
           <a:p>
-            <a:fld id="{3FB9A642-EB80-4DCB-8C76-0CE942DD8E10}" type="slidenum">
-              <a:rPr lang="pt-BR" smtClean="0"/>
-              <a:t>‹nº›</a:t>
+            <a:fld id="{08395586-F03A-48D1-94DF-16B239DF4FB5}" type="slidenum">
+              <a:rPr lang="pt-BR" smtClean="0"/>
+              <a:t>‹#›</a:t>
             </a:fld>
             <a:endParaRPr lang="pt-BR"/>
           </a:p>
@@ -727,7 +742,7 @@
     </p:spTree>
     <p:extLst>
       <p:ext uri="{BB962C8B-B14F-4D97-AF65-F5344CB8AC3E}">
-        <p14:creationId xmlns:p14="http://schemas.microsoft.com/office/powerpoint/2010/main" val="3612805486"/>
+        <p14:creationId xmlns:p14="http://schemas.microsoft.com/office/powerpoint/2010/main" val="2520518546"/>
       </p:ext>
     </p:extLst>
   </p:cSld>
@@ -737,9 +752,9 @@
 </p:sldLayout>
 </file>
 
-<file path=ppt/slideLayouts/slideLayout2.xml><?xml version="1.0" encoding="utf-8"?>
-<p:sldLayout xmlns:a="http://schemas.openxmlformats.org/drawingml/2006/main" xmlns:r="http://schemas.openxmlformats.org/officeDocument/2006/relationships" xmlns:p="http://schemas.openxmlformats.org/presentationml/2006/main" type="obj" preserve="1">
-  <p:cSld name="Título e Conteúdo">
+<file path=ppt/slideLayouts/slideLayout10.xml><?xml version="1.0" encoding="utf-8"?>
+<p:sldLayout xmlns:a="http://schemas.openxmlformats.org/drawingml/2006/main" xmlns:r="http://schemas.openxmlformats.org/officeDocument/2006/relationships" xmlns:p="http://schemas.openxmlformats.org/presentationml/2006/main" type="vertTx" preserve="1">
+  <p:cSld name="Title and Vertical Text">
     <p:spTree>
       <p:nvGrpSpPr>
         <p:cNvPr id="1" name=""/>
@@ -756,13 +771,7 @@
       </p:grpSpPr>
       <p:sp>
         <p:nvSpPr>
-          <p:cNvPr id="2" name="Título 1">
-            <a:extLst>
-              <a:ext uri="{FF2B5EF4-FFF2-40B4-BE49-F238E27FC236}">
-                <a16:creationId xmlns:a16="http://schemas.microsoft.com/office/drawing/2014/main" id="{1C3CFA0D-D5B6-4185-B66D-1173512860C6}"/>
-              </a:ext>
-            </a:extLst>
-          </p:cNvPr>
+          <p:cNvPr id="2" name="Title 1"/>
           <p:cNvSpPr>
             <a:spLocks noGrp="1"/>
           </p:cNvSpPr>
@@ -776,78 +785,68 @@
           <a:lstStyle/>
           <a:p>
             <a:r>
-              <a:rPr lang="pt-BR"/>
-              <a:t>Clique para editar o título mestre</a:t>
-            </a:r>
-          </a:p>
-        </p:txBody>
-      </p:sp>
-      <p:sp>
-        <p:nvSpPr>
-          <p:cNvPr id="3" name="Espaço Reservado para Conteúdo 2">
-            <a:extLst>
-              <a:ext uri="{FF2B5EF4-FFF2-40B4-BE49-F238E27FC236}">
-                <a16:creationId xmlns:a16="http://schemas.microsoft.com/office/drawing/2014/main" id="{16F87A0E-6282-4310-8114-329EB90AAB78}"/>
-              </a:ext>
-            </a:extLst>
-          </p:cNvPr>
-          <p:cNvSpPr>
-            <a:spLocks noGrp="1"/>
-          </p:cNvSpPr>
-          <p:nvPr>
-            <p:ph idx="1"/>
-          </p:nvPr>
-        </p:nvSpPr>
-        <p:spPr/>
-        <p:txBody>
-          <a:bodyPr/>
+              <a:rPr lang="pt-BR" smtClean="0"/>
+              <a:t>Click to edit Master title style</a:t>
+            </a:r>
+            <a:endParaRPr lang="pt-BR" dirty="0"/>
+          </a:p>
+        </p:txBody>
+      </p:sp>
+      <p:sp>
+        <p:nvSpPr>
+          <p:cNvPr id="3" name="Vertical Text Placeholder 2"/>
+          <p:cNvSpPr>
+            <a:spLocks noGrp="1"/>
+          </p:cNvSpPr>
+          <p:nvPr>
+            <p:ph type="body" orient="vert" idx="1"/>
+          </p:nvPr>
+        </p:nvSpPr>
+        <p:spPr/>
+        <p:txBody>
+          <a:bodyPr vert="eaVert"/>
           <a:lstStyle/>
           <a:p>
             <a:pPr lvl="0"/>
             <a:r>
-              <a:rPr lang="pt-BR"/>
-              <a:t>Editar estilos de texto Mestre</a:t>
+              <a:rPr lang="pt-BR" smtClean="0"/>
+              <a:t>Click to edit Master text styles</a:t>
             </a:r>
           </a:p>
           <a:p>
             <a:pPr lvl="1"/>
             <a:r>
-              <a:rPr lang="pt-BR"/>
-              <a:t>Segundo nível</a:t>
+              <a:rPr lang="pt-BR" smtClean="0"/>
+              <a:t>Second level</a:t>
             </a:r>
           </a:p>
           <a:p>
             <a:pPr lvl="2"/>
             <a:r>
-              <a:rPr lang="pt-BR"/>
-              <a:t>Terceiro nível</a:t>
+              <a:rPr lang="pt-BR" smtClean="0"/>
+              <a:t>Third level</a:t>
             </a:r>
           </a:p>
           <a:p>
             <a:pPr lvl="3"/>
             <a:r>
-              <a:rPr lang="pt-BR"/>
-              <a:t>Quarto nível</a:t>
+              <a:rPr lang="pt-BR" smtClean="0"/>
+              <a:t>Fourth level</a:t>
             </a:r>
           </a:p>
           <a:p>
             <a:pPr lvl="4"/>
             <a:r>
-              <a:rPr lang="pt-BR"/>
-              <a:t>Quinto nível</a:t>
-            </a:r>
-          </a:p>
-        </p:txBody>
-      </p:sp>
-      <p:sp>
-        <p:nvSpPr>
-          <p:cNvPr id="4" name="Espaço Reservado para Data 3">
-            <a:extLst>
-              <a:ext uri="{FF2B5EF4-FFF2-40B4-BE49-F238E27FC236}">
-                <a16:creationId xmlns:a16="http://schemas.microsoft.com/office/drawing/2014/main" id="{4770FC7B-684E-4F36-9CDE-26D7050E3E1D}"/>
-              </a:ext>
-            </a:extLst>
-          </p:cNvPr>
+              <a:rPr lang="pt-BR" smtClean="0"/>
+              <a:t>Fifth level</a:t>
+            </a:r>
+            <a:endParaRPr lang="pt-BR" dirty="0"/>
+          </a:p>
+        </p:txBody>
+      </p:sp>
+      <p:sp>
+        <p:nvSpPr>
+          <p:cNvPr id="4" name="Date Placeholder 3"/>
           <p:cNvSpPr>
             <a:spLocks noGrp="1"/>
           </p:cNvSpPr>
@@ -860,9 +859,9 @@
           <a:bodyPr/>
           <a:lstStyle/>
           <a:p>
-            <a:fld id="{8874DA21-C7DF-49CE-9C16-5D3699DDC120}" type="datetimeFigureOut">
-              <a:rPr lang="pt-BR" smtClean="0"/>
-              <a:t>12/12/2017</a:t>
+            <a:fld id="{BCC18F51-09EC-435C-A3BA-64A766E099C0}" type="datetimeFigureOut">
+              <a:rPr lang="pt-BR" smtClean="0"/>
+              <a:t>30.10.2013</a:t>
             </a:fld>
             <a:endParaRPr lang="pt-BR"/>
           </a:p>
@@ -870,13 +869,7 @@
       </p:sp>
       <p:sp>
         <p:nvSpPr>
-          <p:cNvPr id="5" name="Espaço Reservado para Rodapé 4">
-            <a:extLst>
-              <a:ext uri="{FF2B5EF4-FFF2-40B4-BE49-F238E27FC236}">
-                <a16:creationId xmlns:a16="http://schemas.microsoft.com/office/drawing/2014/main" id="{BFFFFE6D-B441-4810-A53F-B93A2665CAA6}"/>
-              </a:ext>
-            </a:extLst>
-          </p:cNvPr>
+          <p:cNvPr id="5" name="Footer Placeholder 4"/>
           <p:cNvSpPr>
             <a:spLocks noGrp="1"/>
           </p:cNvSpPr>
@@ -895,13 +888,7 @@
       </p:sp>
       <p:sp>
         <p:nvSpPr>
-          <p:cNvPr id="6" name="Espaço Reservado para Número de Slide 5">
-            <a:extLst>
-              <a:ext uri="{FF2B5EF4-FFF2-40B4-BE49-F238E27FC236}">
-                <a16:creationId xmlns:a16="http://schemas.microsoft.com/office/drawing/2014/main" id="{252656FD-B3AA-4D3B-A1F3-486D282C9D10}"/>
-              </a:ext>
-            </a:extLst>
-          </p:cNvPr>
+          <p:cNvPr id="6" name="Slide Number Placeholder 5"/>
           <p:cNvSpPr>
             <a:spLocks noGrp="1"/>
           </p:cNvSpPr>
@@ -914,9 +901,9 @@
           <a:bodyPr/>
           <a:lstStyle/>
           <a:p>
-            <a:fld id="{3FB9A642-EB80-4DCB-8C76-0CE942DD8E10}" type="slidenum">
-              <a:rPr lang="pt-BR" smtClean="0"/>
-              <a:t>‹nº›</a:t>
+            <a:fld id="{08395586-F03A-48D1-94DF-16B239DF4FB5}" type="slidenum">
+              <a:rPr lang="pt-BR" smtClean="0"/>
+              <a:t>‹#›</a:t>
             </a:fld>
             <a:endParaRPr lang="pt-BR"/>
           </a:p>
@@ -925,7 +912,7 @@
     </p:spTree>
     <p:extLst>
       <p:ext uri="{BB962C8B-B14F-4D97-AF65-F5344CB8AC3E}">
-        <p14:creationId xmlns:p14="http://schemas.microsoft.com/office/powerpoint/2010/main" val="3342013087"/>
+        <p14:creationId xmlns:p14="http://schemas.microsoft.com/office/powerpoint/2010/main" val="2377304659"/>
       </p:ext>
     </p:extLst>
   </p:cSld>
@@ -935,9 +922,9 @@
 </p:sldLayout>
 </file>
 
-<file path=ppt/slideLayouts/slideLayout3.xml><?xml version="1.0" encoding="utf-8"?>
-<p:sldLayout xmlns:a="http://schemas.openxmlformats.org/drawingml/2006/main" xmlns:r="http://schemas.openxmlformats.org/officeDocument/2006/relationships" xmlns:p="http://schemas.openxmlformats.org/presentationml/2006/main" type="secHead" preserve="1">
-  <p:cSld name="Cabeçalho da Seção">
+<file path=ppt/slideLayouts/slideLayout11.xml><?xml version="1.0" encoding="utf-8"?>
+<p:sldLayout xmlns:a="http://schemas.openxmlformats.org/drawingml/2006/main" xmlns:r="http://schemas.openxmlformats.org/officeDocument/2006/relationships" xmlns:p="http://schemas.openxmlformats.org/presentationml/2006/main" type="vertTitleAndTx" preserve="1">
+  <p:cSld name="Vertical Title and Text">
     <p:spTree>
       <p:nvGrpSpPr>
         <p:cNvPr id="1" name=""/>
@@ -954,175 +941,92 @@
       </p:grpSpPr>
       <p:sp>
         <p:nvSpPr>
-          <p:cNvPr id="2" name="Título 1">
-            <a:extLst>
-              <a:ext uri="{FF2B5EF4-FFF2-40B4-BE49-F238E27FC236}">
-                <a16:creationId xmlns:a16="http://schemas.microsoft.com/office/drawing/2014/main" id="{EAA4CA7B-0250-42C3-ABE4-7F26C2E99E16}"/>
-              </a:ext>
-            </a:extLst>
-          </p:cNvPr>
-          <p:cNvSpPr>
-            <a:spLocks noGrp="1"/>
-          </p:cNvSpPr>
-          <p:nvPr>
-            <p:ph type="title"/>
+          <p:cNvPr id="2" name="Vertical Title 1"/>
+          <p:cNvSpPr>
+            <a:spLocks noGrp="1"/>
+          </p:cNvSpPr>
+          <p:nvPr>
+            <p:ph type="title" orient="vert"/>
           </p:nvPr>
         </p:nvSpPr>
         <p:spPr>
           <a:xfrm>
-            <a:off x="831850" y="1709738"/>
-            <a:ext cx="10515600" cy="2852737"/>
+            <a:off x="8724900" y="365125"/>
+            <a:ext cx="2628900" cy="5811838"/>
           </a:xfrm>
         </p:spPr>
         <p:txBody>
-          <a:bodyPr anchor="b"/>
-          <a:lstStyle>
-            <a:lvl1pPr>
-              <a:defRPr sz="6000"/>
-            </a:lvl1pPr>
-          </a:lstStyle>
-          <a:p>
-            <a:r>
-              <a:rPr lang="pt-BR"/>
-              <a:t>Clique para editar o título mestre</a:t>
-            </a:r>
-          </a:p>
-        </p:txBody>
-      </p:sp>
-      <p:sp>
-        <p:nvSpPr>
-          <p:cNvPr id="3" name="Espaço Reservado para Texto 2">
-            <a:extLst>
-              <a:ext uri="{FF2B5EF4-FFF2-40B4-BE49-F238E27FC236}">
-                <a16:creationId xmlns:a16="http://schemas.microsoft.com/office/drawing/2014/main" id="{A5A4AA43-9703-45B5-8E8F-47A5D5F20E6E}"/>
-              </a:ext>
-            </a:extLst>
-          </p:cNvPr>
-          <p:cNvSpPr>
-            <a:spLocks noGrp="1"/>
-          </p:cNvSpPr>
-          <p:nvPr>
-            <p:ph type="body" idx="1"/>
+          <a:bodyPr vert="eaVert"/>
+          <a:lstStyle/>
+          <a:p>
+            <a:r>
+              <a:rPr lang="pt-BR" smtClean="0"/>
+              <a:t>Click to edit Master title style</a:t>
+            </a:r>
+            <a:endParaRPr lang="pt-BR" dirty="0"/>
+          </a:p>
+        </p:txBody>
+      </p:sp>
+      <p:sp>
+        <p:nvSpPr>
+          <p:cNvPr id="3" name="Vertical Text Placeholder 2"/>
+          <p:cNvSpPr>
+            <a:spLocks noGrp="1"/>
+          </p:cNvSpPr>
+          <p:nvPr>
+            <p:ph type="body" orient="vert" idx="1"/>
           </p:nvPr>
         </p:nvSpPr>
         <p:spPr>
           <a:xfrm>
-            <a:off x="831850" y="4589463"/>
-            <a:ext cx="10515600" cy="1500187"/>
+            <a:off x="838200" y="365125"/>
+            <a:ext cx="7734300" cy="5811838"/>
           </a:xfrm>
         </p:spPr>
         <p:txBody>
-          <a:bodyPr/>
-          <a:lstStyle>
-            <a:lvl1pPr marL="0" indent="0">
-              <a:buNone/>
-              <a:defRPr sz="2400">
-                <a:solidFill>
-                  <a:schemeClr val="tx1">
-                    <a:tint val="75000"/>
-                  </a:schemeClr>
-                </a:solidFill>
-              </a:defRPr>
-            </a:lvl1pPr>
-            <a:lvl2pPr marL="457200" indent="0">
-              <a:buNone/>
-              <a:defRPr sz="2000">
-                <a:solidFill>
-                  <a:schemeClr val="tx1">
-                    <a:tint val="75000"/>
-                  </a:schemeClr>
-                </a:solidFill>
-              </a:defRPr>
-            </a:lvl2pPr>
-            <a:lvl3pPr marL="914400" indent="0">
-              <a:buNone/>
-              <a:defRPr sz="1800">
-                <a:solidFill>
-                  <a:schemeClr val="tx1">
-                    <a:tint val="75000"/>
-                  </a:schemeClr>
-                </a:solidFill>
-              </a:defRPr>
-            </a:lvl3pPr>
-            <a:lvl4pPr marL="1371600" indent="0">
-              <a:buNone/>
-              <a:defRPr sz="1600">
-                <a:solidFill>
-                  <a:schemeClr val="tx1">
-                    <a:tint val="75000"/>
-                  </a:schemeClr>
-                </a:solidFill>
-              </a:defRPr>
-            </a:lvl4pPr>
-            <a:lvl5pPr marL="1828800" indent="0">
-              <a:buNone/>
-              <a:defRPr sz="1600">
-                <a:solidFill>
-                  <a:schemeClr val="tx1">
-                    <a:tint val="75000"/>
-                  </a:schemeClr>
-                </a:solidFill>
-              </a:defRPr>
-            </a:lvl5pPr>
-            <a:lvl6pPr marL="2286000" indent="0">
-              <a:buNone/>
-              <a:defRPr sz="1600">
-                <a:solidFill>
-                  <a:schemeClr val="tx1">
-                    <a:tint val="75000"/>
-                  </a:schemeClr>
-                </a:solidFill>
-              </a:defRPr>
-            </a:lvl6pPr>
-            <a:lvl7pPr marL="2743200" indent="0">
-              <a:buNone/>
-              <a:defRPr sz="1600">
-                <a:solidFill>
-                  <a:schemeClr val="tx1">
-                    <a:tint val="75000"/>
-                  </a:schemeClr>
-                </a:solidFill>
-              </a:defRPr>
-            </a:lvl7pPr>
-            <a:lvl8pPr marL="3200400" indent="0">
-              <a:buNone/>
-              <a:defRPr sz="1600">
-                <a:solidFill>
-                  <a:schemeClr val="tx1">
-                    <a:tint val="75000"/>
-                  </a:schemeClr>
-                </a:solidFill>
-              </a:defRPr>
-            </a:lvl8pPr>
-            <a:lvl9pPr marL="3657600" indent="0">
-              <a:buNone/>
-              <a:defRPr sz="1600">
-                <a:solidFill>
-                  <a:schemeClr val="tx1">
-                    <a:tint val="75000"/>
-                  </a:schemeClr>
-                </a:solidFill>
-              </a:defRPr>
-            </a:lvl9pPr>
-          </a:lstStyle>
+          <a:bodyPr vert="eaVert"/>
+          <a:lstStyle/>
           <a:p>
             <a:pPr lvl="0"/>
             <a:r>
-              <a:rPr lang="pt-BR"/>
-              <a:t>Editar estilos de texto Mestre</a:t>
-            </a:r>
-          </a:p>
-        </p:txBody>
-      </p:sp>
-      <p:sp>
-        <p:nvSpPr>
-          <p:cNvPr id="4" name="Espaço Reservado para Data 3">
-            <a:extLst>
-              <a:ext uri="{FF2B5EF4-FFF2-40B4-BE49-F238E27FC236}">
-                <a16:creationId xmlns:a16="http://schemas.microsoft.com/office/drawing/2014/main" id="{45B7B2B9-3ED3-4F93-BD00-48E0EECADD62}"/>
-              </a:ext>
-            </a:extLst>
-          </p:cNvPr>
+              <a:rPr lang="pt-BR" smtClean="0"/>
+              <a:t>Click to edit Master text styles</a:t>
+            </a:r>
+          </a:p>
+          <a:p>
+            <a:pPr lvl="1"/>
+            <a:r>
+              <a:rPr lang="pt-BR" smtClean="0"/>
+              <a:t>Second level</a:t>
+            </a:r>
+          </a:p>
+          <a:p>
+            <a:pPr lvl="2"/>
+            <a:r>
+              <a:rPr lang="pt-BR" smtClean="0"/>
+              <a:t>Third level</a:t>
+            </a:r>
+          </a:p>
+          <a:p>
+            <a:pPr lvl="3"/>
+            <a:r>
+              <a:rPr lang="pt-BR" smtClean="0"/>
+              <a:t>Fourth level</a:t>
+            </a:r>
+          </a:p>
+          <a:p>
+            <a:pPr lvl="4"/>
+            <a:r>
+              <a:rPr lang="pt-BR" smtClean="0"/>
+              <a:t>Fifth level</a:t>
+            </a:r>
+            <a:endParaRPr lang="pt-BR" dirty="0"/>
+          </a:p>
+        </p:txBody>
+      </p:sp>
+      <p:sp>
+        <p:nvSpPr>
+          <p:cNvPr id="4" name="Date Placeholder 3"/>
           <p:cNvSpPr>
             <a:spLocks noGrp="1"/>
           </p:cNvSpPr>
@@ -1135,9 +1039,9 @@
           <a:bodyPr/>
           <a:lstStyle/>
           <a:p>
-            <a:fld id="{8874DA21-C7DF-49CE-9C16-5D3699DDC120}" type="datetimeFigureOut">
-              <a:rPr lang="pt-BR" smtClean="0"/>
-              <a:t>12/12/2017</a:t>
+            <a:fld id="{BCC18F51-09EC-435C-A3BA-64A766E099C0}" type="datetimeFigureOut">
+              <a:rPr lang="pt-BR" smtClean="0"/>
+              <a:t>30.10.2013</a:t>
             </a:fld>
             <a:endParaRPr lang="pt-BR"/>
           </a:p>
@@ -1145,13 +1049,7 @@
       </p:sp>
       <p:sp>
         <p:nvSpPr>
-          <p:cNvPr id="5" name="Espaço Reservado para Rodapé 4">
-            <a:extLst>
-              <a:ext uri="{FF2B5EF4-FFF2-40B4-BE49-F238E27FC236}">
-                <a16:creationId xmlns:a16="http://schemas.microsoft.com/office/drawing/2014/main" id="{22FFC619-24D8-41D9-9894-9AA151C57947}"/>
-              </a:ext>
-            </a:extLst>
-          </p:cNvPr>
+          <p:cNvPr id="5" name="Footer Placeholder 4"/>
           <p:cNvSpPr>
             <a:spLocks noGrp="1"/>
           </p:cNvSpPr>
@@ -1170,13 +1068,7 @@
       </p:sp>
       <p:sp>
         <p:nvSpPr>
-          <p:cNvPr id="6" name="Espaço Reservado para Número de Slide 5">
-            <a:extLst>
-              <a:ext uri="{FF2B5EF4-FFF2-40B4-BE49-F238E27FC236}">
-                <a16:creationId xmlns:a16="http://schemas.microsoft.com/office/drawing/2014/main" id="{E2537BDA-B7A7-44C5-B264-4F9A65CB59FF}"/>
-              </a:ext>
-            </a:extLst>
-          </p:cNvPr>
+          <p:cNvPr id="6" name="Slide Number Placeholder 5"/>
           <p:cNvSpPr>
             <a:spLocks noGrp="1"/>
           </p:cNvSpPr>
@@ -1189,9 +1081,9 @@
           <a:bodyPr/>
           <a:lstStyle/>
           <a:p>
-            <a:fld id="{3FB9A642-EB80-4DCB-8C76-0CE942DD8E10}" type="slidenum">
-              <a:rPr lang="pt-BR" smtClean="0"/>
-              <a:t>‹nº›</a:t>
+            <a:fld id="{08395586-F03A-48D1-94DF-16B239DF4FB5}" type="slidenum">
+              <a:rPr lang="pt-BR" smtClean="0"/>
+              <a:t>‹#›</a:t>
             </a:fld>
             <a:endParaRPr lang="pt-BR"/>
           </a:p>
@@ -1200,7 +1092,7 @@
     </p:spTree>
     <p:extLst>
       <p:ext uri="{BB962C8B-B14F-4D97-AF65-F5344CB8AC3E}">
-        <p14:creationId xmlns:p14="http://schemas.microsoft.com/office/powerpoint/2010/main" val="2212319567"/>
+        <p14:creationId xmlns:p14="http://schemas.microsoft.com/office/powerpoint/2010/main" val="4161801277"/>
       </p:ext>
     </p:extLst>
   </p:cSld>
@@ -1210,9 +1102,9 @@
 </p:sldLayout>
 </file>
 
-<file path=ppt/slideLayouts/slideLayout4.xml><?xml version="1.0" encoding="utf-8"?>
-<p:sldLayout xmlns:a="http://schemas.openxmlformats.org/drawingml/2006/main" xmlns:r="http://schemas.openxmlformats.org/officeDocument/2006/relationships" xmlns:p="http://schemas.openxmlformats.org/presentationml/2006/main" type="twoObj" preserve="1">
-  <p:cSld name="Duas Partes de Conteúdo">
+<file path=ppt/slideLayouts/slideLayout2.xml><?xml version="1.0" encoding="utf-8"?>
+<p:sldLayout xmlns:a="http://schemas.openxmlformats.org/drawingml/2006/main" xmlns:r="http://schemas.openxmlformats.org/officeDocument/2006/relationships" xmlns:p="http://schemas.openxmlformats.org/presentationml/2006/main" type="obj" preserve="1">
+  <p:cSld name="Title and Content">
     <p:spTree>
       <p:nvGrpSpPr>
         <p:cNvPr id="1" name=""/>
@@ -1229,13 +1121,7 @@
       </p:grpSpPr>
       <p:sp>
         <p:nvSpPr>
-          <p:cNvPr id="2" name="Título 1">
-            <a:extLst>
-              <a:ext uri="{FF2B5EF4-FFF2-40B4-BE49-F238E27FC236}">
-                <a16:creationId xmlns:a16="http://schemas.microsoft.com/office/drawing/2014/main" id="{8B045C65-B916-4793-8BCF-6327D664FF57}"/>
-              </a:ext>
-            </a:extLst>
-          </p:cNvPr>
+          <p:cNvPr id="2" name="Title 1"/>
           <p:cNvSpPr>
             <a:spLocks noGrp="1"/>
           </p:cNvSpPr>
@@ -1249,145 +1135,68 @@
           <a:lstStyle/>
           <a:p>
             <a:r>
-              <a:rPr lang="pt-BR"/>
-              <a:t>Clique para editar o título mestre</a:t>
-            </a:r>
-          </a:p>
-        </p:txBody>
-      </p:sp>
-      <p:sp>
-        <p:nvSpPr>
-          <p:cNvPr id="3" name="Espaço Reservado para Conteúdo 2">
-            <a:extLst>
-              <a:ext uri="{FF2B5EF4-FFF2-40B4-BE49-F238E27FC236}">
-                <a16:creationId xmlns:a16="http://schemas.microsoft.com/office/drawing/2014/main" id="{08510125-7B60-4871-B2C5-C902196664AF}"/>
-              </a:ext>
-            </a:extLst>
-          </p:cNvPr>
-          <p:cNvSpPr>
-            <a:spLocks noGrp="1"/>
-          </p:cNvSpPr>
-          <p:nvPr>
-            <p:ph sz="half" idx="1"/>
-          </p:nvPr>
-        </p:nvSpPr>
-        <p:spPr>
-          <a:xfrm>
-            <a:off x="838200" y="1825625"/>
-            <a:ext cx="5181600" cy="4351338"/>
-          </a:xfrm>
-        </p:spPr>
+              <a:rPr lang="pt-BR" smtClean="0"/>
+              <a:t>Click to edit Master title style</a:t>
+            </a:r>
+            <a:endParaRPr lang="pt-BR" dirty="0"/>
+          </a:p>
+        </p:txBody>
+      </p:sp>
+      <p:sp>
+        <p:nvSpPr>
+          <p:cNvPr id="3" name="Content Placeholder 2"/>
+          <p:cNvSpPr>
+            <a:spLocks noGrp="1"/>
+          </p:cNvSpPr>
+          <p:nvPr>
+            <p:ph idx="1"/>
+          </p:nvPr>
+        </p:nvSpPr>
+        <p:spPr/>
         <p:txBody>
           <a:bodyPr/>
           <a:lstStyle/>
           <a:p>
             <a:pPr lvl="0"/>
             <a:r>
-              <a:rPr lang="pt-BR"/>
-              <a:t>Editar estilos de texto Mestre</a:t>
+              <a:rPr lang="pt-BR" smtClean="0"/>
+              <a:t>Click to edit Master text styles</a:t>
             </a:r>
           </a:p>
           <a:p>
             <a:pPr lvl="1"/>
             <a:r>
-              <a:rPr lang="pt-BR"/>
-              <a:t>Segundo nível</a:t>
+              <a:rPr lang="pt-BR" smtClean="0"/>
+              <a:t>Second level</a:t>
             </a:r>
           </a:p>
           <a:p>
             <a:pPr lvl="2"/>
             <a:r>
-              <a:rPr lang="pt-BR"/>
-              <a:t>Terceiro nível</a:t>
+              <a:rPr lang="pt-BR" smtClean="0"/>
+              <a:t>Third level</a:t>
             </a:r>
           </a:p>
           <a:p>
             <a:pPr lvl="3"/>
             <a:r>
-              <a:rPr lang="pt-BR"/>
-              <a:t>Quarto nível</a:t>
+              <a:rPr lang="pt-BR" smtClean="0"/>
+              <a:t>Fourth level</a:t>
             </a:r>
           </a:p>
           <a:p>
             <a:pPr lvl="4"/>
             <a:r>
-              <a:rPr lang="pt-BR"/>
-              <a:t>Quinto nível</a:t>
-            </a:r>
-          </a:p>
-        </p:txBody>
-      </p:sp>
-      <p:sp>
-        <p:nvSpPr>
-          <p:cNvPr id="4" name="Espaço Reservado para Conteúdo 3">
-            <a:extLst>
-              <a:ext uri="{FF2B5EF4-FFF2-40B4-BE49-F238E27FC236}">
-                <a16:creationId xmlns:a16="http://schemas.microsoft.com/office/drawing/2014/main" id="{C0E4F6DF-C2D3-4497-BFA6-997C78A89223}"/>
-              </a:ext>
-            </a:extLst>
-          </p:cNvPr>
-          <p:cNvSpPr>
-            <a:spLocks noGrp="1"/>
-          </p:cNvSpPr>
-          <p:nvPr>
-            <p:ph sz="half" idx="2"/>
-          </p:nvPr>
-        </p:nvSpPr>
-        <p:spPr>
-          <a:xfrm>
-            <a:off x="6172200" y="1825625"/>
-            <a:ext cx="5181600" cy="4351338"/>
-          </a:xfrm>
-        </p:spPr>
-        <p:txBody>
-          <a:bodyPr/>
-          <a:lstStyle/>
-          <a:p>
-            <a:pPr lvl="0"/>
-            <a:r>
-              <a:rPr lang="pt-BR"/>
-              <a:t>Editar estilos de texto Mestre</a:t>
-            </a:r>
-          </a:p>
-          <a:p>
-            <a:pPr lvl="1"/>
-            <a:r>
-              <a:rPr lang="pt-BR"/>
-              <a:t>Segundo nível</a:t>
-            </a:r>
-          </a:p>
-          <a:p>
-            <a:pPr lvl="2"/>
-            <a:r>
-              <a:rPr lang="pt-BR"/>
-              <a:t>Terceiro nível</a:t>
-            </a:r>
-          </a:p>
-          <a:p>
-            <a:pPr lvl="3"/>
-            <a:r>
-              <a:rPr lang="pt-BR"/>
-              <a:t>Quarto nível</a:t>
-            </a:r>
-          </a:p>
-          <a:p>
-            <a:pPr lvl="4"/>
-            <a:r>
-              <a:rPr lang="pt-BR"/>
-              <a:t>Quinto nível</a:t>
-            </a:r>
-          </a:p>
-        </p:txBody>
-      </p:sp>
-      <p:sp>
-        <p:nvSpPr>
-          <p:cNvPr id="5" name="Espaço Reservado para Data 4">
-            <a:extLst>
-              <a:ext uri="{FF2B5EF4-FFF2-40B4-BE49-F238E27FC236}">
-                <a16:creationId xmlns:a16="http://schemas.microsoft.com/office/drawing/2014/main" id="{B17D9092-302E-4528-970A-12CE3957FF47}"/>
-              </a:ext>
-            </a:extLst>
-          </p:cNvPr>
+              <a:rPr lang="pt-BR" smtClean="0"/>
+              <a:t>Fifth level</a:t>
+            </a:r>
+            <a:endParaRPr lang="pt-BR" dirty="0"/>
+          </a:p>
+        </p:txBody>
+      </p:sp>
+      <p:sp>
+        <p:nvSpPr>
+          <p:cNvPr id="4" name="Date Placeholder 3"/>
           <p:cNvSpPr>
             <a:spLocks noGrp="1"/>
           </p:cNvSpPr>
@@ -1400,9 +1209,9 @@
           <a:bodyPr/>
           <a:lstStyle/>
           <a:p>
-            <a:fld id="{8874DA21-C7DF-49CE-9C16-5D3699DDC120}" type="datetimeFigureOut">
-              <a:rPr lang="pt-BR" smtClean="0"/>
-              <a:t>12/12/2017</a:t>
+            <a:fld id="{BCC18F51-09EC-435C-A3BA-64A766E099C0}" type="datetimeFigureOut">
+              <a:rPr lang="pt-BR" smtClean="0"/>
+              <a:t>30.10.2013</a:t>
             </a:fld>
             <a:endParaRPr lang="pt-BR"/>
           </a:p>
@@ -1410,13 +1219,7 @@
       </p:sp>
       <p:sp>
         <p:nvSpPr>
-          <p:cNvPr id="6" name="Espaço Reservado para Rodapé 5">
-            <a:extLst>
-              <a:ext uri="{FF2B5EF4-FFF2-40B4-BE49-F238E27FC236}">
-                <a16:creationId xmlns:a16="http://schemas.microsoft.com/office/drawing/2014/main" id="{F75E96A6-B2C6-4D8F-9264-CD4831CA7ACC}"/>
-              </a:ext>
-            </a:extLst>
-          </p:cNvPr>
+          <p:cNvPr id="5" name="Footer Placeholder 4"/>
           <p:cNvSpPr>
             <a:spLocks noGrp="1"/>
           </p:cNvSpPr>
@@ -1435,13 +1238,7 @@
       </p:sp>
       <p:sp>
         <p:nvSpPr>
-          <p:cNvPr id="7" name="Espaço Reservado para Número de Slide 6">
-            <a:extLst>
-              <a:ext uri="{FF2B5EF4-FFF2-40B4-BE49-F238E27FC236}">
-                <a16:creationId xmlns:a16="http://schemas.microsoft.com/office/drawing/2014/main" id="{9C22187B-A508-42BA-8D92-4877084CE76D}"/>
-              </a:ext>
-            </a:extLst>
-          </p:cNvPr>
+          <p:cNvPr id="6" name="Slide Number Placeholder 5"/>
           <p:cNvSpPr>
             <a:spLocks noGrp="1"/>
           </p:cNvSpPr>
@@ -1454,9 +1251,9 @@
           <a:bodyPr/>
           <a:lstStyle/>
           <a:p>
-            <a:fld id="{3FB9A642-EB80-4DCB-8C76-0CE942DD8E10}" type="slidenum">
-              <a:rPr lang="pt-BR" smtClean="0"/>
-              <a:t>‹nº›</a:t>
+            <a:fld id="{08395586-F03A-48D1-94DF-16B239DF4FB5}" type="slidenum">
+              <a:rPr lang="pt-BR" smtClean="0"/>
+              <a:t>‹#›</a:t>
             </a:fld>
             <a:endParaRPr lang="pt-BR"/>
           </a:p>
@@ -1465,7 +1262,7 @@
     </p:spTree>
     <p:extLst>
       <p:ext uri="{BB962C8B-B14F-4D97-AF65-F5344CB8AC3E}">
-        <p14:creationId xmlns:p14="http://schemas.microsoft.com/office/powerpoint/2010/main" val="3605653411"/>
+        <p14:creationId xmlns:p14="http://schemas.microsoft.com/office/powerpoint/2010/main" val="2960619921"/>
       </p:ext>
     </p:extLst>
   </p:cSld>
@@ -1475,9 +1272,9 @@
 </p:sldLayout>
 </file>
 
-<file path=ppt/slideLayouts/slideLayout5.xml><?xml version="1.0" encoding="utf-8"?>
-<p:sldLayout xmlns:a="http://schemas.openxmlformats.org/drawingml/2006/main" xmlns:r="http://schemas.openxmlformats.org/officeDocument/2006/relationships" xmlns:p="http://schemas.openxmlformats.org/presentationml/2006/main" type="twoTxTwoObj" preserve="1">
-  <p:cSld name="Comparação">
+<file path=ppt/slideLayouts/slideLayout3.xml><?xml version="1.0" encoding="utf-8"?>
+<p:sldLayout xmlns:a="http://schemas.openxmlformats.org/drawingml/2006/main" xmlns:r="http://schemas.openxmlformats.org/officeDocument/2006/relationships" xmlns:p="http://schemas.openxmlformats.org/presentationml/2006/main" type="secHead" preserve="1">
+  <p:cSld name="Section Header">
     <p:spTree>
       <p:nvGrpSpPr>
         <p:cNvPr id="1" name=""/>
@@ -1494,13 +1291,7 @@
       </p:grpSpPr>
       <p:sp>
         <p:nvSpPr>
-          <p:cNvPr id="2" name="Título 1">
-            <a:extLst>
-              <a:ext uri="{FF2B5EF4-FFF2-40B4-BE49-F238E27FC236}">
-                <a16:creationId xmlns:a16="http://schemas.microsoft.com/office/drawing/2014/main" id="{DD387D51-60FC-4B58-AC72-A4AF3801CB49}"/>
-              </a:ext>
-            </a:extLst>
-          </p:cNvPr>
+          <p:cNvPr id="2" name="Title 1"/>
           <p:cNvSpPr>
             <a:spLocks noGrp="1"/>
           </p:cNvSpPr>
@@ -1510,30 +1301,29 @@
         </p:nvSpPr>
         <p:spPr>
           <a:xfrm>
-            <a:off x="839788" y="365125"/>
-            <a:ext cx="10515600" cy="1325563"/>
+            <a:off x="831850" y="1709738"/>
+            <a:ext cx="10515600" cy="2852737"/>
           </a:xfrm>
         </p:spPr>
         <p:txBody>
-          <a:bodyPr/>
-          <a:lstStyle/>
-          <a:p>
-            <a:r>
-              <a:rPr lang="pt-BR"/>
-              <a:t>Clique para editar o título mestre</a:t>
-            </a:r>
-          </a:p>
-        </p:txBody>
-      </p:sp>
-      <p:sp>
-        <p:nvSpPr>
-          <p:cNvPr id="3" name="Espaço Reservado para Texto 2">
-            <a:extLst>
-              <a:ext uri="{FF2B5EF4-FFF2-40B4-BE49-F238E27FC236}">
-                <a16:creationId xmlns:a16="http://schemas.microsoft.com/office/drawing/2014/main" id="{7082AB58-BA49-4019-B1B1-8741C5E127CB}"/>
-              </a:ext>
-            </a:extLst>
-          </p:cNvPr>
+          <a:bodyPr anchor="b"/>
+          <a:lstStyle>
+            <a:lvl1pPr>
+              <a:defRPr sz="6000"/>
+            </a:lvl1pPr>
+          </a:lstStyle>
+          <a:p>
+            <a:r>
+              <a:rPr lang="pt-BR" smtClean="0"/>
+              <a:t>Click to edit Master title style</a:t>
+            </a:r>
+            <a:endParaRPr lang="pt-BR" dirty="0"/>
+          </a:p>
+        </p:txBody>
+      </p:sp>
+      <p:sp>
+        <p:nvSpPr>
+          <p:cNvPr id="3" name="Text Placeholder 2"/>
           <p:cNvSpPr>
             <a:spLocks noGrp="1"/>
           </p:cNvSpPr>
@@ -1543,263 +1333,116 @@
         </p:nvSpPr>
         <p:spPr>
           <a:xfrm>
-            <a:off x="839788" y="1681163"/>
-            <a:ext cx="5157787" cy="823912"/>
+            <a:off x="831850" y="4589463"/>
+            <a:ext cx="10515600" cy="1500187"/>
           </a:xfrm>
         </p:spPr>
         <p:txBody>
-          <a:bodyPr anchor="b"/>
+          <a:bodyPr/>
           <a:lstStyle>
             <a:lvl1pPr marL="0" indent="0">
               <a:buNone/>
-              <a:defRPr sz="2400" b="1"/>
+              <a:defRPr sz="2400">
+                <a:solidFill>
+                  <a:schemeClr val="tx1">
+                    <a:tint val="75000"/>
+                  </a:schemeClr>
+                </a:solidFill>
+              </a:defRPr>
             </a:lvl1pPr>
             <a:lvl2pPr marL="457200" indent="0">
               <a:buNone/>
-              <a:defRPr sz="2000" b="1"/>
+              <a:defRPr sz="2000">
+                <a:solidFill>
+                  <a:schemeClr val="tx1">
+                    <a:tint val="75000"/>
+                  </a:schemeClr>
+                </a:solidFill>
+              </a:defRPr>
             </a:lvl2pPr>
             <a:lvl3pPr marL="914400" indent="0">
               <a:buNone/>
-              <a:defRPr sz="1800" b="1"/>
+              <a:defRPr sz="1800">
+                <a:solidFill>
+                  <a:schemeClr val="tx1">
+                    <a:tint val="75000"/>
+                  </a:schemeClr>
+                </a:solidFill>
+              </a:defRPr>
             </a:lvl3pPr>
             <a:lvl4pPr marL="1371600" indent="0">
               <a:buNone/>
-              <a:defRPr sz="1600" b="1"/>
+              <a:defRPr sz="1600">
+                <a:solidFill>
+                  <a:schemeClr val="tx1">
+                    <a:tint val="75000"/>
+                  </a:schemeClr>
+                </a:solidFill>
+              </a:defRPr>
             </a:lvl4pPr>
             <a:lvl5pPr marL="1828800" indent="0">
               <a:buNone/>
-              <a:defRPr sz="1600" b="1"/>
+              <a:defRPr sz="1600">
+                <a:solidFill>
+                  <a:schemeClr val="tx1">
+                    <a:tint val="75000"/>
+                  </a:schemeClr>
+                </a:solidFill>
+              </a:defRPr>
             </a:lvl5pPr>
             <a:lvl6pPr marL="2286000" indent="0">
               <a:buNone/>
-              <a:defRPr sz="1600" b="1"/>
+              <a:defRPr sz="1600">
+                <a:solidFill>
+                  <a:schemeClr val="tx1">
+                    <a:tint val="75000"/>
+                  </a:schemeClr>
+                </a:solidFill>
+              </a:defRPr>
             </a:lvl6pPr>
             <a:lvl7pPr marL="2743200" indent="0">
               <a:buNone/>
-              <a:defRPr sz="1600" b="1"/>
+              <a:defRPr sz="1600">
+                <a:solidFill>
+                  <a:schemeClr val="tx1">
+                    <a:tint val="75000"/>
+                  </a:schemeClr>
+                </a:solidFill>
+              </a:defRPr>
             </a:lvl7pPr>
             <a:lvl8pPr marL="3200400" indent="0">
               <a:buNone/>
-              <a:defRPr sz="1600" b="1"/>
+              <a:defRPr sz="1600">
+                <a:solidFill>
+                  <a:schemeClr val="tx1">
+                    <a:tint val="75000"/>
+                  </a:schemeClr>
+                </a:solidFill>
+              </a:defRPr>
             </a:lvl8pPr>
             <a:lvl9pPr marL="3657600" indent="0">
               <a:buNone/>
-              <a:defRPr sz="1600" b="1"/>
+              <a:defRPr sz="1600">
+                <a:solidFill>
+                  <a:schemeClr val="tx1">
+                    <a:tint val="75000"/>
+                  </a:schemeClr>
+                </a:solidFill>
+              </a:defRPr>
             </a:lvl9pPr>
           </a:lstStyle>
           <a:p>
             <a:pPr lvl="0"/>
             <a:r>
-              <a:rPr lang="pt-BR"/>
-              <a:t>Editar estilos de texto Mestre</a:t>
-            </a:r>
-          </a:p>
-        </p:txBody>
-      </p:sp>
-      <p:sp>
-        <p:nvSpPr>
-          <p:cNvPr id="4" name="Espaço Reservado para Conteúdo 3">
-            <a:extLst>
-              <a:ext uri="{FF2B5EF4-FFF2-40B4-BE49-F238E27FC236}">
-                <a16:creationId xmlns:a16="http://schemas.microsoft.com/office/drawing/2014/main" id="{48D0D14E-5801-4332-8371-A0B715F88704}"/>
-              </a:ext>
-            </a:extLst>
-          </p:cNvPr>
-          <p:cNvSpPr>
-            <a:spLocks noGrp="1"/>
-          </p:cNvSpPr>
-          <p:nvPr>
-            <p:ph sz="half" idx="2"/>
-          </p:nvPr>
-        </p:nvSpPr>
-        <p:spPr>
-          <a:xfrm>
-            <a:off x="839788" y="2505075"/>
-            <a:ext cx="5157787" cy="3684588"/>
-          </a:xfrm>
-        </p:spPr>
-        <p:txBody>
-          <a:bodyPr/>
-          <a:lstStyle/>
-          <a:p>
-            <a:pPr lvl="0"/>
-            <a:r>
-              <a:rPr lang="pt-BR"/>
-              <a:t>Editar estilos de texto Mestre</a:t>
-            </a:r>
-          </a:p>
-          <a:p>
-            <a:pPr lvl="1"/>
-            <a:r>
-              <a:rPr lang="pt-BR"/>
-              <a:t>Segundo nível</a:t>
-            </a:r>
-          </a:p>
-          <a:p>
-            <a:pPr lvl="2"/>
-            <a:r>
-              <a:rPr lang="pt-BR"/>
-              <a:t>Terceiro nível</a:t>
-            </a:r>
-          </a:p>
-          <a:p>
-            <a:pPr lvl="3"/>
-            <a:r>
-              <a:rPr lang="pt-BR"/>
-              <a:t>Quarto nível</a:t>
-            </a:r>
-          </a:p>
-          <a:p>
-            <a:pPr lvl="4"/>
-            <a:r>
-              <a:rPr lang="pt-BR"/>
-              <a:t>Quinto nível</a:t>
-            </a:r>
-          </a:p>
-        </p:txBody>
-      </p:sp>
-      <p:sp>
-        <p:nvSpPr>
-          <p:cNvPr id="5" name="Espaço Reservado para Texto 4">
-            <a:extLst>
-              <a:ext uri="{FF2B5EF4-FFF2-40B4-BE49-F238E27FC236}">
-                <a16:creationId xmlns:a16="http://schemas.microsoft.com/office/drawing/2014/main" id="{0F2CC2D2-B827-483A-B53C-2C1CD031C6CA}"/>
-              </a:ext>
-            </a:extLst>
-          </p:cNvPr>
-          <p:cNvSpPr>
-            <a:spLocks noGrp="1"/>
-          </p:cNvSpPr>
-          <p:nvPr>
-            <p:ph type="body" sz="quarter" idx="3"/>
-          </p:nvPr>
-        </p:nvSpPr>
-        <p:spPr>
-          <a:xfrm>
-            <a:off x="6172200" y="1681163"/>
-            <a:ext cx="5183188" cy="823912"/>
-          </a:xfrm>
-        </p:spPr>
-        <p:txBody>
-          <a:bodyPr anchor="b"/>
-          <a:lstStyle>
-            <a:lvl1pPr marL="0" indent="0">
-              <a:buNone/>
-              <a:defRPr sz="2400" b="1"/>
-            </a:lvl1pPr>
-            <a:lvl2pPr marL="457200" indent="0">
-              <a:buNone/>
-              <a:defRPr sz="2000" b="1"/>
-            </a:lvl2pPr>
-            <a:lvl3pPr marL="914400" indent="0">
-              <a:buNone/>
-              <a:defRPr sz="1800" b="1"/>
-            </a:lvl3pPr>
-            <a:lvl4pPr marL="1371600" indent="0">
-              <a:buNone/>
-              <a:defRPr sz="1600" b="1"/>
-            </a:lvl4pPr>
-            <a:lvl5pPr marL="1828800" indent="0">
-              <a:buNone/>
-              <a:defRPr sz="1600" b="1"/>
-            </a:lvl5pPr>
-            <a:lvl6pPr marL="2286000" indent="0">
-              <a:buNone/>
-              <a:defRPr sz="1600" b="1"/>
-            </a:lvl6pPr>
-            <a:lvl7pPr marL="2743200" indent="0">
-              <a:buNone/>
-              <a:defRPr sz="1600" b="1"/>
-            </a:lvl7pPr>
-            <a:lvl8pPr marL="3200400" indent="0">
-              <a:buNone/>
-              <a:defRPr sz="1600" b="1"/>
-            </a:lvl8pPr>
-            <a:lvl9pPr marL="3657600" indent="0">
-              <a:buNone/>
-              <a:defRPr sz="1600" b="1"/>
-            </a:lvl9pPr>
-          </a:lstStyle>
-          <a:p>
-            <a:pPr lvl="0"/>
-            <a:r>
-              <a:rPr lang="pt-BR"/>
-              <a:t>Editar estilos de texto Mestre</a:t>
-            </a:r>
-          </a:p>
-        </p:txBody>
-      </p:sp>
-      <p:sp>
-        <p:nvSpPr>
-          <p:cNvPr id="6" name="Espaço Reservado para Conteúdo 5">
-            <a:extLst>
-              <a:ext uri="{FF2B5EF4-FFF2-40B4-BE49-F238E27FC236}">
-                <a16:creationId xmlns:a16="http://schemas.microsoft.com/office/drawing/2014/main" id="{135E601B-05DD-4C40-A6A0-0D3D21DA414C}"/>
-              </a:ext>
-            </a:extLst>
-          </p:cNvPr>
-          <p:cNvSpPr>
-            <a:spLocks noGrp="1"/>
-          </p:cNvSpPr>
-          <p:nvPr>
-            <p:ph sz="quarter" idx="4"/>
-          </p:nvPr>
-        </p:nvSpPr>
-        <p:spPr>
-          <a:xfrm>
-            <a:off x="6172200" y="2505075"/>
-            <a:ext cx="5183188" cy="3684588"/>
-          </a:xfrm>
-        </p:spPr>
-        <p:txBody>
-          <a:bodyPr/>
-          <a:lstStyle/>
-          <a:p>
-            <a:pPr lvl="0"/>
-            <a:r>
-              <a:rPr lang="pt-BR"/>
-              <a:t>Editar estilos de texto Mestre</a:t>
-            </a:r>
-          </a:p>
-          <a:p>
-            <a:pPr lvl="1"/>
-            <a:r>
-              <a:rPr lang="pt-BR"/>
-              <a:t>Segundo nível</a:t>
-            </a:r>
-          </a:p>
-          <a:p>
-            <a:pPr lvl="2"/>
-            <a:r>
-              <a:rPr lang="pt-BR"/>
-              <a:t>Terceiro nível</a:t>
-            </a:r>
-          </a:p>
-          <a:p>
-            <a:pPr lvl="3"/>
-            <a:r>
-              <a:rPr lang="pt-BR"/>
-              <a:t>Quarto nível</a:t>
-            </a:r>
-          </a:p>
-          <a:p>
-            <a:pPr lvl="4"/>
-            <a:r>
-              <a:rPr lang="pt-BR"/>
-              <a:t>Quinto nível</a:t>
-            </a:r>
-          </a:p>
-        </p:txBody>
-      </p:sp>
-      <p:sp>
-        <p:nvSpPr>
-          <p:cNvPr id="7" name="Espaço Reservado para Data 6">
-            <a:extLst>
-              <a:ext uri="{FF2B5EF4-FFF2-40B4-BE49-F238E27FC236}">
-                <a16:creationId xmlns:a16="http://schemas.microsoft.com/office/drawing/2014/main" id="{3EF1829B-ED24-4360-AAC6-3A69694B1553}"/>
-              </a:ext>
-            </a:extLst>
-          </p:cNvPr>
+              <a:rPr lang="pt-BR" smtClean="0"/>
+              <a:t>Click to edit Master text styles</a:t>
+            </a:r>
+          </a:p>
+        </p:txBody>
+      </p:sp>
+      <p:sp>
+        <p:nvSpPr>
+          <p:cNvPr id="4" name="Date Placeholder 3"/>
           <p:cNvSpPr>
             <a:spLocks noGrp="1"/>
           </p:cNvSpPr>
@@ -1812,9 +1455,9 @@
           <a:bodyPr/>
           <a:lstStyle/>
           <a:p>
-            <a:fld id="{8874DA21-C7DF-49CE-9C16-5D3699DDC120}" type="datetimeFigureOut">
-              <a:rPr lang="pt-BR" smtClean="0"/>
-              <a:t>12/12/2017</a:t>
+            <a:fld id="{BCC18F51-09EC-435C-A3BA-64A766E099C0}" type="datetimeFigureOut">
+              <a:rPr lang="pt-BR" smtClean="0"/>
+              <a:t>30.10.2013</a:t>
             </a:fld>
             <a:endParaRPr lang="pt-BR"/>
           </a:p>
@@ -1822,13 +1465,7 @@
       </p:sp>
       <p:sp>
         <p:nvSpPr>
-          <p:cNvPr id="8" name="Espaço Reservado para Rodapé 7">
-            <a:extLst>
-              <a:ext uri="{FF2B5EF4-FFF2-40B4-BE49-F238E27FC236}">
-                <a16:creationId xmlns:a16="http://schemas.microsoft.com/office/drawing/2014/main" id="{C3E97666-D95E-4EF3-80A0-2691FCB4D0BF}"/>
-              </a:ext>
-            </a:extLst>
-          </p:cNvPr>
+          <p:cNvPr id="5" name="Footer Placeholder 4"/>
           <p:cNvSpPr>
             <a:spLocks noGrp="1"/>
           </p:cNvSpPr>
@@ -1847,13 +1484,7 @@
       </p:sp>
       <p:sp>
         <p:nvSpPr>
-          <p:cNvPr id="9" name="Espaço Reservado para Número de Slide 8">
-            <a:extLst>
-              <a:ext uri="{FF2B5EF4-FFF2-40B4-BE49-F238E27FC236}">
-                <a16:creationId xmlns:a16="http://schemas.microsoft.com/office/drawing/2014/main" id="{7508CA77-A000-4BBB-A441-1D34AE2C1E37}"/>
-              </a:ext>
-            </a:extLst>
-          </p:cNvPr>
+          <p:cNvPr id="6" name="Slide Number Placeholder 5"/>
           <p:cNvSpPr>
             <a:spLocks noGrp="1"/>
           </p:cNvSpPr>
@@ -1866,9 +1497,9 @@
           <a:bodyPr/>
           <a:lstStyle/>
           <a:p>
-            <a:fld id="{3FB9A642-EB80-4DCB-8C76-0CE942DD8E10}" type="slidenum">
-              <a:rPr lang="pt-BR" smtClean="0"/>
-              <a:t>‹nº›</a:t>
+            <a:fld id="{08395586-F03A-48D1-94DF-16B239DF4FB5}" type="slidenum">
+              <a:rPr lang="pt-BR" smtClean="0"/>
+              <a:t>‹#›</a:t>
             </a:fld>
             <a:endParaRPr lang="pt-BR"/>
           </a:p>
@@ -1877,7 +1508,7 @@
     </p:spTree>
     <p:extLst>
       <p:ext uri="{BB962C8B-B14F-4D97-AF65-F5344CB8AC3E}">
-        <p14:creationId xmlns:p14="http://schemas.microsoft.com/office/powerpoint/2010/main" val="4228177515"/>
+        <p14:creationId xmlns:p14="http://schemas.microsoft.com/office/powerpoint/2010/main" val="2072125890"/>
       </p:ext>
     </p:extLst>
   </p:cSld>
@@ -1887,9 +1518,9 @@
 </p:sldLayout>
 </file>
 
-<file path=ppt/slideLayouts/slideLayout6.xml><?xml version="1.0" encoding="utf-8"?>
-<p:sldLayout xmlns:a="http://schemas.openxmlformats.org/drawingml/2006/main" xmlns:r="http://schemas.openxmlformats.org/officeDocument/2006/relationships" xmlns:p="http://schemas.openxmlformats.org/presentationml/2006/main" type="titleOnly" preserve="1">
-  <p:cSld name="Somente Título">
+<file path=ppt/slideLayouts/slideLayout4.xml><?xml version="1.0" encoding="utf-8"?>
+<p:sldLayout xmlns:a="http://schemas.openxmlformats.org/drawingml/2006/main" xmlns:r="http://schemas.openxmlformats.org/officeDocument/2006/relationships" xmlns:p="http://schemas.openxmlformats.org/presentationml/2006/main" type="twoObj" preserve="1">
+  <p:cSld name="Two Content">
     <p:spTree>
       <p:nvGrpSpPr>
         <p:cNvPr id="1" name=""/>
@@ -1906,13 +1537,7 @@
       </p:grpSpPr>
       <p:sp>
         <p:nvSpPr>
-          <p:cNvPr id="2" name="Título 1">
-            <a:extLst>
-              <a:ext uri="{FF2B5EF4-FFF2-40B4-BE49-F238E27FC236}">
-                <a16:creationId xmlns:a16="http://schemas.microsoft.com/office/drawing/2014/main" id="{CBF09205-1ECC-48FE-ABCD-59CBD0F0AA37}"/>
-              </a:ext>
-            </a:extLst>
-          </p:cNvPr>
+          <p:cNvPr id="2" name="Title 1"/>
           <p:cNvSpPr>
             <a:spLocks noGrp="1"/>
           </p:cNvSpPr>
@@ -1926,21 +1551,130 @@
           <a:lstStyle/>
           <a:p>
             <a:r>
-              <a:rPr lang="pt-BR"/>
-              <a:t>Clique para editar o título mestre</a:t>
-            </a:r>
-          </a:p>
-        </p:txBody>
-      </p:sp>
-      <p:sp>
-        <p:nvSpPr>
-          <p:cNvPr id="3" name="Espaço Reservado para Data 2">
-            <a:extLst>
-              <a:ext uri="{FF2B5EF4-FFF2-40B4-BE49-F238E27FC236}">
-                <a16:creationId xmlns:a16="http://schemas.microsoft.com/office/drawing/2014/main" id="{8CC08C63-08E6-45F3-9AA2-15961A1B935A}"/>
-              </a:ext>
-            </a:extLst>
-          </p:cNvPr>
+              <a:rPr lang="pt-BR" smtClean="0"/>
+              <a:t>Click to edit Master title style</a:t>
+            </a:r>
+            <a:endParaRPr lang="pt-BR" dirty="0"/>
+          </a:p>
+        </p:txBody>
+      </p:sp>
+      <p:sp>
+        <p:nvSpPr>
+          <p:cNvPr id="3" name="Content Placeholder 2"/>
+          <p:cNvSpPr>
+            <a:spLocks noGrp="1"/>
+          </p:cNvSpPr>
+          <p:nvPr>
+            <p:ph sz="half" idx="1"/>
+          </p:nvPr>
+        </p:nvSpPr>
+        <p:spPr>
+          <a:xfrm>
+            <a:off x="838200" y="1825625"/>
+            <a:ext cx="5181600" cy="4351338"/>
+          </a:xfrm>
+        </p:spPr>
+        <p:txBody>
+          <a:bodyPr/>
+          <a:lstStyle/>
+          <a:p>
+            <a:pPr lvl="0"/>
+            <a:r>
+              <a:rPr lang="pt-BR" smtClean="0"/>
+              <a:t>Click to edit Master text styles</a:t>
+            </a:r>
+          </a:p>
+          <a:p>
+            <a:pPr lvl="1"/>
+            <a:r>
+              <a:rPr lang="pt-BR" smtClean="0"/>
+              <a:t>Second level</a:t>
+            </a:r>
+          </a:p>
+          <a:p>
+            <a:pPr lvl="2"/>
+            <a:r>
+              <a:rPr lang="pt-BR" smtClean="0"/>
+              <a:t>Third level</a:t>
+            </a:r>
+          </a:p>
+          <a:p>
+            <a:pPr lvl="3"/>
+            <a:r>
+              <a:rPr lang="pt-BR" smtClean="0"/>
+              <a:t>Fourth level</a:t>
+            </a:r>
+          </a:p>
+          <a:p>
+            <a:pPr lvl="4"/>
+            <a:r>
+              <a:rPr lang="pt-BR" smtClean="0"/>
+              <a:t>Fifth level</a:t>
+            </a:r>
+            <a:endParaRPr lang="pt-BR" dirty="0"/>
+          </a:p>
+        </p:txBody>
+      </p:sp>
+      <p:sp>
+        <p:nvSpPr>
+          <p:cNvPr id="4" name="Content Placeholder 3"/>
+          <p:cNvSpPr>
+            <a:spLocks noGrp="1"/>
+          </p:cNvSpPr>
+          <p:nvPr>
+            <p:ph sz="half" idx="2"/>
+          </p:nvPr>
+        </p:nvSpPr>
+        <p:spPr>
+          <a:xfrm>
+            <a:off x="6172200" y="1825625"/>
+            <a:ext cx="5181600" cy="4351338"/>
+          </a:xfrm>
+        </p:spPr>
+        <p:txBody>
+          <a:bodyPr/>
+          <a:lstStyle/>
+          <a:p>
+            <a:pPr lvl="0"/>
+            <a:r>
+              <a:rPr lang="pt-BR" smtClean="0"/>
+              <a:t>Click to edit Master text styles</a:t>
+            </a:r>
+          </a:p>
+          <a:p>
+            <a:pPr lvl="1"/>
+            <a:r>
+              <a:rPr lang="pt-BR" smtClean="0"/>
+              <a:t>Second level</a:t>
+            </a:r>
+          </a:p>
+          <a:p>
+            <a:pPr lvl="2"/>
+            <a:r>
+              <a:rPr lang="pt-BR" smtClean="0"/>
+              <a:t>Third level</a:t>
+            </a:r>
+          </a:p>
+          <a:p>
+            <a:pPr lvl="3"/>
+            <a:r>
+              <a:rPr lang="pt-BR" smtClean="0"/>
+              <a:t>Fourth level</a:t>
+            </a:r>
+          </a:p>
+          <a:p>
+            <a:pPr lvl="4"/>
+            <a:r>
+              <a:rPr lang="pt-BR" smtClean="0"/>
+              <a:t>Fifth level</a:t>
+            </a:r>
+            <a:endParaRPr lang="pt-BR" dirty="0"/>
+          </a:p>
+        </p:txBody>
+      </p:sp>
+      <p:sp>
+        <p:nvSpPr>
+          <p:cNvPr id="5" name="Date Placeholder 4"/>
           <p:cNvSpPr>
             <a:spLocks noGrp="1"/>
           </p:cNvSpPr>
@@ -1953,9 +1687,9 @@
           <a:bodyPr/>
           <a:lstStyle/>
           <a:p>
-            <a:fld id="{8874DA21-C7DF-49CE-9C16-5D3699DDC120}" type="datetimeFigureOut">
-              <a:rPr lang="pt-BR" smtClean="0"/>
-              <a:t>12/12/2017</a:t>
+            <a:fld id="{BCC18F51-09EC-435C-A3BA-64A766E099C0}" type="datetimeFigureOut">
+              <a:rPr lang="pt-BR" smtClean="0"/>
+              <a:t>30.10.2013</a:t>
             </a:fld>
             <a:endParaRPr lang="pt-BR"/>
           </a:p>
@@ -1963,13 +1697,7 @@
       </p:sp>
       <p:sp>
         <p:nvSpPr>
-          <p:cNvPr id="4" name="Espaço Reservado para Rodapé 3">
-            <a:extLst>
-              <a:ext uri="{FF2B5EF4-FFF2-40B4-BE49-F238E27FC236}">
-                <a16:creationId xmlns:a16="http://schemas.microsoft.com/office/drawing/2014/main" id="{73B64B71-908C-45D3-AA23-DF6BCEB360BA}"/>
-              </a:ext>
-            </a:extLst>
-          </p:cNvPr>
+          <p:cNvPr id="6" name="Footer Placeholder 5"/>
           <p:cNvSpPr>
             <a:spLocks noGrp="1"/>
           </p:cNvSpPr>
@@ -1988,13 +1716,7 @@
       </p:sp>
       <p:sp>
         <p:nvSpPr>
-          <p:cNvPr id="5" name="Espaço Reservado para Número de Slide 4">
-            <a:extLst>
-              <a:ext uri="{FF2B5EF4-FFF2-40B4-BE49-F238E27FC236}">
-                <a16:creationId xmlns:a16="http://schemas.microsoft.com/office/drawing/2014/main" id="{CC6516FA-44F5-42ED-BD22-868011407ED1}"/>
-              </a:ext>
-            </a:extLst>
-          </p:cNvPr>
+          <p:cNvPr id="7" name="Slide Number Placeholder 6"/>
           <p:cNvSpPr>
             <a:spLocks noGrp="1"/>
           </p:cNvSpPr>
@@ -2007,9 +1729,9 @@
           <a:bodyPr/>
           <a:lstStyle/>
           <a:p>
-            <a:fld id="{3FB9A642-EB80-4DCB-8C76-0CE942DD8E10}" type="slidenum">
-              <a:rPr lang="pt-BR" smtClean="0"/>
-              <a:t>‹nº›</a:t>
+            <a:fld id="{08395586-F03A-48D1-94DF-16B239DF4FB5}" type="slidenum">
+              <a:rPr lang="pt-BR" smtClean="0"/>
+              <a:t>‹#›</a:t>
             </a:fld>
             <a:endParaRPr lang="pt-BR"/>
           </a:p>
@@ -2018,7 +1740,7 @@
     </p:spTree>
     <p:extLst>
       <p:ext uri="{BB962C8B-B14F-4D97-AF65-F5344CB8AC3E}">
-        <p14:creationId xmlns:p14="http://schemas.microsoft.com/office/powerpoint/2010/main" val="2373209"/>
+        <p14:creationId xmlns:p14="http://schemas.microsoft.com/office/powerpoint/2010/main" val="4243403397"/>
       </p:ext>
     </p:extLst>
   </p:cSld>
@@ -2028,9 +1750,9 @@
 </p:sldLayout>
 </file>
 
-<file path=ppt/slideLayouts/slideLayout7.xml><?xml version="1.0" encoding="utf-8"?>
-<p:sldLayout xmlns:a="http://schemas.openxmlformats.org/drawingml/2006/main" xmlns:r="http://schemas.openxmlformats.org/officeDocument/2006/relationships" xmlns:p="http://schemas.openxmlformats.org/presentationml/2006/main" type="blank" preserve="1">
-  <p:cSld name="Em branco">
+<file path=ppt/slideLayouts/slideLayout5.xml><?xml version="1.0" encoding="utf-8"?>
+<p:sldLayout xmlns:a="http://schemas.openxmlformats.org/drawingml/2006/main" xmlns:r="http://schemas.openxmlformats.org/officeDocument/2006/relationships" xmlns:p="http://schemas.openxmlformats.org/presentationml/2006/main" type="twoTxTwoObj" preserve="1">
+  <p:cSld name="Comparison">
     <p:spTree>
       <p:nvGrpSpPr>
         <p:cNvPr id="1" name=""/>
@@ -2047,13 +1769,279 @@
       </p:grpSpPr>
       <p:sp>
         <p:nvSpPr>
-          <p:cNvPr id="2" name="Espaço Reservado para Data 1">
-            <a:extLst>
-              <a:ext uri="{FF2B5EF4-FFF2-40B4-BE49-F238E27FC236}">
-                <a16:creationId xmlns:a16="http://schemas.microsoft.com/office/drawing/2014/main" id="{322D2F54-5CE4-4112-98F5-938D05068856}"/>
-              </a:ext>
-            </a:extLst>
-          </p:cNvPr>
+          <p:cNvPr id="2" name="Title 1"/>
+          <p:cNvSpPr>
+            <a:spLocks noGrp="1"/>
+          </p:cNvSpPr>
+          <p:nvPr>
+            <p:ph type="title"/>
+          </p:nvPr>
+        </p:nvSpPr>
+        <p:spPr>
+          <a:xfrm>
+            <a:off x="839788" y="365125"/>
+            <a:ext cx="10515600" cy="1325563"/>
+          </a:xfrm>
+        </p:spPr>
+        <p:txBody>
+          <a:bodyPr/>
+          <a:lstStyle/>
+          <a:p>
+            <a:r>
+              <a:rPr lang="pt-BR" smtClean="0"/>
+              <a:t>Click to edit Master title style</a:t>
+            </a:r>
+            <a:endParaRPr lang="pt-BR" dirty="0"/>
+          </a:p>
+        </p:txBody>
+      </p:sp>
+      <p:sp>
+        <p:nvSpPr>
+          <p:cNvPr id="3" name="Text Placeholder 2"/>
+          <p:cNvSpPr>
+            <a:spLocks noGrp="1"/>
+          </p:cNvSpPr>
+          <p:nvPr>
+            <p:ph type="body" idx="1"/>
+          </p:nvPr>
+        </p:nvSpPr>
+        <p:spPr>
+          <a:xfrm>
+            <a:off x="839788" y="1681163"/>
+            <a:ext cx="5157787" cy="823912"/>
+          </a:xfrm>
+        </p:spPr>
+        <p:txBody>
+          <a:bodyPr anchor="b"/>
+          <a:lstStyle>
+            <a:lvl1pPr marL="0" indent="0">
+              <a:buNone/>
+              <a:defRPr sz="2400" b="1"/>
+            </a:lvl1pPr>
+            <a:lvl2pPr marL="457200" indent="0">
+              <a:buNone/>
+              <a:defRPr sz="2000" b="1"/>
+            </a:lvl2pPr>
+            <a:lvl3pPr marL="914400" indent="0">
+              <a:buNone/>
+              <a:defRPr sz="1800" b="1"/>
+            </a:lvl3pPr>
+            <a:lvl4pPr marL="1371600" indent="0">
+              <a:buNone/>
+              <a:defRPr sz="1600" b="1"/>
+            </a:lvl4pPr>
+            <a:lvl5pPr marL="1828800" indent="0">
+              <a:buNone/>
+              <a:defRPr sz="1600" b="1"/>
+            </a:lvl5pPr>
+            <a:lvl6pPr marL="2286000" indent="0">
+              <a:buNone/>
+              <a:defRPr sz="1600" b="1"/>
+            </a:lvl6pPr>
+            <a:lvl7pPr marL="2743200" indent="0">
+              <a:buNone/>
+              <a:defRPr sz="1600" b="1"/>
+            </a:lvl7pPr>
+            <a:lvl8pPr marL="3200400" indent="0">
+              <a:buNone/>
+              <a:defRPr sz="1600" b="1"/>
+            </a:lvl8pPr>
+            <a:lvl9pPr marL="3657600" indent="0">
+              <a:buNone/>
+              <a:defRPr sz="1600" b="1"/>
+            </a:lvl9pPr>
+          </a:lstStyle>
+          <a:p>
+            <a:pPr lvl="0"/>
+            <a:r>
+              <a:rPr lang="pt-BR" smtClean="0"/>
+              <a:t>Click to edit Master text styles</a:t>
+            </a:r>
+          </a:p>
+        </p:txBody>
+      </p:sp>
+      <p:sp>
+        <p:nvSpPr>
+          <p:cNvPr id="4" name="Content Placeholder 3"/>
+          <p:cNvSpPr>
+            <a:spLocks noGrp="1"/>
+          </p:cNvSpPr>
+          <p:nvPr>
+            <p:ph sz="half" idx="2"/>
+          </p:nvPr>
+        </p:nvSpPr>
+        <p:spPr>
+          <a:xfrm>
+            <a:off x="839788" y="2505075"/>
+            <a:ext cx="5157787" cy="3684588"/>
+          </a:xfrm>
+        </p:spPr>
+        <p:txBody>
+          <a:bodyPr/>
+          <a:lstStyle/>
+          <a:p>
+            <a:pPr lvl="0"/>
+            <a:r>
+              <a:rPr lang="pt-BR" smtClean="0"/>
+              <a:t>Click to edit Master text styles</a:t>
+            </a:r>
+          </a:p>
+          <a:p>
+            <a:pPr lvl="1"/>
+            <a:r>
+              <a:rPr lang="pt-BR" smtClean="0"/>
+              <a:t>Second level</a:t>
+            </a:r>
+          </a:p>
+          <a:p>
+            <a:pPr lvl="2"/>
+            <a:r>
+              <a:rPr lang="pt-BR" smtClean="0"/>
+              <a:t>Third level</a:t>
+            </a:r>
+          </a:p>
+          <a:p>
+            <a:pPr lvl="3"/>
+            <a:r>
+              <a:rPr lang="pt-BR" smtClean="0"/>
+              <a:t>Fourth level</a:t>
+            </a:r>
+          </a:p>
+          <a:p>
+            <a:pPr lvl="4"/>
+            <a:r>
+              <a:rPr lang="pt-BR" smtClean="0"/>
+              <a:t>Fifth level</a:t>
+            </a:r>
+            <a:endParaRPr lang="pt-BR" dirty="0"/>
+          </a:p>
+        </p:txBody>
+      </p:sp>
+      <p:sp>
+        <p:nvSpPr>
+          <p:cNvPr id="5" name="Text Placeholder 4"/>
+          <p:cNvSpPr>
+            <a:spLocks noGrp="1"/>
+          </p:cNvSpPr>
+          <p:nvPr>
+            <p:ph type="body" sz="quarter" idx="3"/>
+          </p:nvPr>
+        </p:nvSpPr>
+        <p:spPr>
+          <a:xfrm>
+            <a:off x="6172200" y="1681163"/>
+            <a:ext cx="5183188" cy="823912"/>
+          </a:xfrm>
+        </p:spPr>
+        <p:txBody>
+          <a:bodyPr anchor="b"/>
+          <a:lstStyle>
+            <a:lvl1pPr marL="0" indent="0">
+              <a:buNone/>
+              <a:defRPr sz="2400" b="1"/>
+            </a:lvl1pPr>
+            <a:lvl2pPr marL="457200" indent="0">
+              <a:buNone/>
+              <a:defRPr sz="2000" b="1"/>
+            </a:lvl2pPr>
+            <a:lvl3pPr marL="914400" indent="0">
+              <a:buNone/>
+              <a:defRPr sz="1800" b="1"/>
+            </a:lvl3pPr>
+            <a:lvl4pPr marL="1371600" indent="0">
+              <a:buNone/>
+              <a:defRPr sz="1600" b="1"/>
+            </a:lvl4pPr>
+            <a:lvl5pPr marL="1828800" indent="0">
+              <a:buNone/>
+              <a:defRPr sz="1600" b="1"/>
+            </a:lvl5pPr>
+            <a:lvl6pPr marL="2286000" indent="0">
+              <a:buNone/>
+              <a:defRPr sz="1600" b="1"/>
+            </a:lvl6pPr>
+            <a:lvl7pPr marL="2743200" indent="0">
+              <a:buNone/>
+              <a:defRPr sz="1600" b="1"/>
+            </a:lvl7pPr>
+            <a:lvl8pPr marL="3200400" indent="0">
+              <a:buNone/>
+              <a:defRPr sz="1600" b="1"/>
+            </a:lvl8pPr>
+            <a:lvl9pPr marL="3657600" indent="0">
+              <a:buNone/>
+              <a:defRPr sz="1600" b="1"/>
+            </a:lvl9pPr>
+          </a:lstStyle>
+          <a:p>
+            <a:pPr lvl="0"/>
+            <a:r>
+              <a:rPr lang="pt-BR" smtClean="0"/>
+              <a:t>Click to edit Master text styles</a:t>
+            </a:r>
+          </a:p>
+        </p:txBody>
+      </p:sp>
+      <p:sp>
+        <p:nvSpPr>
+          <p:cNvPr id="6" name="Content Placeholder 5"/>
+          <p:cNvSpPr>
+            <a:spLocks noGrp="1"/>
+          </p:cNvSpPr>
+          <p:nvPr>
+            <p:ph sz="quarter" idx="4"/>
+          </p:nvPr>
+        </p:nvSpPr>
+        <p:spPr>
+          <a:xfrm>
+            <a:off x="6172200" y="2505075"/>
+            <a:ext cx="5183188" cy="3684588"/>
+          </a:xfrm>
+        </p:spPr>
+        <p:txBody>
+          <a:bodyPr/>
+          <a:lstStyle/>
+          <a:p>
+            <a:pPr lvl="0"/>
+            <a:r>
+              <a:rPr lang="pt-BR" smtClean="0"/>
+              <a:t>Click to edit Master text styles</a:t>
+            </a:r>
+          </a:p>
+          <a:p>
+            <a:pPr lvl="1"/>
+            <a:r>
+              <a:rPr lang="pt-BR" smtClean="0"/>
+              <a:t>Second level</a:t>
+            </a:r>
+          </a:p>
+          <a:p>
+            <a:pPr lvl="2"/>
+            <a:r>
+              <a:rPr lang="pt-BR" smtClean="0"/>
+              <a:t>Third level</a:t>
+            </a:r>
+          </a:p>
+          <a:p>
+            <a:pPr lvl="3"/>
+            <a:r>
+              <a:rPr lang="pt-BR" smtClean="0"/>
+              <a:t>Fourth level</a:t>
+            </a:r>
+          </a:p>
+          <a:p>
+            <a:pPr lvl="4"/>
+            <a:r>
+              <a:rPr lang="pt-BR" smtClean="0"/>
+              <a:t>Fifth level</a:t>
+            </a:r>
+            <a:endParaRPr lang="pt-BR" dirty="0"/>
+          </a:p>
+        </p:txBody>
+      </p:sp>
+      <p:sp>
+        <p:nvSpPr>
+          <p:cNvPr id="7" name="Date Placeholder 6"/>
           <p:cNvSpPr>
             <a:spLocks noGrp="1"/>
           </p:cNvSpPr>
@@ -2066,9 +2054,9 @@
           <a:bodyPr/>
           <a:lstStyle/>
           <a:p>
-            <a:fld id="{8874DA21-C7DF-49CE-9C16-5D3699DDC120}" type="datetimeFigureOut">
-              <a:rPr lang="pt-BR" smtClean="0"/>
-              <a:t>12/12/2017</a:t>
+            <a:fld id="{BCC18F51-09EC-435C-A3BA-64A766E099C0}" type="datetimeFigureOut">
+              <a:rPr lang="pt-BR" smtClean="0"/>
+              <a:t>30.10.2013</a:t>
             </a:fld>
             <a:endParaRPr lang="pt-BR"/>
           </a:p>
@@ -2076,13 +2064,7 @@
       </p:sp>
       <p:sp>
         <p:nvSpPr>
-          <p:cNvPr id="3" name="Espaço Reservado para Rodapé 2">
-            <a:extLst>
-              <a:ext uri="{FF2B5EF4-FFF2-40B4-BE49-F238E27FC236}">
-                <a16:creationId xmlns:a16="http://schemas.microsoft.com/office/drawing/2014/main" id="{65290554-555C-4B08-9B65-75480EF19D06}"/>
-              </a:ext>
-            </a:extLst>
-          </p:cNvPr>
+          <p:cNvPr id="8" name="Footer Placeholder 7"/>
           <p:cNvSpPr>
             <a:spLocks noGrp="1"/>
           </p:cNvSpPr>
@@ -2101,13 +2083,7 @@
       </p:sp>
       <p:sp>
         <p:nvSpPr>
-          <p:cNvPr id="4" name="Espaço Reservado para Número de Slide 3">
-            <a:extLst>
-              <a:ext uri="{FF2B5EF4-FFF2-40B4-BE49-F238E27FC236}">
-                <a16:creationId xmlns:a16="http://schemas.microsoft.com/office/drawing/2014/main" id="{A369539F-340A-4C31-80CC-5C9014F64ECF}"/>
-              </a:ext>
-            </a:extLst>
-          </p:cNvPr>
+          <p:cNvPr id="9" name="Slide Number Placeholder 8"/>
           <p:cNvSpPr>
             <a:spLocks noGrp="1"/>
           </p:cNvSpPr>
@@ -2120,9 +2096,9 @@
           <a:bodyPr/>
           <a:lstStyle/>
           <a:p>
-            <a:fld id="{3FB9A642-EB80-4DCB-8C76-0CE942DD8E10}" type="slidenum">
-              <a:rPr lang="pt-BR" smtClean="0"/>
-              <a:t>‹nº›</a:t>
+            <a:fld id="{08395586-F03A-48D1-94DF-16B239DF4FB5}" type="slidenum">
+              <a:rPr lang="pt-BR" smtClean="0"/>
+              <a:t>‹#›</a:t>
             </a:fld>
             <a:endParaRPr lang="pt-BR"/>
           </a:p>
@@ -2131,7 +2107,7 @@
     </p:spTree>
     <p:extLst>
       <p:ext uri="{BB962C8B-B14F-4D97-AF65-F5344CB8AC3E}">
-        <p14:creationId xmlns:p14="http://schemas.microsoft.com/office/powerpoint/2010/main" val="4201667147"/>
+        <p14:creationId xmlns:p14="http://schemas.microsoft.com/office/powerpoint/2010/main" val="3953759558"/>
       </p:ext>
     </p:extLst>
   </p:cSld>
@@ -2141,9 +2117,9 @@
 </p:sldLayout>
 </file>
 
-<file path=ppt/slideLayouts/slideLayout8.xml><?xml version="1.0" encoding="utf-8"?>
-<p:sldLayout xmlns:a="http://schemas.openxmlformats.org/drawingml/2006/main" xmlns:r="http://schemas.openxmlformats.org/officeDocument/2006/relationships" xmlns:p="http://schemas.openxmlformats.org/presentationml/2006/main" type="objTx" preserve="1">
-  <p:cSld name="Conteúdo com Legenda">
+<file path=ppt/slideLayouts/slideLayout6.xml><?xml version="1.0" encoding="utf-8"?>
+<p:sldLayout xmlns:a="http://schemas.openxmlformats.org/drawingml/2006/main" xmlns:r="http://schemas.openxmlformats.org/officeDocument/2006/relationships" xmlns:p="http://schemas.openxmlformats.org/presentationml/2006/main" type="titleOnly" preserve="1">
+  <p:cSld name="Title Only">
     <p:spTree>
       <p:nvGrpSpPr>
         <p:cNvPr id="1" name=""/>
@@ -2160,13 +2136,220 @@
       </p:grpSpPr>
       <p:sp>
         <p:nvSpPr>
-          <p:cNvPr id="2" name="Título 1">
-            <a:extLst>
-              <a:ext uri="{FF2B5EF4-FFF2-40B4-BE49-F238E27FC236}">
-                <a16:creationId xmlns:a16="http://schemas.microsoft.com/office/drawing/2014/main" id="{2689526D-5338-4C43-8C36-59968D15ED3E}"/>
-              </a:ext>
-            </a:extLst>
-          </p:cNvPr>
+          <p:cNvPr id="2" name="Title 1"/>
+          <p:cNvSpPr>
+            <a:spLocks noGrp="1"/>
+          </p:cNvSpPr>
+          <p:nvPr>
+            <p:ph type="title"/>
+          </p:nvPr>
+        </p:nvSpPr>
+        <p:spPr/>
+        <p:txBody>
+          <a:bodyPr/>
+          <a:lstStyle/>
+          <a:p>
+            <a:r>
+              <a:rPr lang="pt-BR" smtClean="0"/>
+              <a:t>Click to edit Master title style</a:t>
+            </a:r>
+            <a:endParaRPr lang="pt-BR" dirty="0"/>
+          </a:p>
+        </p:txBody>
+      </p:sp>
+      <p:sp>
+        <p:nvSpPr>
+          <p:cNvPr id="3" name="Date Placeholder 2"/>
+          <p:cNvSpPr>
+            <a:spLocks noGrp="1"/>
+          </p:cNvSpPr>
+          <p:nvPr>
+            <p:ph type="dt" sz="half" idx="10"/>
+          </p:nvPr>
+        </p:nvSpPr>
+        <p:spPr/>
+        <p:txBody>
+          <a:bodyPr/>
+          <a:lstStyle/>
+          <a:p>
+            <a:fld id="{BCC18F51-09EC-435C-A3BA-64A766E099C0}" type="datetimeFigureOut">
+              <a:rPr lang="pt-BR" smtClean="0"/>
+              <a:t>30.10.2013</a:t>
+            </a:fld>
+            <a:endParaRPr lang="pt-BR"/>
+          </a:p>
+        </p:txBody>
+      </p:sp>
+      <p:sp>
+        <p:nvSpPr>
+          <p:cNvPr id="4" name="Footer Placeholder 3"/>
+          <p:cNvSpPr>
+            <a:spLocks noGrp="1"/>
+          </p:cNvSpPr>
+          <p:nvPr>
+            <p:ph type="ftr" sz="quarter" idx="11"/>
+          </p:nvPr>
+        </p:nvSpPr>
+        <p:spPr/>
+        <p:txBody>
+          <a:bodyPr/>
+          <a:lstStyle/>
+          <a:p>
+            <a:endParaRPr lang="pt-BR"/>
+          </a:p>
+        </p:txBody>
+      </p:sp>
+      <p:sp>
+        <p:nvSpPr>
+          <p:cNvPr id="5" name="Slide Number Placeholder 4"/>
+          <p:cNvSpPr>
+            <a:spLocks noGrp="1"/>
+          </p:cNvSpPr>
+          <p:nvPr>
+            <p:ph type="sldNum" sz="quarter" idx="12"/>
+          </p:nvPr>
+        </p:nvSpPr>
+        <p:spPr/>
+        <p:txBody>
+          <a:bodyPr/>
+          <a:lstStyle/>
+          <a:p>
+            <a:fld id="{08395586-F03A-48D1-94DF-16B239DF4FB5}" type="slidenum">
+              <a:rPr lang="pt-BR" smtClean="0"/>
+              <a:t>‹#›</a:t>
+            </a:fld>
+            <a:endParaRPr lang="pt-BR"/>
+          </a:p>
+        </p:txBody>
+      </p:sp>
+    </p:spTree>
+    <p:extLst>
+      <p:ext uri="{BB962C8B-B14F-4D97-AF65-F5344CB8AC3E}">
+        <p14:creationId xmlns:p14="http://schemas.microsoft.com/office/powerpoint/2010/main" val="3815284972"/>
+      </p:ext>
+    </p:extLst>
+  </p:cSld>
+  <p:clrMapOvr>
+    <a:masterClrMapping/>
+  </p:clrMapOvr>
+</p:sldLayout>
+</file>
+
+<file path=ppt/slideLayouts/slideLayout7.xml><?xml version="1.0" encoding="utf-8"?>
+<p:sldLayout xmlns:a="http://schemas.openxmlformats.org/drawingml/2006/main" xmlns:r="http://schemas.openxmlformats.org/officeDocument/2006/relationships" xmlns:p="http://schemas.openxmlformats.org/presentationml/2006/main" type="blank" preserve="1">
+  <p:cSld name="Blank">
+    <p:spTree>
+      <p:nvGrpSpPr>
+        <p:cNvPr id="1" name=""/>
+        <p:cNvGrpSpPr/>
+        <p:nvPr/>
+      </p:nvGrpSpPr>
+      <p:grpSpPr>
+        <a:xfrm>
+          <a:off x="0" y="0"/>
+          <a:ext cx="0" cy="0"/>
+          <a:chOff x="0" y="0"/>
+          <a:chExt cx="0" cy="0"/>
+        </a:xfrm>
+      </p:grpSpPr>
+      <p:sp>
+        <p:nvSpPr>
+          <p:cNvPr id="2" name="Date Placeholder 1"/>
+          <p:cNvSpPr>
+            <a:spLocks noGrp="1"/>
+          </p:cNvSpPr>
+          <p:nvPr>
+            <p:ph type="dt" sz="half" idx="10"/>
+          </p:nvPr>
+        </p:nvSpPr>
+        <p:spPr/>
+        <p:txBody>
+          <a:bodyPr/>
+          <a:lstStyle/>
+          <a:p>
+            <a:fld id="{BCC18F51-09EC-435C-A3BA-64A766E099C0}" type="datetimeFigureOut">
+              <a:rPr lang="pt-BR" smtClean="0"/>
+              <a:t>30.10.2013</a:t>
+            </a:fld>
+            <a:endParaRPr lang="pt-BR"/>
+          </a:p>
+        </p:txBody>
+      </p:sp>
+      <p:sp>
+        <p:nvSpPr>
+          <p:cNvPr id="3" name="Footer Placeholder 2"/>
+          <p:cNvSpPr>
+            <a:spLocks noGrp="1"/>
+          </p:cNvSpPr>
+          <p:nvPr>
+            <p:ph type="ftr" sz="quarter" idx="11"/>
+          </p:nvPr>
+        </p:nvSpPr>
+        <p:spPr/>
+        <p:txBody>
+          <a:bodyPr/>
+          <a:lstStyle/>
+          <a:p>
+            <a:endParaRPr lang="pt-BR"/>
+          </a:p>
+        </p:txBody>
+      </p:sp>
+      <p:sp>
+        <p:nvSpPr>
+          <p:cNvPr id="4" name="Slide Number Placeholder 3"/>
+          <p:cNvSpPr>
+            <a:spLocks noGrp="1"/>
+          </p:cNvSpPr>
+          <p:nvPr>
+            <p:ph type="sldNum" sz="quarter" idx="12"/>
+          </p:nvPr>
+        </p:nvSpPr>
+        <p:spPr/>
+        <p:txBody>
+          <a:bodyPr/>
+          <a:lstStyle/>
+          <a:p>
+            <a:fld id="{08395586-F03A-48D1-94DF-16B239DF4FB5}" type="slidenum">
+              <a:rPr lang="pt-BR" smtClean="0"/>
+              <a:t>‹#›</a:t>
+            </a:fld>
+            <a:endParaRPr lang="pt-BR"/>
+          </a:p>
+        </p:txBody>
+      </p:sp>
+    </p:spTree>
+    <p:extLst>
+      <p:ext uri="{BB962C8B-B14F-4D97-AF65-F5344CB8AC3E}">
+        <p14:creationId xmlns:p14="http://schemas.microsoft.com/office/powerpoint/2010/main" val="3035599116"/>
+      </p:ext>
+    </p:extLst>
+  </p:cSld>
+  <p:clrMapOvr>
+    <a:masterClrMapping/>
+  </p:clrMapOvr>
+</p:sldLayout>
+</file>
+
+<file path=ppt/slideLayouts/slideLayout8.xml><?xml version="1.0" encoding="utf-8"?>
+<p:sldLayout xmlns:a="http://schemas.openxmlformats.org/drawingml/2006/main" xmlns:r="http://schemas.openxmlformats.org/officeDocument/2006/relationships" xmlns:p="http://schemas.openxmlformats.org/presentationml/2006/main" type="objTx" preserve="1">
+  <p:cSld name="Content with Caption">
+    <p:spTree>
+      <p:nvGrpSpPr>
+        <p:cNvPr id="1" name=""/>
+        <p:cNvGrpSpPr/>
+        <p:nvPr/>
+      </p:nvGrpSpPr>
+      <p:grpSpPr>
+        <a:xfrm>
+          <a:off x="0" y="0"/>
+          <a:ext cx="0" cy="0"/>
+          <a:chOff x="0" y="0"/>
+          <a:chExt cx="0" cy="0"/>
+        </a:xfrm>
+      </p:grpSpPr>
+      <p:sp>
+        <p:nvSpPr>
+          <p:cNvPr id="2" name="Title 1"/>
           <p:cNvSpPr>
             <a:spLocks noGrp="1"/>
           </p:cNvSpPr>
@@ -2189,21 +2372,16 @@
           </a:lstStyle>
           <a:p>
             <a:r>
-              <a:rPr lang="pt-BR"/>
-              <a:t>Clique para editar o título mestre</a:t>
-            </a:r>
-          </a:p>
-        </p:txBody>
-      </p:sp>
-      <p:sp>
-        <p:nvSpPr>
-          <p:cNvPr id="3" name="Espaço Reservado para Conteúdo 2">
-            <a:extLst>
-              <a:ext uri="{FF2B5EF4-FFF2-40B4-BE49-F238E27FC236}">
-                <a16:creationId xmlns:a16="http://schemas.microsoft.com/office/drawing/2014/main" id="{353C0FDB-9A47-4D81-AC76-F4E8BB1B0C68}"/>
-              </a:ext>
-            </a:extLst>
-          </p:cNvPr>
+              <a:rPr lang="pt-BR" smtClean="0"/>
+              <a:t>Click to edit Master title style</a:t>
+            </a:r>
+            <a:endParaRPr lang="pt-BR" dirty="0"/>
+          </a:p>
+        </p:txBody>
+      </p:sp>
+      <p:sp>
+        <p:nvSpPr>
+          <p:cNvPr id="3" name="Content Placeholder 2"/>
           <p:cNvSpPr>
             <a:spLocks noGrp="1"/>
           </p:cNvSpPr>
@@ -2251,49 +2429,44 @@
           <a:p>
             <a:pPr lvl="0"/>
             <a:r>
-              <a:rPr lang="pt-BR"/>
-              <a:t>Editar estilos de texto Mestre</a:t>
+              <a:rPr lang="pt-BR" smtClean="0"/>
+              <a:t>Click to edit Master text styles</a:t>
             </a:r>
           </a:p>
           <a:p>
             <a:pPr lvl="1"/>
             <a:r>
-              <a:rPr lang="pt-BR"/>
-              <a:t>Segundo nível</a:t>
+              <a:rPr lang="pt-BR" smtClean="0"/>
+              <a:t>Second level</a:t>
             </a:r>
           </a:p>
           <a:p>
             <a:pPr lvl="2"/>
             <a:r>
-              <a:rPr lang="pt-BR"/>
-              <a:t>Terceiro nível</a:t>
+              <a:rPr lang="pt-BR" smtClean="0"/>
+              <a:t>Third level</a:t>
             </a:r>
           </a:p>
           <a:p>
             <a:pPr lvl="3"/>
             <a:r>
-              <a:rPr lang="pt-BR"/>
-              <a:t>Quarto nível</a:t>
+              <a:rPr lang="pt-BR" smtClean="0"/>
+              <a:t>Fourth level</a:t>
             </a:r>
           </a:p>
           <a:p>
             <a:pPr lvl="4"/>
             <a:r>
-              <a:rPr lang="pt-BR"/>
-              <a:t>Quinto nível</a:t>
-            </a:r>
-          </a:p>
-        </p:txBody>
-      </p:sp>
-      <p:sp>
-        <p:nvSpPr>
-          <p:cNvPr id="4" name="Espaço Reservado para Texto 3">
-            <a:extLst>
-              <a:ext uri="{FF2B5EF4-FFF2-40B4-BE49-F238E27FC236}">
-                <a16:creationId xmlns:a16="http://schemas.microsoft.com/office/drawing/2014/main" id="{B891C417-4D98-46E7-BE14-5621FA27FF6E}"/>
-              </a:ext>
-            </a:extLst>
-          </p:cNvPr>
+              <a:rPr lang="pt-BR" smtClean="0"/>
+              <a:t>Fifth level</a:t>
+            </a:r>
+            <a:endParaRPr lang="pt-BR" dirty="0"/>
+          </a:p>
+        </p:txBody>
+      </p:sp>
+      <p:sp>
+        <p:nvSpPr>
+          <p:cNvPr id="4" name="Text Placeholder 3"/>
           <p:cNvSpPr>
             <a:spLocks noGrp="1"/>
           </p:cNvSpPr>
@@ -2350,21 +2523,15 @@
           <a:p>
             <a:pPr lvl="0"/>
             <a:r>
-              <a:rPr lang="pt-BR"/>
-              <a:t>Editar estilos de texto Mestre</a:t>
-            </a:r>
-          </a:p>
-        </p:txBody>
-      </p:sp>
-      <p:sp>
-        <p:nvSpPr>
-          <p:cNvPr id="5" name="Espaço Reservado para Data 4">
-            <a:extLst>
-              <a:ext uri="{FF2B5EF4-FFF2-40B4-BE49-F238E27FC236}">
-                <a16:creationId xmlns:a16="http://schemas.microsoft.com/office/drawing/2014/main" id="{82CE4BFB-9738-494B-A2D4-9C73EEFF0F48}"/>
-              </a:ext>
-            </a:extLst>
-          </p:cNvPr>
+              <a:rPr lang="pt-BR" smtClean="0"/>
+              <a:t>Click to edit Master text styles</a:t>
+            </a:r>
+          </a:p>
+        </p:txBody>
+      </p:sp>
+      <p:sp>
+        <p:nvSpPr>
+          <p:cNvPr id="5" name="Date Placeholder 4"/>
           <p:cNvSpPr>
             <a:spLocks noGrp="1"/>
           </p:cNvSpPr>
@@ -2377,9 +2544,9 @@
           <a:bodyPr/>
           <a:lstStyle/>
           <a:p>
-            <a:fld id="{8874DA21-C7DF-49CE-9C16-5D3699DDC120}" type="datetimeFigureOut">
-              <a:rPr lang="pt-BR" smtClean="0"/>
-              <a:t>12/12/2017</a:t>
+            <a:fld id="{BCC18F51-09EC-435C-A3BA-64A766E099C0}" type="datetimeFigureOut">
+              <a:rPr lang="pt-BR" smtClean="0"/>
+              <a:t>30.10.2013</a:t>
             </a:fld>
             <a:endParaRPr lang="pt-BR"/>
           </a:p>
@@ -2387,13 +2554,7 @@
       </p:sp>
       <p:sp>
         <p:nvSpPr>
-          <p:cNvPr id="6" name="Espaço Reservado para Rodapé 5">
-            <a:extLst>
-              <a:ext uri="{FF2B5EF4-FFF2-40B4-BE49-F238E27FC236}">
-                <a16:creationId xmlns:a16="http://schemas.microsoft.com/office/drawing/2014/main" id="{68A785E6-30D6-4919-8ACF-F7356ADA5B5E}"/>
-              </a:ext>
-            </a:extLst>
-          </p:cNvPr>
+          <p:cNvPr id="6" name="Footer Placeholder 5"/>
           <p:cNvSpPr>
             <a:spLocks noGrp="1"/>
           </p:cNvSpPr>
@@ -2412,13 +2573,7 @@
       </p:sp>
       <p:sp>
         <p:nvSpPr>
-          <p:cNvPr id="7" name="Espaço Reservado para Número de Slide 6">
-            <a:extLst>
-              <a:ext uri="{FF2B5EF4-FFF2-40B4-BE49-F238E27FC236}">
-                <a16:creationId xmlns:a16="http://schemas.microsoft.com/office/drawing/2014/main" id="{5D2EC48D-F9BF-45E9-91E6-0DB2C492916D}"/>
-              </a:ext>
-            </a:extLst>
-          </p:cNvPr>
+          <p:cNvPr id="7" name="Slide Number Placeholder 6"/>
           <p:cNvSpPr>
             <a:spLocks noGrp="1"/>
           </p:cNvSpPr>
@@ -2431,9 +2586,9 @@
           <a:bodyPr/>
           <a:lstStyle/>
           <a:p>
-            <a:fld id="{3FB9A642-EB80-4DCB-8C76-0CE942DD8E10}" type="slidenum">
-              <a:rPr lang="pt-BR" smtClean="0"/>
-              <a:t>‹nº›</a:t>
+            <a:fld id="{08395586-F03A-48D1-94DF-16B239DF4FB5}" type="slidenum">
+              <a:rPr lang="pt-BR" smtClean="0"/>
+              <a:t>‹#›</a:t>
             </a:fld>
             <a:endParaRPr lang="pt-BR"/>
           </a:p>
@@ -2442,7 +2597,7 @@
     </p:spTree>
     <p:extLst>
       <p:ext uri="{BB962C8B-B14F-4D97-AF65-F5344CB8AC3E}">
-        <p14:creationId xmlns:p14="http://schemas.microsoft.com/office/powerpoint/2010/main" val="1955367163"/>
+        <p14:creationId xmlns:p14="http://schemas.microsoft.com/office/powerpoint/2010/main" val="1714960738"/>
       </p:ext>
     </p:extLst>
   </p:cSld>
@@ -2454,7 +2609,7 @@
 
 <file path=ppt/slideLayouts/slideLayout9.xml><?xml version="1.0" encoding="utf-8"?>
 <p:sldLayout xmlns:a="http://schemas.openxmlformats.org/drawingml/2006/main" xmlns:r="http://schemas.openxmlformats.org/officeDocument/2006/relationships" xmlns:p="http://schemas.openxmlformats.org/presentationml/2006/main" type="picTx" preserve="1">
-  <p:cSld name="Imagem com Legenda">
+  <p:cSld name="Picture with Caption">
     <p:spTree>
       <p:nvGrpSpPr>
         <p:cNvPr id="1" name=""/>
@@ -2471,13 +2626,7 @@
       </p:grpSpPr>
       <p:sp>
         <p:nvSpPr>
-          <p:cNvPr id="2" name="Título 1">
-            <a:extLst>
-              <a:ext uri="{FF2B5EF4-FFF2-40B4-BE49-F238E27FC236}">
-                <a16:creationId xmlns:a16="http://schemas.microsoft.com/office/drawing/2014/main" id="{D3020691-9AFB-4EE6-90F7-1162F78A3669}"/>
-              </a:ext>
-            </a:extLst>
-          </p:cNvPr>
+          <p:cNvPr id="2" name="Title 1"/>
           <p:cNvSpPr>
             <a:spLocks noGrp="1"/>
           </p:cNvSpPr>
@@ -2500,23 +2649,18 @@
           </a:lstStyle>
           <a:p>
             <a:r>
-              <a:rPr lang="pt-BR"/>
-              <a:t>Clique para editar o título mestre</a:t>
-            </a:r>
-          </a:p>
-        </p:txBody>
-      </p:sp>
-      <p:sp>
-        <p:nvSpPr>
-          <p:cNvPr id="3" name="Espaço Reservado para Imagem 2">
-            <a:extLst>
-              <a:ext uri="{FF2B5EF4-FFF2-40B4-BE49-F238E27FC236}">
-                <a16:creationId xmlns:a16="http://schemas.microsoft.com/office/drawing/2014/main" id="{3CE15C27-1F8D-4DD9-B55F-EC10867A20E1}"/>
-              </a:ext>
-            </a:extLst>
-          </p:cNvPr>
-          <p:cNvSpPr>
-            <a:spLocks noGrp="1"/>
+              <a:rPr lang="pt-BR" smtClean="0"/>
+              <a:t>Click to edit Master title style</a:t>
+            </a:r>
+            <a:endParaRPr lang="pt-BR" dirty="0"/>
+          </a:p>
+        </p:txBody>
+      </p:sp>
+      <p:sp>
+        <p:nvSpPr>
+          <p:cNvPr id="3" name="Picture Placeholder 2"/>
+          <p:cNvSpPr>
+            <a:spLocks noGrp="1" noChangeAspect="1"/>
           </p:cNvSpPr>
           <p:nvPr>
             <p:ph type="pic" idx="1"/>
@@ -2529,7 +2673,7 @@
           </a:xfrm>
         </p:spPr>
         <p:txBody>
-          <a:bodyPr/>
+          <a:bodyPr anchor="t"/>
           <a:lstStyle>
             <a:lvl1pPr marL="0" indent="0">
               <a:buNone/>
@@ -2569,19 +2713,17 @@
             </a:lvl9pPr>
           </a:lstStyle>
           <a:p>
-            <a:endParaRPr lang="pt-BR"/>
-          </a:p>
-        </p:txBody>
-      </p:sp>
-      <p:sp>
-        <p:nvSpPr>
-          <p:cNvPr id="4" name="Espaço Reservado para Texto 3">
-            <a:extLst>
-              <a:ext uri="{FF2B5EF4-FFF2-40B4-BE49-F238E27FC236}">
-                <a16:creationId xmlns:a16="http://schemas.microsoft.com/office/drawing/2014/main" id="{EF244FB5-65D1-487D-BA9D-9BD7AEC342DB}"/>
-              </a:ext>
-            </a:extLst>
-          </p:cNvPr>
+            <a:r>
+              <a:rPr lang="pt-BR" smtClean="0"/>
+              <a:t>Click icon to add picture</a:t>
+            </a:r>
+            <a:endParaRPr lang="pt-BR" dirty="0"/>
+          </a:p>
+        </p:txBody>
+      </p:sp>
+      <p:sp>
+        <p:nvSpPr>
+          <p:cNvPr id="4" name="Text Placeholder 3"/>
           <p:cNvSpPr>
             <a:spLocks noGrp="1"/>
           </p:cNvSpPr>
@@ -2638,21 +2780,15 @@
           <a:p>
             <a:pPr lvl="0"/>
             <a:r>
-              <a:rPr lang="pt-BR"/>
-              <a:t>Editar estilos de texto Mestre</a:t>
-            </a:r>
-          </a:p>
-        </p:txBody>
-      </p:sp>
-      <p:sp>
-        <p:nvSpPr>
-          <p:cNvPr id="5" name="Espaço Reservado para Data 4">
-            <a:extLst>
-              <a:ext uri="{FF2B5EF4-FFF2-40B4-BE49-F238E27FC236}">
-                <a16:creationId xmlns:a16="http://schemas.microsoft.com/office/drawing/2014/main" id="{5DFF9D29-629E-4C26-9886-D570668F489A}"/>
-              </a:ext>
-            </a:extLst>
-          </p:cNvPr>
+              <a:rPr lang="pt-BR" smtClean="0"/>
+              <a:t>Click to edit Master text styles</a:t>
+            </a:r>
+          </a:p>
+        </p:txBody>
+      </p:sp>
+      <p:sp>
+        <p:nvSpPr>
+          <p:cNvPr id="5" name="Date Placeholder 4"/>
           <p:cNvSpPr>
             <a:spLocks noGrp="1"/>
           </p:cNvSpPr>
@@ -2665,9 +2801,9 @@
           <a:bodyPr/>
           <a:lstStyle/>
           <a:p>
-            <a:fld id="{8874DA21-C7DF-49CE-9C16-5D3699DDC120}" type="datetimeFigureOut">
-              <a:rPr lang="pt-BR" smtClean="0"/>
-              <a:t>12/12/2017</a:t>
+            <a:fld id="{BCC18F51-09EC-435C-A3BA-64A766E099C0}" type="datetimeFigureOut">
+              <a:rPr lang="pt-BR" smtClean="0"/>
+              <a:t>30.10.2013</a:t>
             </a:fld>
             <a:endParaRPr lang="pt-BR"/>
           </a:p>
@@ -2675,13 +2811,7 @@
       </p:sp>
       <p:sp>
         <p:nvSpPr>
-          <p:cNvPr id="6" name="Espaço Reservado para Rodapé 5">
-            <a:extLst>
-              <a:ext uri="{FF2B5EF4-FFF2-40B4-BE49-F238E27FC236}">
-                <a16:creationId xmlns:a16="http://schemas.microsoft.com/office/drawing/2014/main" id="{E1AFDE12-C9F2-4398-A369-340505C07172}"/>
-              </a:ext>
-            </a:extLst>
-          </p:cNvPr>
+          <p:cNvPr id="6" name="Footer Placeholder 5"/>
           <p:cNvSpPr>
             <a:spLocks noGrp="1"/>
           </p:cNvSpPr>
@@ -2700,13 +2830,7 @@
       </p:sp>
       <p:sp>
         <p:nvSpPr>
-          <p:cNvPr id="7" name="Espaço Reservado para Número de Slide 6">
-            <a:extLst>
-              <a:ext uri="{FF2B5EF4-FFF2-40B4-BE49-F238E27FC236}">
-                <a16:creationId xmlns:a16="http://schemas.microsoft.com/office/drawing/2014/main" id="{F0F11610-02EA-4981-932F-0AF6622EF2D1}"/>
-              </a:ext>
-            </a:extLst>
-          </p:cNvPr>
+          <p:cNvPr id="7" name="Slide Number Placeholder 6"/>
           <p:cNvSpPr>
             <a:spLocks noGrp="1"/>
           </p:cNvSpPr>
@@ -2719,9 +2843,9 @@
           <a:bodyPr/>
           <a:lstStyle/>
           <a:p>
-            <a:fld id="{3FB9A642-EB80-4DCB-8C76-0CE942DD8E10}" type="slidenum">
-              <a:rPr lang="pt-BR" smtClean="0"/>
-              <a:t>‹nº›</a:t>
+            <a:fld id="{08395586-F03A-48D1-94DF-16B239DF4FB5}" type="slidenum">
+              <a:rPr lang="pt-BR" smtClean="0"/>
+              <a:t>‹#›</a:t>
             </a:fld>
             <a:endParaRPr lang="pt-BR"/>
           </a:p>
@@ -2730,7 +2854,7 @@
     </p:spTree>
     <p:extLst>
       <p:ext uri="{BB962C8B-B14F-4D97-AF65-F5344CB8AC3E}">
-        <p14:creationId xmlns:p14="http://schemas.microsoft.com/office/powerpoint/2010/main" val="3380724922"/>
+        <p14:creationId xmlns:p14="http://schemas.microsoft.com/office/powerpoint/2010/main" val="3255540774"/>
       </p:ext>
     </p:extLst>
   </p:cSld>
@@ -2764,13 +2888,7 @@
       </p:grpSpPr>
       <p:sp>
         <p:nvSpPr>
-          <p:cNvPr id="2" name="Espaço Reservado para Título 1">
-            <a:extLst>
-              <a:ext uri="{FF2B5EF4-FFF2-40B4-BE49-F238E27FC236}">
-                <a16:creationId xmlns:a16="http://schemas.microsoft.com/office/drawing/2014/main" id="{F3FA17F6-7CDE-4A9E-8B87-A27529BA59D0}"/>
-              </a:ext>
-            </a:extLst>
-          </p:cNvPr>
+          <p:cNvPr id="2" name="Title Placeholder 1"/>
           <p:cNvSpPr>
             <a:spLocks noGrp="1"/>
           </p:cNvSpPr>
@@ -2794,21 +2912,16 @@
           <a:lstStyle/>
           <a:p>
             <a:r>
-              <a:rPr lang="pt-BR"/>
-              <a:t>Clique para editar o título mestre</a:t>
-            </a:r>
-          </a:p>
-        </p:txBody>
-      </p:sp>
-      <p:sp>
-        <p:nvSpPr>
-          <p:cNvPr id="3" name="Espaço Reservado para Texto 2">
-            <a:extLst>
-              <a:ext uri="{FF2B5EF4-FFF2-40B4-BE49-F238E27FC236}">
-                <a16:creationId xmlns:a16="http://schemas.microsoft.com/office/drawing/2014/main" id="{FE956E80-BD52-4DF8-9337-084EA63F09C9}"/>
-              </a:ext>
-            </a:extLst>
-          </p:cNvPr>
+              <a:rPr lang="pt-BR" smtClean="0"/>
+              <a:t>Click to edit Master title style</a:t>
+            </a:r>
+            <a:endParaRPr lang="pt-BR" dirty="0"/>
+          </a:p>
+        </p:txBody>
+      </p:sp>
+      <p:sp>
+        <p:nvSpPr>
+          <p:cNvPr id="3" name="Text Placeholder 2"/>
           <p:cNvSpPr>
             <a:spLocks noGrp="1"/>
           </p:cNvSpPr>
@@ -2833,49 +2946,44 @@
           <a:p>
             <a:pPr lvl="0"/>
             <a:r>
-              <a:rPr lang="pt-BR"/>
-              <a:t>Editar estilos de texto Mestre</a:t>
+              <a:rPr lang="pt-BR" smtClean="0"/>
+              <a:t>Click to edit Master text styles</a:t>
             </a:r>
           </a:p>
           <a:p>
             <a:pPr lvl="1"/>
             <a:r>
-              <a:rPr lang="pt-BR"/>
-              <a:t>Segundo nível</a:t>
+              <a:rPr lang="pt-BR" smtClean="0"/>
+              <a:t>Second level</a:t>
             </a:r>
           </a:p>
           <a:p>
             <a:pPr lvl="2"/>
             <a:r>
-              <a:rPr lang="pt-BR"/>
-              <a:t>Terceiro nível</a:t>
+              <a:rPr lang="pt-BR" smtClean="0"/>
+              <a:t>Third level</a:t>
             </a:r>
           </a:p>
           <a:p>
             <a:pPr lvl="3"/>
             <a:r>
-              <a:rPr lang="pt-BR"/>
-              <a:t>Quarto nível</a:t>
+              <a:rPr lang="pt-BR" smtClean="0"/>
+              <a:t>Fourth level</a:t>
             </a:r>
           </a:p>
           <a:p>
             <a:pPr lvl="4"/>
             <a:r>
-              <a:rPr lang="pt-BR"/>
-              <a:t>Quinto nível</a:t>
-            </a:r>
-          </a:p>
-        </p:txBody>
-      </p:sp>
-      <p:sp>
-        <p:nvSpPr>
-          <p:cNvPr id="4" name="Espaço Reservado para Data 3">
-            <a:extLst>
-              <a:ext uri="{FF2B5EF4-FFF2-40B4-BE49-F238E27FC236}">
-                <a16:creationId xmlns:a16="http://schemas.microsoft.com/office/drawing/2014/main" id="{85C928DD-DC87-439D-96E1-D902BAD30F3D}"/>
-              </a:ext>
-            </a:extLst>
-          </p:cNvPr>
+              <a:rPr lang="pt-BR" smtClean="0"/>
+              <a:t>Fifth level</a:t>
+            </a:r>
+            <a:endParaRPr lang="pt-BR" dirty="0"/>
+          </a:p>
+        </p:txBody>
+      </p:sp>
+      <p:sp>
+        <p:nvSpPr>
+          <p:cNvPr id="4" name="Date Placeholder 3"/>
           <p:cNvSpPr>
             <a:spLocks noGrp="1"/>
           </p:cNvSpPr>
@@ -2906,9 +3014,9 @@
             </a:lvl1pPr>
           </a:lstStyle>
           <a:p>
-            <a:fld id="{8874DA21-C7DF-49CE-9C16-5D3699DDC120}" type="datetimeFigureOut">
-              <a:rPr lang="pt-BR" smtClean="0"/>
-              <a:t>12/12/2017</a:t>
+            <a:fld id="{BCC18F51-09EC-435C-A3BA-64A766E099C0}" type="datetimeFigureOut">
+              <a:rPr lang="pt-BR" smtClean="0"/>
+              <a:t>30.10.2013</a:t>
             </a:fld>
             <a:endParaRPr lang="pt-BR"/>
           </a:p>
@@ -2916,13 +3024,7 @@
       </p:sp>
       <p:sp>
         <p:nvSpPr>
-          <p:cNvPr id="5" name="Espaço Reservado para Rodapé 4">
-            <a:extLst>
-              <a:ext uri="{FF2B5EF4-FFF2-40B4-BE49-F238E27FC236}">
-                <a16:creationId xmlns:a16="http://schemas.microsoft.com/office/drawing/2014/main" id="{5D55E6D3-93A4-48DB-8351-D3A62BBB1DDF}"/>
-              </a:ext>
-            </a:extLst>
-          </p:cNvPr>
+          <p:cNvPr id="5" name="Footer Placeholder 4"/>
           <p:cNvSpPr>
             <a:spLocks noGrp="1"/>
           </p:cNvSpPr>
@@ -2959,13 +3061,7 @@
       </p:sp>
       <p:sp>
         <p:nvSpPr>
-          <p:cNvPr id="6" name="Espaço Reservado para Número de Slide 5">
-            <a:extLst>
-              <a:ext uri="{FF2B5EF4-FFF2-40B4-BE49-F238E27FC236}">
-                <a16:creationId xmlns:a16="http://schemas.microsoft.com/office/drawing/2014/main" id="{F9B64349-731C-4865-8121-392CDBD4AD92}"/>
-              </a:ext>
-            </a:extLst>
-          </p:cNvPr>
+          <p:cNvPr id="6" name="Slide Number Placeholder 5"/>
           <p:cNvSpPr>
             <a:spLocks noGrp="1"/>
           </p:cNvSpPr>
@@ -2996,9 +3092,9 @@
             </a:lvl1pPr>
           </a:lstStyle>
           <a:p>
-            <a:fld id="{3FB9A642-EB80-4DCB-8C76-0CE942DD8E10}" type="slidenum">
-              <a:rPr lang="pt-BR" smtClean="0"/>
-              <a:t>‹nº›</a:t>
+            <a:fld id="{08395586-F03A-48D1-94DF-16B239DF4FB5}" type="slidenum">
+              <a:rPr lang="pt-BR" smtClean="0"/>
+              <a:t>‹#›</a:t>
             </a:fld>
             <a:endParaRPr lang="pt-BR"/>
           </a:p>
@@ -3007,23 +3103,23 @@
     </p:spTree>
     <p:extLst>
       <p:ext uri="{BB962C8B-B14F-4D97-AF65-F5344CB8AC3E}">
-        <p14:creationId xmlns:p14="http://schemas.microsoft.com/office/powerpoint/2010/main" val="2175942982"/>
+        <p14:creationId xmlns:p14="http://schemas.microsoft.com/office/powerpoint/2010/main" val="4124136512"/>
       </p:ext>
     </p:extLst>
   </p:cSld>
   <p:clrMap bg1="lt1" tx1="dk1" bg2="lt2" tx2="dk2" accent1="accent1" accent2="accent2" accent3="accent3" accent4="accent4" accent5="accent5" accent6="accent6" hlink="hlink" folHlink="folHlink"/>
   <p:sldLayoutIdLst>
-    <p:sldLayoutId id="2147483649" r:id="rId1"/>
-    <p:sldLayoutId id="2147483650" r:id="rId2"/>
-    <p:sldLayoutId id="2147483651" r:id="rId3"/>
-    <p:sldLayoutId id="2147483652" r:id="rId4"/>
-    <p:sldLayoutId id="2147483653" r:id="rId5"/>
-    <p:sldLayoutId id="2147483654" r:id="rId6"/>
-    <p:sldLayoutId id="2147483655" r:id="rId7"/>
-    <p:sldLayoutId id="2147483656" r:id="rId8"/>
-    <p:sldLayoutId id="2147483657" r:id="rId9"/>
-    <p:sldLayoutId id="2147483658" r:id="rId10"/>
-    <p:sldLayoutId id="2147483659" r:id="rId11"/>
+    <p:sldLayoutId id="2147483673" r:id="rId1"/>
+    <p:sldLayoutId id="2147483674" r:id="rId2"/>
+    <p:sldLayoutId id="2147483675" r:id="rId3"/>
+    <p:sldLayoutId id="2147483676" r:id="rId4"/>
+    <p:sldLayoutId id="2147483677" r:id="rId5"/>
+    <p:sldLayoutId id="2147483678" r:id="rId6"/>
+    <p:sldLayoutId id="2147483679" r:id="rId7"/>
+    <p:sldLayoutId id="2147483680" r:id="rId8"/>
+    <p:sldLayoutId id="2147483681" r:id="rId9"/>
+    <p:sldLayoutId id="2147483682" r:id="rId10"/>
+    <p:sldLayoutId id="2147483683" r:id="rId11"/>
   </p:sldLayoutIdLst>
   <p:txStyles>
     <p:titleStyle>
@@ -3327,13 +3423,7 @@
       </p:grpSpPr>
       <p:sp>
         <p:nvSpPr>
-          <p:cNvPr id="2" name="Título 1">
-            <a:extLst>
-              <a:ext uri="{FF2B5EF4-FFF2-40B4-BE49-F238E27FC236}">
-                <a16:creationId xmlns:a16="http://schemas.microsoft.com/office/drawing/2014/main" id="{7C47730E-D277-46F1-AFF7-AEE083EBA4D1}"/>
-              </a:ext>
-            </a:extLst>
-          </p:cNvPr>
+          <p:cNvPr id="2" name="Title 1"/>
           <p:cNvSpPr>
             <a:spLocks noGrp="1"/>
           </p:cNvSpPr>
@@ -3346,19 +3436,13 @@
           <a:bodyPr/>
           <a:lstStyle/>
           <a:p>
-            <a:endParaRPr lang="pt-BR"/>
-          </a:p>
-        </p:txBody>
-      </p:sp>
-      <p:sp>
-        <p:nvSpPr>
-          <p:cNvPr id="3" name="Subtítulo 2">
-            <a:extLst>
-              <a:ext uri="{FF2B5EF4-FFF2-40B4-BE49-F238E27FC236}">
-                <a16:creationId xmlns:a16="http://schemas.microsoft.com/office/drawing/2014/main" id="{27D653E9-849B-4590-88F1-EE89C353090F}"/>
-              </a:ext>
-            </a:extLst>
-          </p:cNvPr>
+            <a:endParaRPr lang="pt-BR" dirty="0"/>
+          </a:p>
+        </p:txBody>
+      </p:sp>
+      <p:sp>
+        <p:nvSpPr>
+          <p:cNvPr id="3" name="Subtitle 2"/>
           <p:cNvSpPr>
             <a:spLocks noGrp="1"/>
           </p:cNvSpPr>
@@ -3371,14 +3455,14 @@
           <a:bodyPr/>
           <a:lstStyle/>
           <a:p>
-            <a:endParaRPr lang="pt-BR"/>
+            <a:endParaRPr lang="pt-BR" dirty="0"/>
           </a:p>
         </p:txBody>
       </p:sp>
     </p:spTree>
     <p:extLst>
       <p:ext uri="{BB962C8B-B14F-4D97-AF65-F5344CB8AC3E}">
-        <p14:creationId xmlns:p14="http://schemas.microsoft.com/office/powerpoint/2010/main" val="4283383639"/>
+        <p14:creationId xmlns:p14="http://schemas.microsoft.com/office/powerpoint/2010/main" val="2426011969"/>
       </p:ext>
     </p:extLst>
   </p:cSld>
@@ -3389,9 +3473,9 @@
 </file>
 
 <file path=ppt/theme/theme1.xml><?xml version="1.0" encoding="utf-8"?>
-<a:theme xmlns:a="http://schemas.openxmlformats.org/drawingml/2006/main" name="Tema do Office">
+<a:theme xmlns:a="http://schemas.openxmlformats.org/drawingml/2006/main" name="Office Theme">
   <a:themeElements>
-    <a:clrScheme name="Office">
+    <a:clrScheme name="Office Theme">
       <a:dk1>
         <a:sysClr val="windowText" lastClr="000000"/>
       </a:dk1>
@@ -3405,7 +3489,7 @@
         <a:srgbClr val="E7E6E6"/>
       </a:lt2>
       <a:accent1>
-        <a:srgbClr val="4472C4"/>
+        <a:srgbClr val="5B9BD5"/>
       </a:accent1>
       <a:accent2>
         <a:srgbClr val="ED7D31"/>
@@ -3417,7 +3501,7 @@
         <a:srgbClr val="FFC000"/>
       </a:accent4>
       <a:accent5>
-        <a:srgbClr val="5B9BD5"/>
+        <a:srgbClr val="4472C4"/>
       </a:accent5>
       <a:accent6>
         <a:srgbClr val="70AD47"/>
@@ -3429,7 +3513,7 @@
         <a:srgbClr val="954F72"/>
       </a:folHlink>
     </a:clrScheme>
-    <a:fontScheme name="Office">
+    <a:fontScheme name="Office Theme">
       <a:majorFont>
         <a:latin typeface="Arial" panose="020F0302020204030204"/>
         <a:ea typeface=""/>
@@ -3464,23 +3548,6 @@
         <a:font script="Viet" typeface="Times New Roman"/>
         <a:font script="Uigh" typeface="Microsoft Uighur"/>
         <a:font script="Geor" typeface="Sylfaen"/>
-        <a:font script="Armn" typeface="Arial"/>
-        <a:font script="Bugi" typeface="Leelawadee UI"/>
-        <a:font script="Bopo" typeface="Microsoft JhengHei"/>
-        <a:font script="Java" typeface="Javanese Text"/>
-        <a:font script="Lisu" typeface="Segoe UI"/>
-        <a:font script="Mymr" typeface="Myanmar Text"/>
-        <a:font script="Nkoo" typeface="Ebrima"/>
-        <a:font script="Olck" typeface="Nirmala UI"/>
-        <a:font script="Osma" typeface="Ebrima"/>
-        <a:font script="Phag" typeface="Phagspa"/>
-        <a:font script="Syrn" typeface="Estrangelo Edessa"/>
-        <a:font script="Syrj" typeface="Estrangelo Edessa"/>
-        <a:font script="Syre" typeface="Estrangelo Edessa"/>
-        <a:font script="Sora" typeface="Nirmala UI"/>
-        <a:font script="Tale" typeface="Microsoft Tai Le"/>
-        <a:font script="Talu" typeface="Microsoft New Tai Lue"/>
-        <a:font script="Tfng" typeface="Ebrima"/>
       </a:majorFont>
       <a:minorFont>
         <a:latin typeface="Arial" panose="020F0502020204030204"/>
@@ -3490,8 +3557,8 @@
         <a:font script="Hang" typeface="맑은 고딕"/>
         <a:font script="Hans" typeface="宋体"/>
         <a:font script="Hant" typeface="新細明體"/>
-        <a:font script="Arab" typeface="Times New Roman"/>
-        <a:font script="Hebr" typeface="Times New Roman"/>
+        <a:font script="Arab" typeface="Arial"/>
+        <a:font script="Hebr" typeface="Arial"/>
         <a:font script="Thai" typeface="Cordia New"/>
         <a:font script="Ethi" typeface="Nyala"/>
         <a:font script="Beng" typeface="Vrinda"/>
@@ -3516,23 +3583,267 @@
         <a:font script="Viet" typeface="Arial"/>
         <a:font script="Uigh" typeface="Microsoft Uighur"/>
         <a:font script="Geor" typeface="Sylfaen"/>
-        <a:font script="Armn" typeface="Arial"/>
-        <a:font script="Bugi" typeface="Leelawadee UI"/>
-        <a:font script="Bopo" typeface="Microsoft JhengHei"/>
-        <a:font script="Java" typeface="Javanese Text"/>
-        <a:font script="Lisu" typeface="Segoe UI"/>
-        <a:font script="Mymr" typeface="Myanmar Text"/>
-        <a:font script="Nkoo" typeface="Ebrima"/>
-        <a:font script="Olck" typeface="Nirmala UI"/>
-        <a:font script="Osma" typeface="Ebrima"/>
-        <a:font script="Phag" typeface="Phagspa"/>
-        <a:font script="Syrn" typeface="Estrangelo Edessa"/>
-        <a:font script="Syrj" typeface="Estrangelo Edessa"/>
-        <a:font script="Syre" typeface="Estrangelo Edessa"/>
-        <a:font script="Sora" typeface="Nirmala UI"/>
-        <a:font script="Tale" typeface="Microsoft Tai Le"/>
-        <a:font script="Talu" typeface="Microsoft New Tai Lue"/>
-        <a:font script="Tfng" typeface="Ebrima"/>
+      </a:minorFont>
+    </a:fontScheme>
+    <a:fmtScheme name="Office Theme">
+      <a:fillStyleLst>
+        <a:solidFill>
+          <a:schemeClr val="phClr"/>
+        </a:solidFill>
+        <a:gradFill rotWithShape="1">
+          <a:gsLst>
+            <a:gs pos="0">
+              <a:schemeClr val="phClr">
+                <a:lumMod val="110000"/>
+                <a:satMod val="105000"/>
+                <a:tint val="67000"/>
+              </a:schemeClr>
+            </a:gs>
+            <a:gs pos="50000">
+              <a:schemeClr val="phClr">
+                <a:lumMod val="105000"/>
+                <a:satMod val="103000"/>
+                <a:tint val="73000"/>
+              </a:schemeClr>
+            </a:gs>
+            <a:gs pos="100000">
+              <a:schemeClr val="phClr">
+                <a:lumMod val="105000"/>
+                <a:satMod val="109000"/>
+                <a:tint val="81000"/>
+              </a:schemeClr>
+            </a:gs>
+          </a:gsLst>
+          <a:lin ang="5400000" scaled="0"/>
+        </a:gradFill>
+        <a:gradFill rotWithShape="1">
+          <a:gsLst>
+            <a:gs pos="0">
+              <a:schemeClr val="phClr">
+                <a:satMod val="103000"/>
+                <a:lumMod val="102000"/>
+                <a:tint val="94000"/>
+              </a:schemeClr>
+            </a:gs>
+            <a:gs pos="50000">
+              <a:schemeClr val="phClr">
+                <a:satMod val="110000"/>
+                <a:lumMod val="100000"/>
+                <a:shade val="100000"/>
+              </a:schemeClr>
+            </a:gs>
+            <a:gs pos="100000">
+              <a:schemeClr val="phClr">
+                <a:lumMod val="99000"/>
+                <a:satMod val="120000"/>
+                <a:shade val="78000"/>
+              </a:schemeClr>
+            </a:gs>
+          </a:gsLst>
+          <a:lin ang="5400000" scaled="0"/>
+        </a:gradFill>
+      </a:fillStyleLst>
+      <a:lnStyleLst>
+        <a:ln w="6350" cap="flat" cmpd="sng" algn="ctr">
+          <a:solidFill>
+            <a:schemeClr val="phClr"/>
+          </a:solidFill>
+          <a:prstDash val="solid"/>
+          <a:miter lim="800000"/>
+        </a:ln>
+        <a:ln w="12700" cap="flat" cmpd="sng" algn="ctr">
+          <a:solidFill>
+            <a:schemeClr val="phClr"/>
+          </a:solidFill>
+          <a:prstDash val="solid"/>
+          <a:miter lim="800000"/>
+        </a:ln>
+        <a:ln w="19050" cap="flat" cmpd="sng" algn="ctr">
+          <a:solidFill>
+            <a:schemeClr val="phClr"/>
+          </a:solidFill>
+          <a:prstDash val="solid"/>
+          <a:miter lim="800000"/>
+        </a:ln>
+      </a:lnStyleLst>
+      <a:effectStyleLst>
+        <a:effectStyle>
+          <a:effectLst/>
+        </a:effectStyle>
+        <a:effectStyle>
+          <a:effectLst/>
+        </a:effectStyle>
+        <a:effectStyle>
+          <a:effectLst>
+            <a:outerShdw blurRad="57150" dist="19050" dir="5400000" algn="ctr" rotWithShape="0">
+              <a:srgbClr val="000000">
+                <a:alpha val="63000"/>
+              </a:srgbClr>
+            </a:outerShdw>
+          </a:effectLst>
+        </a:effectStyle>
+      </a:effectStyleLst>
+      <a:bgFillStyleLst>
+        <a:solidFill>
+          <a:schemeClr val="phClr"/>
+        </a:solidFill>
+        <a:solidFill>
+          <a:schemeClr val="phClr">
+            <a:tint val="95000"/>
+            <a:satMod val="170000"/>
+          </a:schemeClr>
+        </a:solidFill>
+        <a:gradFill rotWithShape="1">
+          <a:gsLst>
+            <a:gs pos="0">
+              <a:schemeClr val="phClr">
+                <a:tint val="93000"/>
+                <a:satMod val="150000"/>
+                <a:shade val="98000"/>
+                <a:lumMod val="102000"/>
+              </a:schemeClr>
+            </a:gs>
+            <a:gs pos="50000">
+              <a:schemeClr val="phClr">
+                <a:tint val="98000"/>
+                <a:satMod val="130000"/>
+                <a:shade val="90000"/>
+                <a:lumMod val="103000"/>
+              </a:schemeClr>
+            </a:gs>
+            <a:gs pos="100000">
+              <a:schemeClr val="phClr">
+                <a:shade val="63000"/>
+                <a:satMod val="120000"/>
+              </a:schemeClr>
+            </a:gs>
+          </a:gsLst>
+          <a:lin ang="5400000" scaled="0"/>
+        </a:gradFill>
+      </a:bgFillStyleLst>
+    </a:fmtScheme>
+  </a:themeElements>
+  <a:objectDefaults/>
+  <a:extraClrSchemeLst/>
+  <a:extLst>
+    <a:ext uri="{05A4C25C-085E-4340-85A3-A5531E510DB2}">
+      <thm15:themeFamily xmlns:thm15="http://schemas.microsoft.com/office/thememl/2012/main" name="Office Theme" id="{62F939B6-93AF-4DB8-9C6B-D6C7DFDC589F}" vid="{4A3C46E8-61CC-4603-A589-7422A47A8E4A}"/>
+    </a:ext>
+  </a:extLst>
+</a:theme>
+</file>
+
+<file path=ppt/theme/theme2.xml><?xml version="1.0" encoding="utf-8"?>
+<a:theme xmlns:a="http://schemas.openxmlformats.org/drawingml/2006/main" name="Office Theme">
+  <a:themeElements>
+    <a:clrScheme name="Office">
+      <a:dk1>
+        <a:sysClr val="windowText" lastClr="000000"/>
+      </a:dk1>
+      <a:lt1>
+        <a:sysClr val="window" lastClr="FFFFFF"/>
+      </a:lt1>
+      <a:dk2>
+        <a:srgbClr val="44546A"/>
+      </a:dk2>
+      <a:lt2>
+        <a:srgbClr val="E7E6E6"/>
+      </a:lt2>
+      <a:accent1>
+        <a:srgbClr val="5B9BD5"/>
+      </a:accent1>
+      <a:accent2>
+        <a:srgbClr val="ED7D31"/>
+      </a:accent2>
+      <a:accent3>
+        <a:srgbClr val="A5A5A5"/>
+      </a:accent3>
+      <a:accent4>
+        <a:srgbClr val="FFC000"/>
+      </a:accent4>
+      <a:accent5>
+        <a:srgbClr val="4472C4"/>
+      </a:accent5>
+      <a:accent6>
+        <a:srgbClr val="70AD47"/>
+      </a:accent6>
+      <a:hlink>
+        <a:srgbClr val="0563C1"/>
+      </a:hlink>
+      <a:folHlink>
+        <a:srgbClr val="954F72"/>
+      </a:folHlink>
+    </a:clrScheme>
+    <a:fontScheme name="Arial">
+      <a:majorFont>
+        <a:latin typeface="Arial" panose="020B0604020202020204"/>
+        <a:ea typeface=""/>
+        <a:cs typeface=""/>
+        <a:font script="Jpan" typeface="ＭＳ ゴシック"/>
+        <a:font script="Hang" typeface="맑은 고딕"/>
+        <a:font script="Hans" typeface="宋体"/>
+        <a:font script="Hant" typeface="新細明體"/>
+        <a:font script="Arab" typeface="Tahoma"/>
+        <a:font script="Hebr" typeface="Gisha"/>
+        <a:font script="Thai" typeface="DilleniaUPC"/>
+        <a:font script="Ethi" typeface="Nyala"/>
+        <a:font script="Beng" typeface="Vrinda"/>
+        <a:font script="Gujr" typeface="Shruti"/>
+        <a:font script="Khmr" typeface="DaunPenh"/>
+        <a:font script="Knda" typeface="Tunga"/>
+        <a:font script="Guru" typeface="Raavi"/>
+        <a:font script="Cans" typeface="Euphemia"/>
+        <a:font script="Cher" typeface="Plantagenet Cherokee"/>
+        <a:font script="Yiii" typeface="Microsoft Yi Baiti"/>
+        <a:font script="Tibt" typeface="Microsoft Himalaya"/>
+        <a:font script="Thaa" typeface="MV Boli"/>
+        <a:font script="Deva" typeface="Mangal"/>
+        <a:font script="Telu" typeface="Gautami"/>
+        <a:font script="Taml" typeface="Latha"/>
+        <a:font script="Syrc" typeface="Estrangelo Edessa"/>
+        <a:font script="Orya" typeface="Kalinga"/>
+        <a:font script="Mlym" typeface="Kartika"/>
+        <a:font script="Laoo" typeface="DokChampa"/>
+        <a:font script="Sinh" typeface="Iskoola Pota"/>
+        <a:font script="Mong" typeface="Mongolian Baiti"/>
+        <a:font script="Viet" typeface="Tahoma"/>
+        <a:font script="Uigh" typeface="Microsoft Uighur"/>
+        <a:font script="Geor" typeface="Sylfaen"/>
+      </a:majorFont>
+      <a:minorFont>
+        <a:latin typeface="Arial" panose="020B0604020202020204"/>
+        <a:ea typeface=""/>
+        <a:cs typeface=""/>
+        <a:font script="Jpan" typeface="ＭＳ ゴシック"/>
+        <a:font script="Hang" typeface="맑은 고딕"/>
+        <a:font script="Hans" typeface="宋体"/>
+        <a:font script="Hant" typeface="新細明體"/>
+        <a:font script="Arab" typeface="Tahoma"/>
+        <a:font script="Hebr" typeface="Gisha"/>
+        <a:font script="Thai" typeface="DilleniaUPC"/>
+        <a:font script="Ethi" typeface="Nyala"/>
+        <a:font script="Beng" typeface="Vrinda"/>
+        <a:font script="Gujr" typeface="Shruti"/>
+        <a:font script="Khmr" typeface="DaunPenh"/>
+        <a:font script="Knda" typeface="Tunga"/>
+        <a:font script="Guru" typeface="Raavi"/>
+        <a:font script="Cans" typeface="Euphemia"/>
+        <a:font script="Cher" typeface="Plantagenet Cherokee"/>
+        <a:font script="Yiii" typeface="Microsoft Yi Baiti"/>
+        <a:font script="Tibt" typeface="Microsoft Himalaya"/>
+        <a:font script="Thaa" typeface="MV Boli"/>
+        <a:font script="Deva" typeface="Mangal"/>
+        <a:font script="Telu" typeface="Gautami"/>
+        <a:font script="Taml" typeface="Latha"/>
+        <a:font script="Syrc" typeface="Estrangelo Edessa"/>
+        <a:font script="Orya" typeface="Kalinga"/>
+        <a:font script="Mlym" typeface="Kartika"/>
+        <a:font script="Laoo" typeface="DokChampa"/>
+        <a:font script="Sinh" typeface="Iskoola Pota"/>
+        <a:font script="Mong" typeface="Mongolian Baiti"/>
+        <a:font script="Viet" typeface="Verdana"/>
+        <a:font script="Uigh" typeface="Microsoft Uighur"/>
+        <a:font script="Geor" typeface="Sylfaen"/>
       </a:minorFont>
     </a:fontScheme>
     <a:fmtScheme name="Office">
